--- a/Core Python.pptx
+++ b/Core Python.pptx
@@ -5,7 +5,7 @@
     <p:sldMasterId id="2147483648" r:id="rId1"/>
   </p:sldMasterIdLst>
   <p:notesMasterIdLst>
-    <p:notesMasterId r:id="rId142"/>
+    <p:notesMasterId r:id="rId141"/>
   </p:notesMasterIdLst>
   <p:sldIdLst>
     <p:sldId id="256" r:id="rId2"/>
@@ -95,59 +95,58 @@
     <p:sldId id="342" r:id="rId86"/>
     <p:sldId id="343" r:id="rId87"/>
     <p:sldId id="345" r:id="rId88"/>
-    <p:sldId id="346" r:id="rId89"/>
-    <p:sldId id="347" r:id="rId90"/>
-    <p:sldId id="348" r:id="rId91"/>
-    <p:sldId id="349" r:id="rId92"/>
-    <p:sldId id="351" r:id="rId93"/>
-    <p:sldId id="352" r:id="rId94"/>
-    <p:sldId id="353" r:id="rId95"/>
-    <p:sldId id="354" r:id="rId96"/>
-    <p:sldId id="355" r:id="rId97"/>
-    <p:sldId id="356" r:id="rId98"/>
-    <p:sldId id="357" r:id="rId99"/>
-    <p:sldId id="358" r:id="rId100"/>
-    <p:sldId id="359" r:id="rId101"/>
-    <p:sldId id="360" r:id="rId102"/>
-    <p:sldId id="361" r:id="rId103"/>
-    <p:sldId id="362" r:id="rId104"/>
-    <p:sldId id="363" r:id="rId105"/>
-    <p:sldId id="364" r:id="rId106"/>
-    <p:sldId id="365" r:id="rId107"/>
-    <p:sldId id="366" r:id="rId108"/>
-    <p:sldId id="367" r:id="rId109"/>
-    <p:sldId id="371" r:id="rId110"/>
-    <p:sldId id="370" r:id="rId111"/>
-    <p:sldId id="369" r:id="rId112"/>
-    <p:sldId id="368" r:id="rId113"/>
-    <p:sldId id="372" r:id="rId114"/>
-    <p:sldId id="373" r:id="rId115"/>
-    <p:sldId id="374" r:id="rId116"/>
-    <p:sldId id="375" r:id="rId117"/>
-    <p:sldId id="376" r:id="rId118"/>
-    <p:sldId id="377" r:id="rId119"/>
-    <p:sldId id="378" r:id="rId120"/>
-    <p:sldId id="379" r:id="rId121"/>
-    <p:sldId id="380" r:id="rId122"/>
-    <p:sldId id="381" r:id="rId123"/>
-    <p:sldId id="382" r:id="rId124"/>
-    <p:sldId id="383" r:id="rId125"/>
-    <p:sldId id="384" r:id="rId126"/>
-    <p:sldId id="385" r:id="rId127"/>
-    <p:sldId id="386" r:id="rId128"/>
-    <p:sldId id="387" r:id="rId129"/>
-    <p:sldId id="388" r:id="rId130"/>
-    <p:sldId id="389" r:id="rId131"/>
-    <p:sldId id="390" r:id="rId132"/>
-    <p:sldId id="391" r:id="rId133"/>
-    <p:sldId id="392" r:id="rId134"/>
-    <p:sldId id="393" r:id="rId135"/>
-    <p:sldId id="394" r:id="rId136"/>
-    <p:sldId id="395" r:id="rId137"/>
-    <p:sldId id="396" r:id="rId138"/>
-    <p:sldId id="398" r:id="rId139"/>
-    <p:sldId id="397" r:id="rId140"/>
-    <p:sldId id="399" r:id="rId141"/>
+    <p:sldId id="347" r:id="rId89"/>
+    <p:sldId id="348" r:id="rId90"/>
+    <p:sldId id="349" r:id="rId91"/>
+    <p:sldId id="351" r:id="rId92"/>
+    <p:sldId id="352" r:id="rId93"/>
+    <p:sldId id="353" r:id="rId94"/>
+    <p:sldId id="354" r:id="rId95"/>
+    <p:sldId id="355" r:id="rId96"/>
+    <p:sldId id="356" r:id="rId97"/>
+    <p:sldId id="357" r:id="rId98"/>
+    <p:sldId id="358" r:id="rId99"/>
+    <p:sldId id="359" r:id="rId100"/>
+    <p:sldId id="360" r:id="rId101"/>
+    <p:sldId id="361" r:id="rId102"/>
+    <p:sldId id="362" r:id="rId103"/>
+    <p:sldId id="363" r:id="rId104"/>
+    <p:sldId id="364" r:id="rId105"/>
+    <p:sldId id="365" r:id="rId106"/>
+    <p:sldId id="366" r:id="rId107"/>
+    <p:sldId id="367" r:id="rId108"/>
+    <p:sldId id="371" r:id="rId109"/>
+    <p:sldId id="370" r:id="rId110"/>
+    <p:sldId id="369" r:id="rId111"/>
+    <p:sldId id="368" r:id="rId112"/>
+    <p:sldId id="372" r:id="rId113"/>
+    <p:sldId id="373" r:id="rId114"/>
+    <p:sldId id="374" r:id="rId115"/>
+    <p:sldId id="375" r:id="rId116"/>
+    <p:sldId id="376" r:id="rId117"/>
+    <p:sldId id="377" r:id="rId118"/>
+    <p:sldId id="378" r:id="rId119"/>
+    <p:sldId id="379" r:id="rId120"/>
+    <p:sldId id="380" r:id="rId121"/>
+    <p:sldId id="381" r:id="rId122"/>
+    <p:sldId id="382" r:id="rId123"/>
+    <p:sldId id="383" r:id="rId124"/>
+    <p:sldId id="384" r:id="rId125"/>
+    <p:sldId id="385" r:id="rId126"/>
+    <p:sldId id="386" r:id="rId127"/>
+    <p:sldId id="387" r:id="rId128"/>
+    <p:sldId id="388" r:id="rId129"/>
+    <p:sldId id="389" r:id="rId130"/>
+    <p:sldId id="390" r:id="rId131"/>
+    <p:sldId id="391" r:id="rId132"/>
+    <p:sldId id="392" r:id="rId133"/>
+    <p:sldId id="393" r:id="rId134"/>
+    <p:sldId id="394" r:id="rId135"/>
+    <p:sldId id="395" r:id="rId136"/>
+    <p:sldId id="396" r:id="rId137"/>
+    <p:sldId id="398" r:id="rId138"/>
+    <p:sldId id="397" r:id="rId139"/>
+    <p:sldId id="399" r:id="rId140"/>
   </p:sldIdLst>
   <p:sldSz cx="9144000" cy="6858000" type="screen4x3"/>
   <p:notesSz cx="6858000" cy="9144000"/>
@@ -332,7 +331,7 @@
             <a:fld id="{F2297ED8-7890-4D1D-8449-CEAA90431818}" type="datetimeFigureOut">
               <a:rPr lang="en-US" smtClean="0"/>
               <a:pPr/>
-              <a:t>7/22/2012</a:t>
+              <a:t>2/28/2013</a:t>
             </a:fld>
             <a:endParaRPr lang="en-US"/>
           </a:p>
@@ -862,7 +861,7 @@
             <a:fld id="{1D8BD707-D9CF-40AE-B4C6-C98DA3205C09}" type="datetimeFigureOut">
               <a:rPr lang="en-US" smtClean="0"/>
               <a:pPr/>
-              <a:t>7/22/2012</a:t>
+              <a:t>2/28/2013</a:t>
             </a:fld>
             <a:endParaRPr lang="en-US"/>
           </a:p>
@@ -1029,7 +1028,7 @@
             <a:fld id="{1D8BD707-D9CF-40AE-B4C6-C98DA3205C09}" type="datetimeFigureOut">
               <a:rPr lang="en-US" smtClean="0"/>
               <a:pPr/>
-              <a:t>7/22/2012</a:t>
+              <a:t>2/28/2013</a:t>
             </a:fld>
             <a:endParaRPr lang="en-US"/>
           </a:p>
@@ -1206,7 +1205,7 @@
             <a:fld id="{1D8BD707-D9CF-40AE-B4C6-C98DA3205C09}" type="datetimeFigureOut">
               <a:rPr lang="en-US" smtClean="0"/>
               <a:pPr/>
-              <a:t>7/22/2012</a:t>
+              <a:t>2/28/2013</a:t>
             </a:fld>
             <a:endParaRPr lang="en-US"/>
           </a:p>
@@ -1373,7 +1372,7 @@
             <a:fld id="{1D8BD707-D9CF-40AE-B4C6-C98DA3205C09}" type="datetimeFigureOut">
               <a:rPr lang="en-US" smtClean="0"/>
               <a:pPr/>
-              <a:t>7/22/2012</a:t>
+              <a:t>2/28/2013</a:t>
             </a:fld>
             <a:endParaRPr lang="en-US"/>
           </a:p>
@@ -1616,7 +1615,7 @@
             <a:fld id="{1D8BD707-D9CF-40AE-B4C6-C98DA3205C09}" type="datetimeFigureOut">
               <a:rPr lang="en-US" smtClean="0"/>
               <a:pPr/>
-              <a:t>7/22/2012</a:t>
+              <a:t>2/28/2013</a:t>
             </a:fld>
             <a:endParaRPr lang="en-US"/>
           </a:p>
@@ -1901,7 +1900,7 @@
             <a:fld id="{1D8BD707-D9CF-40AE-B4C6-C98DA3205C09}" type="datetimeFigureOut">
               <a:rPr lang="en-US" smtClean="0"/>
               <a:pPr/>
-              <a:t>7/22/2012</a:t>
+              <a:t>2/28/2013</a:t>
             </a:fld>
             <a:endParaRPr lang="en-US"/>
           </a:p>
@@ -2320,7 +2319,7 @@
             <a:fld id="{1D8BD707-D9CF-40AE-B4C6-C98DA3205C09}" type="datetimeFigureOut">
               <a:rPr lang="en-US" smtClean="0"/>
               <a:pPr/>
-              <a:t>7/22/2012</a:t>
+              <a:t>2/28/2013</a:t>
             </a:fld>
             <a:endParaRPr lang="en-US"/>
           </a:p>
@@ -2435,7 +2434,7 @@
             <a:fld id="{1D8BD707-D9CF-40AE-B4C6-C98DA3205C09}" type="datetimeFigureOut">
               <a:rPr lang="en-US" smtClean="0"/>
               <a:pPr/>
-              <a:t>7/22/2012</a:t>
+              <a:t>2/28/2013</a:t>
             </a:fld>
             <a:endParaRPr lang="en-US"/>
           </a:p>
@@ -2527,7 +2526,7 @@
             <a:fld id="{1D8BD707-D9CF-40AE-B4C6-C98DA3205C09}" type="datetimeFigureOut">
               <a:rPr lang="en-US" smtClean="0"/>
               <a:pPr/>
-              <a:t>7/22/2012</a:t>
+              <a:t>2/28/2013</a:t>
             </a:fld>
             <a:endParaRPr lang="en-US"/>
           </a:p>
@@ -2801,7 +2800,7 @@
             <a:fld id="{1D8BD707-D9CF-40AE-B4C6-C98DA3205C09}" type="datetimeFigureOut">
               <a:rPr lang="en-US" smtClean="0"/>
               <a:pPr/>
-              <a:t>7/22/2012</a:t>
+              <a:t>2/28/2013</a:t>
             </a:fld>
             <a:endParaRPr lang="en-US"/>
           </a:p>
@@ -3051,7 +3050,7 @@
             <a:fld id="{1D8BD707-D9CF-40AE-B4C6-C98DA3205C09}" type="datetimeFigureOut">
               <a:rPr lang="en-US" smtClean="0"/>
               <a:pPr/>
-              <a:t>7/22/2012</a:t>
+              <a:t>2/28/2013</a:t>
             </a:fld>
             <a:endParaRPr lang="en-US"/>
           </a:p>
@@ -3261,7 +3260,7 @@
             <a:fld id="{1D8BD707-D9CF-40AE-B4C6-C98DA3205C09}" type="datetimeFigureOut">
               <a:rPr lang="en-US" smtClean="0"/>
               <a:pPr/>
-              <a:t>7/22/2012</a:t>
+              <a:t>2/28/2013</a:t>
             </a:fld>
             <a:endParaRPr lang="en-US"/>
           </a:p>
@@ -3911,167 +3910,50 @@
         </p:spPr>
         <p:txBody>
           <a:bodyPr>
-            <a:normAutofit/>
+            <a:normAutofit fontScale="90000"/>
           </a:bodyPr>
           <a:lstStyle/>
           <a:p>
             <a:r>
               <a:rPr lang="en-US" sz="3200" dirty="0" smtClean="0"/>
-              <a:t>Execution </a:t>
-            </a:r>
-            <a:r>
-              <a:rPr lang="en-US" sz="3200" dirty="0" err="1" smtClean="0"/>
-              <a:t>env</a:t>
+              <a:t>Executable Object Statements and Built-in Functions</a:t>
             </a:r>
             <a:endParaRPr lang="en-US" sz="3200" dirty="0"/>
           </a:p>
         </p:txBody>
       </p:sp>
-      <p:sp>
-        <p:nvSpPr>
-          <p:cNvPr id="4" name="Content Placeholder 2"/>
-          <p:cNvSpPr>
-            <a:spLocks noGrp="1"/>
-          </p:cNvSpPr>
-          <p:nvPr>
-            <p:ph idx="1"/>
-          </p:nvPr>
-        </p:nvSpPr>
-        <p:spPr>
-          <a:xfrm>
-            <a:off x="457200" y="1143000"/>
-            <a:ext cx="8229600" cy="5562600"/>
-          </a:xfrm>
-        </p:spPr>
-        <p:txBody>
-          <a:bodyPr>
-            <a:normAutofit/>
-          </a:bodyPr>
-          <a:lstStyle/>
-          <a:p>
-            <a:pPr marL="342900" lvl="1" indent="-342900">
-              <a:buFont typeface="Arial" pitchFamily="34" charset="0"/>
-              <a:buChar char="•"/>
-            </a:pPr>
-            <a:r>
-              <a:rPr lang="en-US" sz="2400" dirty="0" smtClean="0"/>
-              <a:t>Callable objects</a:t>
-            </a:r>
-            <a:endParaRPr lang="en-US" sz="2400" dirty="0" smtClean="0"/>
-          </a:p>
-          <a:p>
-            <a:pPr lvl="1"/>
-            <a:r>
-              <a:rPr lang="en-US" sz="2000" dirty="0" smtClean="0"/>
-              <a:t>BIF (Built-in function)</a:t>
-            </a:r>
-          </a:p>
-          <a:p>
-            <a:pPr lvl="1"/>
-            <a:r>
-              <a:rPr lang="en-US" sz="2000" dirty="0" smtClean="0"/>
-              <a:t>UDF (User-defined function)</a:t>
-            </a:r>
-          </a:p>
-          <a:p>
-            <a:pPr lvl="1"/>
-            <a:r>
-              <a:rPr lang="en-US" sz="2000" dirty="0" smtClean="0"/>
-              <a:t>Lambda</a:t>
-            </a:r>
-          </a:p>
-          <a:p>
-            <a:pPr lvl="1"/>
-            <a:r>
-              <a:rPr lang="en-US" sz="2000" dirty="0" smtClean="0"/>
-              <a:t>BIM (Built-in method)</a:t>
-            </a:r>
-          </a:p>
-          <a:p>
-            <a:pPr lvl="1"/>
-            <a:r>
-              <a:rPr lang="en-US" sz="2000" dirty="0" smtClean="0"/>
-              <a:t>UDM (User-defined, method)</a:t>
-            </a:r>
-          </a:p>
-          <a:p>
-            <a:pPr lvl="1"/>
-            <a:r>
-              <a:rPr lang="en-US" sz="2000" dirty="0" smtClean="0"/>
-              <a:t>Class instances </a:t>
-            </a:r>
-            <a:r>
-              <a:rPr lang="en-US" sz="2000" dirty="0" err="1" smtClean="0"/>
-              <a:t>instanciated</a:t>
-            </a:r>
-            <a:r>
-              <a:rPr lang="en-US" sz="2000" dirty="0" smtClean="0"/>
-              <a:t> from classes which has defined </a:t>
-            </a:r>
-            <a:r>
-              <a:rPr lang="en-US" sz="2000" dirty="0" smtClean="0">
-                <a:solidFill>
-                  <a:srgbClr val="FF0000"/>
-                </a:solidFill>
-              </a:rPr>
-              <a:t>__call__ </a:t>
-            </a:r>
-            <a:r>
-              <a:rPr lang="en-US" sz="2000" dirty="0" smtClean="0"/>
-              <a:t>special method</a:t>
-            </a:r>
-          </a:p>
-          <a:p>
-            <a:pPr marL="342900" lvl="1" indent="-342900">
-              <a:buFont typeface="Arial" pitchFamily="34" charset="0"/>
-              <a:buChar char="•"/>
-            </a:pPr>
-            <a:r>
-              <a:rPr lang="en-US" sz="2400" dirty="0" smtClean="0"/>
-              <a:t>Code object </a:t>
-            </a:r>
-            <a:endParaRPr lang="en-US" sz="2400" dirty="0" smtClean="0"/>
-          </a:p>
-          <a:p>
-            <a:pPr lvl="1"/>
-            <a:r>
-              <a:rPr lang="en-US" sz="2000" dirty="0" smtClean="0"/>
-              <a:t>byte-compiled code (</a:t>
-            </a:r>
-            <a:r>
-              <a:rPr lang="en-US" sz="2000" dirty="0" smtClean="0"/>
-              <a:t>byte code) converted from Python code</a:t>
-            </a:r>
-          </a:p>
-          <a:p>
-            <a:pPr lvl="1"/>
-            <a:r>
-              <a:rPr lang="en-US" sz="2000" dirty="0" smtClean="0"/>
-              <a:t>They do not contain any information about their execution environment</a:t>
-            </a:r>
-            <a:r>
-              <a:rPr lang="en-US" sz="2000" dirty="0" smtClean="0"/>
-              <a:t>, </a:t>
-            </a:r>
-            <a:r>
-              <a:rPr lang="en-US" sz="2000" dirty="0" smtClean="0"/>
-              <a:t>and that is </a:t>
-            </a:r>
-            <a:r>
-              <a:rPr lang="en-US" sz="2000" dirty="0" smtClean="0"/>
-              <a:t>why </a:t>
-            </a:r>
-            <a:r>
-              <a:rPr lang="en-US" sz="2000" dirty="0" err="1" smtClean="0"/>
-              <a:t>callables</a:t>
-            </a:r>
-            <a:r>
-              <a:rPr lang="en-US" sz="2000" dirty="0" smtClean="0"/>
-              <a:t> exist, to "wrap" a code object and provide that extra information</a:t>
-            </a:r>
-          </a:p>
-        </p:txBody>
-      </p:sp>
+      <p:pic>
+        <p:nvPicPr>
+          <p:cNvPr id="8194" name="Picture 2"/>
+          <p:cNvPicPr>
+            <a:picLocks noChangeAspect="1" noChangeArrowheads="1"/>
+          </p:cNvPicPr>
+          <p:nvPr/>
+        </p:nvPicPr>
+        <p:blipFill>
+          <a:blip r:embed="rId2" cstate="print"/>
+          <a:srcRect/>
+          <a:stretch>
+            <a:fillRect/>
+          </a:stretch>
+        </p:blipFill>
+        <p:spPr bwMode="auto">
+          <a:xfrm>
+            <a:off x="533400" y="1447800"/>
+            <a:ext cx="8229600" cy="2895600"/>
+          </a:xfrm>
+          <a:prstGeom prst="rect">
+            <a:avLst/>
+          </a:prstGeom>
+          <a:noFill/>
+          <a:ln w="9525">
+            <a:noFill/>
+            <a:miter lim="800000"/>
+            <a:headEnd/>
+            <a:tailEnd/>
+          </a:ln>
+        </p:spPr>
+      </p:pic>
     </p:spTree>
   </p:cSld>
   <p:clrMapOvr>
@@ -4122,50 +4004,133 @@
         </p:spPr>
         <p:txBody>
           <a:bodyPr>
-            <a:normAutofit fontScale="90000"/>
+            <a:normAutofit/>
           </a:bodyPr>
           <a:lstStyle/>
           <a:p>
             <a:r>
               <a:rPr lang="en-US" sz="3200" dirty="0" smtClean="0"/>
-              <a:t>Executable Object Statements and Built-in Functions</a:t>
+              <a:t>Execute other python program</a:t>
             </a:r>
             <a:endParaRPr lang="en-US" sz="3200" dirty="0"/>
           </a:p>
         </p:txBody>
       </p:sp>
-      <p:pic>
-        <p:nvPicPr>
-          <p:cNvPr id="8194" name="Picture 2"/>
-          <p:cNvPicPr>
-            <a:picLocks noChangeAspect="1" noChangeArrowheads="1"/>
-          </p:cNvPicPr>
-          <p:nvPr/>
-        </p:nvPicPr>
-        <p:blipFill>
-          <a:blip r:embed="rId2" cstate="print"/>
-          <a:srcRect/>
-          <a:stretch>
-            <a:fillRect/>
-          </a:stretch>
-        </p:blipFill>
-        <p:spPr bwMode="auto">
-          <a:xfrm>
-            <a:off x="533400" y="1447800"/>
-            <a:ext cx="8229600" cy="2895600"/>
-          </a:xfrm>
-          <a:prstGeom prst="rect">
-            <a:avLst/>
-          </a:prstGeom>
-          <a:noFill/>
-          <a:ln w="9525">
-            <a:noFill/>
-            <a:miter lim="800000"/>
-            <a:headEnd/>
-            <a:tailEnd/>
-          </a:ln>
-        </p:spPr>
-      </p:pic>
+      <p:sp>
+        <p:nvSpPr>
+          <p:cNvPr id="4" name="Content Placeholder 2"/>
+          <p:cNvSpPr>
+            <a:spLocks noGrp="1"/>
+          </p:cNvSpPr>
+          <p:nvPr>
+            <p:ph idx="1"/>
+          </p:nvPr>
+        </p:nvSpPr>
+        <p:spPr>
+          <a:xfrm>
+            <a:off x="457200" y="1143000"/>
+            <a:ext cx="8229600" cy="5562600"/>
+          </a:xfrm>
+        </p:spPr>
+        <p:txBody>
+          <a:bodyPr>
+            <a:normAutofit/>
+          </a:bodyPr>
+          <a:lstStyle/>
+          <a:p>
+            <a:pPr marL="342900" lvl="1" indent="-342900">
+              <a:buFont typeface="Arial" pitchFamily="34" charset="0"/>
+              <a:buChar char="•"/>
+            </a:pPr>
+            <a:r>
+              <a:rPr lang="en-US" sz="2400" dirty="0" smtClean="0"/>
+              <a:t>Import</a:t>
+            </a:r>
+          </a:p>
+          <a:p>
+            <a:pPr lvl="1"/>
+            <a:r>
+              <a:rPr lang="en-US" sz="2000" dirty="0" smtClean="0"/>
+              <a:t>Import executes the module</a:t>
+            </a:r>
+          </a:p>
+          <a:p>
+            <a:pPr marL="342900" lvl="1" indent="-342900">
+              <a:buFont typeface="Arial" pitchFamily="34" charset="0"/>
+              <a:buChar char="•"/>
+            </a:pPr>
+            <a:r>
+              <a:rPr lang="en-US" sz="2400" dirty="0" err="1" smtClean="0"/>
+              <a:t>execfile</a:t>
+            </a:r>
+            <a:r>
+              <a:rPr lang="en-US" sz="2400" dirty="0" smtClean="0"/>
+              <a:t>()</a:t>
+            </a:r>
+          </a:p>
+          <a:p>
+            <a:pPr lvl="1"/>
+            <a:r>
+              <a:rPr lang="en-US" sz="2000" dirty="0" err="1" smtClean="0"/>
+              <a:t>execfile</a:t>
+            </a:r>
+            <a:r>
+              <a:rPr lang="en-US" sz="2000" dirty="0" smtClean="0"/>
+              <a:t>(</a:t>
+            </a:r>
+            <a:r>
+              <a:rPr lang="en-US" sz="2000" i="1" dirty="0" smtClean="0"/>
+              <a:t>filename, </a:t>
+            </a:r>
+            <a:r>
+              <a:rPr lang="en-US" sz="2000" i="1" dirty="0" err="1" smtClean="0"/>
+              <a:t>globals</a:t>
+            </a:r>
+            <a:r>
+              <a:rPr lang="en-US" sz="2000" i="1" dirty="0" smtClean="0"/>
+              <a:t>=</a:t>
+            </a:r>
+            <a:r>
+              <a:rPr lang="en-US" sz="2000" i="1" dirty="0" err="1" smtClean="0"/>
+              <a:t>globals</a:t>
+            </a:r>
+            <a:r>
+              <a:rPr lang="en-US" sz="2000" i="1" dirty="0" smtClean="0"/>
+              <a:t>(), locals=locals())</a:t>
+            </a:r>
+          </a:p>
+          <a:p>
+            <a:pPr marL="342900" lvl="1" indent="-342900">
+              <a:buFont typeface="Arial" pitchFamily="34" charset="0"/>
+              <a:buChar char="•"/>
+            </a:pPr>
+            <a:r>
+              <a:rPr lang="en-US" sz="2400" dirty="0" smtClean="0"/>
+              <a:t>Executing Modules as Scripts</a:t>
+            </a:r>
+          </a:p>
+          <a:p>
+            <a:pPr lvl="1"/>
+            <a:r>
+              <a:rPr lang="en-US" sz="2000" dirty="0" smtClean="0"/>
+              <a:t>python</a:t>
+            </a:r>
+            <a:r>
+              <a:rPr lang="en-US" sz="2000" b="1" dirty="0" smtClean="0">
+                <a:solidFill>
+                  <a:srgbClr val="FF0000"/>
+                </a:solidFill>
+              </a:rPr>
+              <a:t> -m </a:t>
+            </a:r>
+            <a:r>
+              <a:rPr lang="en-US" sz="2000" dirty="0" err="1" smtClean="0"/>
+              <a:t>CGIHTTPServer</a:t>
+            </a:r>
+            <a:endParaRPr lang="en-US" sz="2000" dirty="0" smtClean="0"/>
+          </a:p>
+        </p:txBody>
+      </p:sp>
     </p:spTree>
   </p:cSld>
   <p:clrMapOvr>
@@ -4222,156 +4187,52 @@
           <a:p>
             <a:r>
               <a:rPr lang="en-US" sz="3200" dirty="0" smtClean="0"/>
-              <a:t>Execute other python program</a:t>
+              <a:t>Execute other program (</a:t>
+            </a:r>
+            <a:r>
+              <a:rPr lang="en-US" sz="3200" dirty="0" err="1" smtClean="0"/>
+              <a:t>os</a:t>
+            </a:r>
+            <a:r>
+              <a:rPr lang="en-US" sz="3200" dirty="0" smtClean="0"/>
+              <a:t> Module)</a:t>
             </a:r>
             <a:endParaRPr lang="en-US" sz="3200" dirty="0"/>
           </a:p>
         </p:txBody>
       </p:sp>
-      <p:sp>
-        <p:nvSpPr>
-          <p:cNvPr id="4" name="Content Placeholder 2"/>
-          <p:cNvSpPr>
-            <a:spLocks noGrp="1"/>
-          </p:cNvSpPr>
-          <p:nvPr>
-            <p:ph idx="1"/>
-          </p:nvPr>
-        </p:nvSpPr>
-        <p:spPr>
-          <a:xfrm>
-            <a:off x="457200" y="1143000"/>
-            <a:ext cx="8229600" cy="5562600"/>
-          </a:xfrm>
-        </p:spPr>
-        <p:txBody>
-          <a:bodyPr>
-            <a:normAutofit/>
-          </a:bodyPr>
-          <a:lstStyle/>
-          <a:p>
-            <a:pPr marL="342900" lvl="1" indent="-342900">
-              <a:buFont typeface="Arial" pitchFamily="34" charset="0"/>
-              <a:buChar char="•"/>
-            </a:pPr>
-            <a:r>
-              <a:rPr lang="en-US" sz="2400" dirty="0" smtClean="0"/>
-              <a:t>Import</a:t>
-            </a:r>
-            <a:endParaRPr lang="en-US" sz="2400" dirty="0" smtClean="0"/>
-          </a:p>
-          <a:p>
-            <a:pPr lvl="1"/>
-            <a:r>
-              <a:rPr lang="en-US" sz="2000" dirty="0" smtClean="0"/>
-              <a:t>Import executes the module</a:t>
-            </a:r>
-          </a:p>
-          <a:p>
-            <a:pPr marL="342900" lvl="1" indent="-342900">
-              <a:buFont typeface="Arial" pitchFamily="34" charset="0"/>
-              <a:buChar char="•"/>
-            </a:pPr>
-            <a:r>
-              <a:rPr lang="en-US" sz="2400" dirty="0" err="1" smtClean="0"/>
-              <a:t>execfile</a:t>
-            </a:r>
-            <a:r>
-              <a:rPr lang="en-US" sz="2400" dirty="0" smtClean="0"/>
-              <a:t>()</a:t>
-            </a:r>
-          </a:p>
-          <a:p>
-            <a:pPr lvl="1"/>
-            <a:r>
-              <a:rPr lang="en-US" sz="2000" dirty="0" err="1" smtClean="0"/>
-              <a:t>execfile</a:t>
-            </a:r>
-            <a:r>
-              <a:rPr lang="en-US" sz="2000" dirty="0" smtClean="0"/>
-              <a:t>(</a:t>
-            </a:r>
-            <a:r>
-              <a:rPr lang="en-US" sz="2000" i="1" dirty="0" smtClean="0"/>
-              <a:t>filename, </a:t>
-            </a:r>
-            <a:r>
-              <a:rPr lang="en-US" sz="2000" i="1" dirty="0" err="1" smtClean="0"/>
-              <a:t>globals</a:t>
-            </a:r>
-            <a:r>
-              <a:rPr lang="en-US" sz="2000" i="1" dirty="0" smtClean="0"/>
-              <a:t>=</a:t>
-            </a:r>
-            <a:r>
-              <a:rPr lang="en-US" sz="2000" i="1" dirty="0" err="1" smtClean="0"/>
-              <a:t>globals</a:t>
-            </a:r>
-            <a:r>
-              <a:rPr lang="en-US" sz="2000" i="1" dirty="0" smtClean="0"/>
-              <a:t>(), locals=locals</a:t>
-            </a:r>
-            <a:r>
-              <a:rPr lang="en-US" sz="2000" i="1" dirty="0" smtClean="0"/>
-              <a:t>())</a:t>
-            </a:r>
-          </a:p>
-          <a:p>
-            <a:pPr marL="342900" lvl="1" indent="-342900">
-              <a:buFont typeface="Arial" pitchFamily="34" charset="0"/>
-              <a:buChar char="•"/>
-            </a:pPr>
-            <a:r>
-              <a:rPr lang="en-US" sz="2400" dirty="0" smtClean="0"/>
-              <a:t>Executing </a:t>
-            </a:r>
-            <a:r>
-              <a:rPr lang="en-US" sz="2400" dirty="0" smtClean="0"/>
-              <a:t>Modules as </a:t>
-            </a:r>
-            <a:r>
-              <a:rPr lang="en-US" sz="2400" dirty="0" smtClean="0"/>
-              <a:t>Scripts</a:t>
-            </a:r>
-          </a:p>
-          <a:p>
-            <a:pPr lvl="1"/>
-            <a:r>
-              <a:rPr lang="en-US" sz="2000" dirty="0" smtClean="0"/>
-              <a:t>python</a:t>
-            </a:r>
-            <a:r>
-              <a:rPr lang="en-US" sz="2000" b="1" dirty="0" smtClean="0">
-                <a:solidFill>
-                  <a:srgbClr val="FF0000"/>
-                </a:solidFill>
-              </a:rPr>
-              <a:t> </a:t>
-            </a:r>
-            <a:r>
-              <a:rPr lang="en-US" sz="2000" b="1" dirty="0" smtClean="0">
-                <a:solidFill>
-                  <a:srgbClr val="FF0000"/>
-                </a:solidFill>
-              </a:rPr>
-              <a:t>-</a:t>
-            </a:r>
-            <a:r>
-              <a:rPr lang="en-US" sz="2000" b="1" dirty="0" smtClean="0">
-                <a:solidFill>
-                  <a:srgbClr val="FF0000"/>
-                </a:solidFill>
-              </a:rPr>
-              <a:t>m </a:t>
-            </a:r>
-            <a:r>
-              <a:rPr lang="en-US" sz="2000" dirty="0" err="1" smtClean="0"/>
-              <a:t>CGIHTTPServer</a:t>
-            </a:r>
-            <a:endParaRPr lang="en-US" sz="2000" dirty="0" smtClean="0"/>
-          </a:p>
-        </p:txBody>
-      </p:sp>
+      <p:pic>
+        <p:nvPicPr>
+          <p:cNvPr id="9218" name="Picture 2"/>
+          <p:cNvPicPr>
+            <a:picLocks noChangeAspect="1" noChangeArrowheads="1"/>
+          </p:cNvPicPr>
+          <p:nvPr/>
+        </p:nvPicPr>
+        <p:blipFill>
+          <a:blip r:embed="rId2" cstate="print"/>
+          <a:srcRect/>
+          <a:stretch>
+            <a:fillRect/>
+          </a:stretch>
+        </p:blipFill>
+        <p:spPr bwMode="auto">
+          <a:xfrm>
+            <a:off x="457200" y="1219200"/>
+            <a:ext cx="8334375" cy="5324475"/>
+          </a:xfrm>
+          <a:prstGeom prst="rect">
+            <a:avLst/>
+          </a:prstGeom>
+          <a:noFill/>
+          <a:ln w="9525">
+            <a:noFill/>
+            <a:miter lim="800000"/>
+            <a:headEnd/>
+            <a:tailEnd/>
+          </a:ln>
+        </p:spPr>
+      </p:pic>
     </p:spTree>
   </p:cSld>
   <p:clrMapOvr>
@@ -4428,15 +4289,7 @@
           <a:p>
             <a:r>
               <a:rPr lang="en-US" sz="3200" dirty="0" smtClean="0"/>
-              <a:t>Execute other program (</a:t>
-            </a:r>
-            <a:r>
-              <a:rPr lang="en-US" sz="3200" dirty="0" err="1" smtClean="0"/>
-              <a:t>os</a:t>
-            </a:r>
-            <a:r>
-              <a:rPr lang="en-US" sz="3200" dirty="0" smtClean="0"/>
-              <a:t> Module)</a:t>
+              <a:t>Execute other program</a:t>
             </a:r>
             <a:endParaRPr lang="en-US" sz="3200" dirty="0"/>
           </a:p>
@@ -4444,7 +4297,7 @@
       </p:sp>
       <p:pic>
         <p:nvPicPr>
-          <p:cNvPr id="9218" name="Picture 2"/>
+          <p:cNvPr id="10242" name="Picture 2"/>
           <p:cNvPicPr>
             <a:picLocks noChangeAspect="1" noChangeArrowheads="1"/>
           </p:cNvPicPr>
@@ -4459,8 +4312,8 @@
         </p:blipFill>
         <p:spPr bwMode="auto">
           <a:xfrm>
-            <a:off x="457200" y="1219200"/>
-            <a:ext cx="8334375" cy="5324475"/>
+            <a:off x="533400" y="1066800"/>
+            <a:ext cx="8286750" cy="3590925"/>
           </a:xfrm>
           <a:prstGeom prst="rect">
             <a:avLst/>
@@ -4518,7 +4371,7 @@
         </p:nvSpPr>
         <p:spPr>
           <a:xfrm>
-            <a:off x="457200" y="274638"/>
+            <a:off x="457200" y="152400"/>
             <a:ext cx="8229600" cy="868362"/>
           </a:xfrm>
         </p:spPr>
@@ -4530,44 +4383,256 @@
           <a:p>
             <a:r>
               <a:rPr lang="en-US" sz="3200" dirty="0" smtClean="0"/>
-              <a:t>Execute other program</a:t>
+              <a:t>Terminating execution</a:t>
             </a:r>
             <a:endParaRPr lang="en-US" sz="3200" dirty="0"/>
           </a:p>
         </p:txBody>
       </p:sp>
-      <p:pic>
-        <p:nvPicPr>
-          <p:cNvPr id="10242" name="Picture 2"/>
-          <p:cNvPicPr>
-            <a:picLocks noChangeAspect="1" noChangeArrowheads="1"/>
-          </p:cNvPicPr>
-          <p:nvPr/>
-        </p:nvPicPr>
-        <p:blipFill>
-          <a:blip r:embed="rId2" cstate="print"/>
-          <a:srcRect/>
-          <a:stretch>
-            <a:fillRect/>
-          </a:stretch>
-        </p:blipFill>
-        <p:spPr bwMode="auto">
-          <a:xfrm>
-            <a:off x="533400" y="1066800"/>
-            <a:ext cx="8286750" cy="3590925"/>
-          </a:xfrm>
-          <a:prstGeom prst="rect">
-            <a:avLst/>
-          </a:prstGeom>
-          <a:noFill/>
-          <a:ln w="9525">
-            <a:noFill/>
-            <a:miter lim="800000"/>
-            <a:headEnd/>
-            <a:tailEnd/>
-          </a:ln>
-        </p:spPr>
-      </p:pic>
+      <p:sp>
+        <p:nvSpPr>
+          <p:cNvPr id="4" name="Content Placeholder 2"/>
+          <p:cNvSpPr>
+            <a:spLocks noGrp="1"/>
+          </p:cNvSpPr>
+          <p:nvPr>
+            <p:ph idx="1"/>
+          </p:nvPr>
+        </p:nvSpPr>
+        <p:spPr>
+          <a:xfrm>
+            <a:off x="457200" y="990600"/>
+            <a:ext cx="8229600" cy="5715000"/>
+          </a:xfrm>
+        </p:spPr>
+        <p:txBody>
+          <a:bodyPr>
+            <a:normAutofit/>
+          </a:bodyPr>
+          <a:lstStyle/>
+          <a:p>
+            <a:pPr marL="342900" lvl="1" indent="-342900">
+              <a:buFont typeface="Arial" pitchFamily="34" charset="0"/>
+              <a:buChar char="•"/>
+            </a:pPr>
+            <a:r>
+              <a:rPr lang="en-US" sz="2400" dirty="0" err="1" smtClean="0"/>
+              <a:t>sys.exit</a:t>
+            </a:r>
+            <a:r>
+              <a:rPr lang="en-US" sz="2400" dirty="0" smtClean="0"/>
+              <a:t>()</a:t>
+            </a:r>
+          </a:p>
+          <a:p>
+            <a:pPr lvl="1"/>
+            <a:r>
+              <a:rPr lang="en-US" sz="2000" dirty="0" smtClean="0"/>
+              <a:t>Throws </a:t>
+            </a:r>
+            <a:r>
+              <a:rPr lang="en-US" sz="2000" dirty="0" err="1" smtClean="0"/>
+              <a:t>SystemExit</a:t>
+            </a:r>
+            <a:r>
+              <a:rPr lang="en-US" sz="2000" dirty="0" smtClean="0"/>
+              <a:t> exception which is the only exception that not viewed as an error.</a:t>
+            </a:r>
+          </a:p>
+          <a:p>
+            <a:pPr marL="342900" lvl="1" indent="-342900">
+              <a:buFont typeface="Arial" pitchFamily="34" charset="0"/>
+              <a:buChar char="•"/>
+            </a:pPr>
+            <a:r>
+              <a:rPr lang="en-US" sz="2400" dirty="0" err="1" smtClean="0"/>
+              <a:t>sys.exitfunc</a:t>
+            </a:r>
+            <a:r>
+              <a:rPr lang="en-US" sz="2400" dirty="0" smtClean="0"/>
+              <a:t>()</a:t>
+            </a:r>
+          </a:p>
+          <a:p>
+            <a:pPr lvl="1"/>
+            <a:r>
+              <a:rPr lang="en-US" sz="2000" dirty="0" smtClean="0"/>
+              <a:t>Is disabled by default, but can be overridden to provide additional functionality, which takes place when </a:t>
+            </a:r>
+            <a:r>
+              <a:rPr lang="en-US" sz="2000" dirty="0" err="1" smtClean="0"/>
+              <a:t>sys.exit</a:t>
+            </a:r>
+            <a:r>
+              <a:rPr lang="en-US" sz="2000" dirty="0" smtClean="0"/>
+              <a:t>() is called and before the interpreter exits</a:t>
+            </a:r>
+          </a:p>
+          <a:p>
+            <a:pPr lvl="1"/>
+            <a:r>
+              <a:rPr lang="en-US" sz="2000" dirty="0" smtClean="0"/>
+              <a:t>This function will not be passed any arguments</a:t>
+            </a:r>
+            <a:br>
+              <a:rPr lang="en-US" sz="2000" dirty="0" smtClean="0"/>
+            </a:br>
+            <a:r>
+              <a:rPr lang="en-US" sz="2000" dirty="0" smtClean="0"/>
+              <a:t/>
+            </a:r>
+            <a:br>
+              <a:rPr lang="en-US" sz="2000" dirty="0" smtClean="0"/>
+            </a:br>
+            <a:r>
+              <a:rPr lang="en-US" sz="1800" dirty="0" smtClean="0"/>
+              <a:t>import sys</a:t>
+            </a:r>
+            <a:br>
+              <a:rPr lang="en-US" sz="1800" dirty="0" smtClean="0"/>
+            </a:br>
+            <a:r>
+              <a:rPr lang="en-US" sz="1800" dirty="0" err="1" smtClean="0"/>
+              <a:t>prev_exit_func</a:t>
+            </a:r>
+            <a:r>
+              <a:rPr lang="en-US" sz="1800" dirty="0" smtClean="0"/>
+              <a:t> = </a:t>
+            </a:r>
+            <a:r>
+              <a:rPr lang="en-US" sz="1800" dirty="0" err="1" smtClean="0"/>
+              <a:t>getattr</a:t>
+            </a:r>
+            <a:r>
+              <a:rPr lang="en-US" sz="1800" dirty="0" smtClean="0"/>
+              <a:t>(sys, '</a:t>
+            </a:r>
+            <a:r>
+              <a:rPr lang="en-US" sz="1800" dirty="0" err="1" smtClean="0"/>
+              <a:t>exitfunc</a:t>
+            </a:r>
+            <a:r>
+              <a:rPr lang="en-US" sz="1800" dirty="0" smtClean="0"/>
+              <a:t>', None)</a:t>
+            </a:r>
+            <a:br>
+              <a:rPr lang="en-US" sz="1800" dirty="0" smtClean="0"/>
+            </a:br>
+            <a:r>
+              <a:rPr lang="en-US" sz="1800" dirty="0" smtClean="0"/>
+              <a:t>def </a:t>
+            </a:r>
+            <a:r>
+              <a:rPr lang="en-US" sz="1800" dirty="0" err="1" smtClean="0"/>
+              <a:t>my_exit_func</a:t>
+            </a:r>
+            <a:r>
+              <a:rPr lang="en-US" sz="1800" dirty="0" smtClean="0"/>
+              <a:t>(</a:t>
+            </a:r>
+            <a:r>
+              <a:rPr lang="en-US" sz="1800" dirty="0" err="1" smtClean="0"/>
+              <a:t>old_exit</a:t>
+            </a:r>
+            <a:r>
+              <a:rPr lang="en-US" sz="1800" dirty="0" smtClean="0"/>
+              <a:t> = </a:t>
+            </a:r>
+            <a:r>
+              <a:rPr lang="en-US" sz="1800" dirty="0" err="1" smtClean="0"/>
+              <a:t>prev_exit_func</a:t>
+            </a:r>
+            <a:r>
+              <a:rPr lang="en-US" sz="1800" dirty="0" smtClean="0"/>
+              <a:t>):</a:t>
+            </a:r>
+            <a:br>
+              <a:rPr lang="en-US" sz="1800" dirty="0" smtClean="0"/>
+            </a:br>
+            <a:r>
+              <a:rPr lang="en-US" sz="1800" dirty="0" smtClean="0"/>
+              <a:t>    # perform cleanup</a:t>
+            </a:r>
+            <a:br>
+              <a:rPr lang="en-US" sz="1800" dirty="0" smtClean="0"/>
+            </a:br>
+            <a:r>
+              <a:rPr lang="en-US" sz="1800" dirty="0" smtClean="0"/>
+              <a:t>if </a:t>
+            </a:r>
+            <a:r>
+              <a:rPr lang="en-US" sz="1800" dirty="0" err="1" smtClean="0"/>
+              <a:t>old_exit</a:t>
+            </a:r>
+            <a:r>
+              <a:rPr lang="en-US" sz="1800" dirty="0" smtClean="0"/>
+              <a:t> is not None and callable(</a:t>
+            </a:r>
+            <a:r>
+              <a:rPr lang="en-US" sz="1800" dirty="0" err="1" smtClean="0"/>
+              <a:t>old_exit</a:t>
+            </a:r>
+            <a:r>
+              <a:rPr lang="en-US" sz="1800" dirty="0" smtClean="0"/>
+              <a:t>):</a:t>
+            </a:r>
+            <a:br>
+              <a:rPr lang="en-US" sz="1800" dirty="0" smtClean="0"/>
+            </a:br>
+            <a:r>
+              <a:rPr lang="en-US" sz="1800" dirty="0" smtClean="0"/>
+              <a:t>    </a:t>
+            </a:r>
+            <a:r>
+              <a:rPr lang="en-US" sz="1800" dirty="0" err="1" smtClean="0"/>
+              <a:t>old_exit</a:t>
+            </a:r>
+            <a:r>
+              <a:rPr lang="en-US" sz="1800" dirty="0" smtClean="0"/>
+              <a:t>()</a:t>
+            </a:r>
+            <a:br>
+              <a:rPr lang="en-US" sz="1800" dirty="0" smtClean="0"/>
+            </a:br>
+            <a:r>
+              <a:rPr lang="en-US" sz="1800" dirty="0" err="1" smtClean="0"/>
+              <a:t>sys.exitfunc</a:t>
+            </a:r>
+            <a:r>
+              <a:rPr lang="en-US" sz="1800" dirty="0" smtClean="0"/>
+              <a:t> = </a:t>
+            </a:r>
+            <a:r>
+              <a:rPr lang="en-US" sz="1800" dirty="0" err="1" smtClean="0"/>
+              <a:t>my_exit_func</a:t>
+            </a:r>
+            <a:endParaRPr lang="en-US" sz="1800" dirty="0" smtClean="0"/>
+          </a:p>
+          <a:p>
+            <a:pPr marL="342900" lvl="1" indent="-342900">
+              <a:buFont typeface="Arial" pitchFamily="34" charset="0"/>
+              <a:buChar char="•"/>
+            </a:pPr>
+            <a:r>
+              <a:rPr lang="en-US" altLang="zh-CN" sz="2400" dirty="0" err="1" smtClean="0"/>
+              <a:t>os._exit</a:t>
+            </a:r>
+            <a:r>
+              <a:rPr lang="en-US" altLang="zh-CN" sz="2400" dirty="0" smtClean="0"/>
+              <a:t>(), </a:t>
+            </a:r>
+            <a:r>
+              <a:rPr lang="en-US" altLang="zh-CN" sz="2400" dirty="0" err="1" smtClean="0"/>
+              <a:t>os.kill</a:t>
+            </a:r>
+            <a:r>
+              <a:rPr lang="en-US" altLang="zh-CN" sz="2400" dirty="0" smtClean="0"/>
+              <a:t>()</a:t>
+            </a:r>
+            <a:endParaRPr lang="en-US" sz="2400" dirty="0" smtClean="0"/>
+          </a:p>
+        </p:txBody>
+      </p:sp>
     </p:spTree>
   </p:cSld>
   <p:clrMapOvr>
@@ -4624,310 +4689,44 @@
           <a:p>
             <a:r>
               <a:rPr lang="en-US" sz="3200" dirty="0" smtClean="0"/>
-              <a:t>Terminating execution</a:t>
+              <a:t>Os interface</a:t>
             </a:r>
             <a:endParaRPr lang="en-US" sz="3200" dirty="0"/>
           </a:p>
         </p:txBody>
       </p:sp>
-      <p:sp>
-        <p:nvSpPr>
-          <p:cNvPr id="4" name="Content Placeholder 2"/>
-          <p:cNvSpPr>
-            <a:spLocks noGrp="1"/>
-          </p:cNvSpPr>
-          <p:nvPr>
-            <p:ph idx="1"/>
-          </p:nvPr>
-        </p:nvSpPr>
-        <p:spPr>
-          <a:xfrm>
-            <a:off x="457200" y="990600"/>
-            <a:ext cx="8229600" cy="5715000"/>
-          </a:xfrm>
-        </p:spPr>
-        <p:txBody>
-          <a:bodyPr>
-            <a:normAutofit/>
-          </a:bodyPr>
-          <a:lstStyle/>
-          <a:p>
-            <a:pPr marL="342900" lvl="1" indent="-342900">
-              <a:buFont typeface="Arial" pitchFamily="34" charset="0"/>
-              <a:buChar char="•"/>
-            </a:pPr>
-            <a:r>
-              <a:rPr lang="en-US" sz="2400" dirty="0" err="1" smtClean="0"/>
-              <a:t>sys.exit</a:t>
-            </a:r>
-            <a:r>
-              <a:rPr lang="en-US" sz="2400" dirty="0" smtClean="0"/>
-              <a:t>()</a:t>
-            </a:r>
-            <a:endParaRPr lang="en-US" sz="2400" dirty="0" smtClean="0"/>
-          </a:p>
-          <a:p>
-            <a:pPr lvl="1"/>
-            <a:r>
-              <a:rPr lang="en-US" sz="2000" dirty="0" smtClean="0"/>
-              <a:t>Throws </a:t>
-            </a:r>
-            <a:r>
-              <a:rPr lang="en-US" sz="2000" dirty="0" err="1" smtClean="0"/>
-              <a:t>SystemExit</a:t>
-            </a:r>
-            <a:r>
-              <a:rPr lang="en-US" sz="2000" dirty="0" smtClean="0"/>
-              <a:t> exception which is the only exception that not </a:t>
-            </a:r>
-            <a:r>
-              <a:rPr lang="en-US" sz="2000" dirty="0" smtClean="0"/>
-              <a:t>viewed as an error.</a:t>
-            </a:r>
-            <a:endParaRPr lang="en-US" sz="2000" dirty="0" smtClean="0"/>
-          </a:p>
-          <a:p>
-            <a:pPr marL="342900" lvl="1" indent="-342900">
-              <a:buFont typeface="Arial" pitchFamily="34" charset="0"/>
-              <a:buChar char="•"/>
-            </a:pPr>
-            <a:r>
-              <a:rPr lang="en-US" sz="2400" dirty="0" err="1" smtClean="0"/>
-              <a:t>sys.exitfunc</a:t>
-            </a:r>
-            <a:r>
-              <a:rPr lang="en-US" sz="2400" dirty="0" smtClean="0"/>
-              <a:t>()</a:t>
-            </a:r>
-          </a:p>
-          <a:p>
-            <a:pPr lvl="1"/>
-            <a:r>
-              <a:rPr lang="en-US" sz="2000" dirty="0" smtClean="0"/>
-              <a:t>Is </a:t>
-            </a:r>
-            <a:r>
-              <a:rPr lang="en-US" sz="2000" dirty="0" smtClean="0"/>
-              <a:t>disabled by default, but can be overridden to provide additional functionality, </a:t>
-            </a:r>
-            <a:r>
-              <a:rPr lang="en-US" sz="2000" dirty="0" smtClean="0"/>
-              <a:t>which </a:t>
-            </a:r>
-            <a:r>
-              <a:rPr lang="en-US" sz="2000" dirty="0" smtClean="0"/>
-              <a:t>takes place when </a:t>
-            </a:r>
-            <a:r>
-              <a:rPr lang="en-US" sz="2000" dirty="0" err="1" smtClean="0"/>
-              <a:t>sys.exit</a:t>
-            </a:r>
-            <a:r>
-              <a:rPr lang="en-US" sz="2000" dirty="0" smtClean="0"/>
-              <a:t>() is called and before the interpreter </a:t>
-            </a:r>
-            <a:r>
-              <a:rPr lang="en-US" sz="2000" dirty="0" smtClean="0"/>
-              <a:t>exits</a:t>
-            </a:r>
-          </a:p>
-          <a:p>
-            <a:pPr lvl="1"/>
-            <a:r>
-              <a:rPr lang="en-US" sz="2000" dirty="0" smtClean="0"/>
-              <a:t>This function will not be </a:t>
-            </a:r>
-            <a:r>
-              <a:rPr lang="en-US" sz="2000" dirty="0" smtClean="0"/>
-              <a:t>passed </a:t>
-            </a:r>
-            <a:r>
-              <a:rPr lang="en-US" sz="2000" dirty="0" smtClean="0"/>
-              <a:t>any </a:t>
-            </a:r>
-            <a:r>
-              <a:rPr lang="en-US" sz="2000" dirty="0" smtClean="0"/>
-              <a:t>arguments</a:t>
-            </a:r>
-            <a:br>
-              <a:rPr lang="en-US" sz="2000" dirty="0" smtClean="0"/>
-            </a:br>
-            <a:r>
-              <a:rPr lang="en-US" sz="2000" dirty="0" smtClean="0"/>
-              <a:t/>
-            </a:r>
-            <a:br>
-              <a:rPr lang="en-US" sz="2000" dirty="0" smtClean="0"/>
-            </a:br>
-            <a:r>
-              <a:rPr lang="en-US" sz="1800" dirty="0" smtClean="0"/>
-              <a:t>import </a:t>
-            </a:r>
-            <a:r>
-              <a:rPr lang="en-US" sz="1800" dirty="0" smtClean="0"/>
-              <a:t>sys</a:t>
-            </a:r>
-            <a:br>
-              <a:rPr lang="en-US" sz="1800" dirty="0" smtClean="0"/>
-            </a:br>
-            <a:r>
-              <a:rPr lang="en-US" sz="1800" dirty="0" err="1" smtClean="0"/>
-              <a:t>prev_exit_func</a:t>
-            </a:r>
-            <a:r>
-              <a:rPr lang="en-US" sz="1800" dirty="0" smtClean="0"/>
-              <a:t> = </a:t>
-            </a:r>
-            <a:r>
-              <a:rPr lang="en-US" sz="1800" dirty="0" err="1" smtClean="0"/>
-              <a:t>getattr</a:t>
-            </a:r>
-            <a:r>
-              <a:rPr lang="en-US" sz="1800" dirty="0" smtClean="0"/>
-              <a:t>(sys, '</a:t>
-            </a:r>
-            <a:r>
-              <a:rPr lang="en-US" sz="1800" dirty="0" err="1" smtClean="0"/>
-              <a:t>exitfunc</a:t>
-            </a:r>
-            <a:r>
-              <a:rPr lang="en-US" sz="1800" dirty="0" smtClean="0"/>
-              <a:t>', None</a:t>
-            </a:r>
-            <a:r>
-              <a:rPr lang="en-US" sz="1800" dirty="0" smtClean="0"/>
-              <a:t>)</a:t>
-            </a:r>
-            <a:br>
-              <a:rPr lang="en-US" sz="1800" dirty="0" smtClean="0"/>
-            </a:br>
-            <a:r>
-              <a:rPr lang="en-US" sz="1800" dirty="0" smtClean="0"/>
-              <a:t>def </a:t>
-            </a:r>
-            <a:r>
-              <a:rPr lang="en-US" sz="1800" dirty="0" err="1" smtClean="0"/>
-              <a:t>my_exit_func</a:t>
-            </a:r>
-            <a:r>
-              <a:rPr lang="en-US" sz="1800" dirty="0" smtClean="0"/>
-              <a:t>(</a:t>
-            </a:r>
-            <a:r>
-              <a:rPr lang="en-US" sz="1800" dirty="0" err="1" smtClean="0"/>
-              <a:t>old_exit</a:t>
-            </a:r>
-            <a:r>
-              <a:rPr lang="en-US" sz="1800" dirty="0" smtClean="0"/>
-              <a:t> = </a:t>
-            </a:r>
-            <a:r>
-              <a:rPr lang="en-US" sz="1800" dirty="0" err="1" smtClean="0"/>
-              <a:t>prev_exit_func</a:t>
-            </a:r>
-            <a:r>
-              <a:rPr lang="en-US" sz="1800" dirty="0" smtClean="0"/>
-              <a:t>):</a:t>
-            </a:r>
-            <a:br>
-              <a:rPr lang="en-US" sz="1800" dirty="0" smtClean="0"/>
-            </a:br>
-            <a:r>
-              <a:rPr lang="en-US" sz="1800" dirty="0" smtClean="0"/>
-              <a:t>    # </a:t>
-            </a:r>
-            <a:r>
-              <a:rPr lang="en-US" sz="1800" dirty="0" smtClean="0"/>
-              <a:t>perform </a:t>
-            </a:r>
-            <a:r>
-              <a:rPr lang="en-US" sz="1800" dirty="0" smtClean="0"/>
-              <a:t>cleanup</a:t>
-            </a:r>
-            <a:br>
-              <a:rPr lang="en-US" sz="1800" dirty="0" smtClean="0"/>
-            </a:br>
-            <a:r>
-              <a:rPr lang="en-US" sz="1800" dirty="0" smtClean="0"/>
-              <a:t>if </a:t>
-            </a:r>
-            <a:r>
-              <a:rPr lang="en-US" sz="1800" dirty="0" err="1" smtClean="0"/>
-              <a:t>old_exit</a:t>
-            </a:r>
-            <a:r>
-              <a:rPr lang="en-US" sz="1800" dirty="0" smtClean="0"/>
-              <a:t> is not None and callable(</a:t>
-            </a:r>
-            <a:r>
-              <a:rPr lang="en-US" sz="1800" dirty="0" err="1" smtClean="0"/>
-              <a:t>old_exit</a:t>
-            </a:r>
-            <a:r>
-              <a:rPr lang="en-US" sz="1800" dirty="0" smtClean="0"/>
-              <a:t>):</a:t>
-            </a:r>
-            <a:br>
-              <a:rPr lang="en-US" sz="1800" dirty="0" smtClean="0"/>
-            </a:br>
-            <a:r>
-              <a:rPr lang="en-US" sz="1800" dirty="0" smtClean="0"/>
-              <a:t>    </a:t>
-            </a:r>
-            <a:r>
-              <a:rPr lang="en-US" sz="1800" dirty="0" err="1" smtClean="0"/>
-              <a:t>old_exit</a:t>
-            </a:r>
-            <a:r>
-              <a:rPr lang="en-US" sz="1800" dirty="0" smtClean="0"/>
-              <a:t>()</a:t>
-            </a:r>
-            <a:br>
-              <a:rPr lang="en-US" sz="1800" dirty="0" smtClean="0"/>
-            </a:br>
-            <a:r>
-              <a:rPr lang="en-US" sz="1800" dirty="0" err="1" smtClean="0"/>
-              <a:t>sys.exitfunc</a:t>
-            </a:r>
-            <a:r>
-              <a:rPr lang="en-US" sz="1800" dirty="0" smtClean="0"/>
-              <a:t> = </a:t>
-            </a:r>
-            <a:r>
-              <a:rPr lang="en-US" sz="1800" dirty="0" err="1" smtClean="0"/>
-              <a:t>my_exit_func</a:t>
-            </a:r>
-            <a:endParaRPr lang="en-US" sz="1800" dirty="0" smtClean="0"/>
-          </a:p>
-          <a:p>
-            <a:pPr marL="342900" lvl="1" indent="-342900">
-              <a:buFont typeface="Arial" pitchFamily="34" charset="0"/>
-              <a:buChar char="•"/>
-            </a:pPr>
-            <a:r>
-              <a:rPr lang="en-US" altLang="zh-CN" sz="2400" dirty="0" err="1" smtClean="0"/>
-              <a:t>os</a:t>
-            </a:r>
-            <a:r>
-              <a:rPr lang="en-US" altLang="zh-CN" sz="2400" dirty="0" err="1" smtClean="0"/>
-              <a:t>._exit</a:t>
-            </a:r>
-            <a:r>
-              <a:rPr lang="en-US" altLang="zh-CN" sz="2400" dirty="0" smtClean="0"/>
-              <a:t>(), </a:t>
-            </a:r>
-            <a:r>
-              <a:rPr lang="en-US" altLang="zh-CN" sz="2400" dirty="0" err="1" smtClean="0"/>
-              <a:t>os.kill</a:t>
-            </a:r>
-            <a:r>
-              <a:rPr lang="en-US" altLang="zh-CN" sz="2400" dirty="0" smtClean="0"/>
-              <a:t>()</a:t>
-            </a:r>
-            <a:endParaRPr lang="en-US" sz="2400" dirty="0" smtClean="0"/>
-          </a:p>
-        </p:txBody>
-      </p:sp>
+      <p:pic>
+        <p:nvPicPr>
+          <p:cNvPr id="11266" name="Picture 2"/>
+          <p:cNvPicPr>
+            <a:picLocks noChangeAspect="1" noChangeArrowheads="1"/>
+          </p:cNvPicPr>
+          <p:nvPr/>
+        </p:nvPicPr>
+        <p:blipFill>
+          <a:blip r:embed="rId2" cstate="print"/>
+          <a:srcRect/>
+          <a:stretch>
+            <a:fillRect/>
+          </a:stretch>
+        </p:blipFill>
+        <p:spPr bwMode="auto">
+          <a:xfrm>
+            <a:off x="457200" y="323850"/>
+            <a:ext cx="8258175" cy="6534150"/>
+          </a:xfrm>
+          <a:prstGeom prst="rect">
+            <a:avLst/>
+          </a:prstGeom>
+          <a:noFill/>
+          <a:ln w="9525">
+            <a:noFill/>
+            <a:miter lim="800000"/>
+            <a:headEnd/>
+            <a:tailEnd/>
+          </a:ln>
+        </p:spPr>
+      </p:pic>
     </p:spTree>
   </p:cSld>
   <p:clrMapOvr>
@@ -4972,7 +4771,7 @@
         </p:nvSpPr>
         <p:spPr>
           <a:xfrm>
-            <a:off x="457200" y="152400"/>
+            <a:off x="381000" y="2590800"/>
             <a:ext cx="8229600" cy="868362"/>
           </a:xfrm>
         </p:spPr>
@@ -4983,45 +4782,13 @@
           <a:lstStyle/>
           <a:p>
             <a:r>
-              <a:rPr lang="en-US" sz="3200" dirty="0" smtClean="0"/>
-              <a:t>Os interface</a:t>
-            </a:r>
-            <a:endParaRPr lang="en-US" sz="3200" dirty="0"/>
-          </a:p>
-        </p:txBody>
-      </p:sp>
-      <p:pic>
-        <p:nvPicPr>
-          <p:cNvPr id="11266" name="Picture 2"/>
-          <p:cNvPicPr>
-            <a:picLocks noChangeAspect="1" noChangeArrowheads="1"/>
-          </p:cNvPicPr>
-          <p:nvPr/>
-        </p:nvPicPr>
-        <p:blipFill>
-          <a:blip r:embed="rId2" cstate="print"/>
-          <a:srcRect/>
-          <a:stretch>
-            <a:fillRect/>
-          </a:stretch>
-        </p:blipFill>
-        <p:spPr bwMode="auto">
-          <a:xfrm>
-            <a:off x="457200" y="323850"/>
-            <a:ext cx="8258175" cy="6534150"/>
-          </a:xfrm>
-          <a:prstGeom prst="rect">
-            <a:avLst/>
-          </a:prstGeom>
-          <a:noFill/>
-          <a:ln w="9525">
-            <a:noFill/>
-            <a:miter lim="800000"/>
-            <a:headEnd/>
-            <a:tailEnd/>
-          </a:ln>
-        </p:spPr>
-      </p:pic>
+              <a:rPr lang="en-US" b="1" dirty="0" smtClean="0"/>
+              <a:t>Advance topics</a:t>
+            </a:r>
+            <a:endParaRPr lang="en-US" b="1" dirty="0"/>
+          </a:p>
+        </p:txBody>
+      </p:sp>
     </p:spTree>
   </p:cSld>
   <p:clrMapOvr>
@@ -5066,7 +4833,7 @@
         </p:nvSpPr>
         <p:spPr>
           <a:xfrm>
-            <a:off x="381000" y="2590800"/>
+            <a:off x="457200" y="274638"/>
             <a:ext cx="8229600" cy="868362"/>
           </a:xfrm>
         </p:spPr>
@@ -5077,13 +4844,45 @@
           <a:lstStyle/>
           <a:p>
             <a:r>
-              <a:rPr lang="en-US" b="1" dirty="0" smtClean="0"/>
-              <a:t>Advance topics</a:t>
-            </a:r>
-            <a:endParaRPr lang="en-US" b="1" dirty="0"/>
-          </a:p>
-        </p:txBody>
-      </p:sp>
+              <a:rPr lang="en-US" sz="3200" dirty="0" smtClean="0"/>
+              <a:t>Regular expression</a:t>
+            </a:r>
+            <a:endParaRPr lang="en-US" sz="3200" dirty="0"/>
+          </a:p>
+        </p:txBody>
+      </p:sp>
+      <p:pic>
+        <p:nvPicPr>
+          <p:cNvPr id="12291" name="Picture 3"/>
+          <p:cNvPicPr>
+            <a:picLocks noChangeAspect="1" noChangeArrowheads="1"/>
+          </p:cNvPicPr>
+          <p:nvPr/>
+        </p:nvPicPr>
+        <p:blipFill>
+          <a:blip r:embed="rId2" cstate="print"/>
+          <a:srcRect/>
+          <a:stretch>
+            <a:fillRect/>
+          </a:stretch>
+        </p:blipFill>
+        <p:spPr bwMode="auto">
+          <a:xfrm>
+            <a:off x="381000" y="981075"/>
+            <a:ext cx="8458200" cy="5876925"/>
+          </a:xfrm>
+          <a:prstGeom prst="rect">
+            <a:avLst/>
+          </a:prstGeom>
+          <a:noFill/>
+          <a:ln w="9525">
+            <a:noFill/>
+            <a:miter lim="800000"/>
+            <a:headEnd/>
+            <a:tailEnd/>
+          </a:ln>
+        </p:spPr>
+      </p:pic>
     </p:spTree>
   </p:cSld>
   <p:clrMapOvr>
@@ -5148,7 +4947,7 @@
       </p:sp>
       <p:pic>
         <p:nvPicPr>
-          <p:cNvPr id="12291" name="Picture 3"/>
+          <p:cNvPr id="14338" name="Picture 2"/>
           <p:cNvPicPr>
             <a:picLocks noChangeAspect="1" noChangeArrowheads="1"/>
           </p:cNvPicPr>
@@ -5163,8 +4962,8 @@
         </p:blipFill>
         <p:spPr bwMode="auto">
           <a:xfrm>
-            <a:off x="381000" y="981075"/>
-            <a:ext cx="8458200" cy="5876925"/>
+            <a:off x="762000" y="1295400"/>
+            <a:ext cx="7505700" cy="3724275"/>
           </a:xfrm>
           <a:prstGeom prst="rect">
             <a:avLst/>
@@ -5234,7 +5033,7 @@
           <a:p>
             <a:r>
               <a:rPr lang="en-US" sz="3200" dirty="0" smtClean="0"/>
-              <a:t>Regular expression</a:t>
+              <a:t>re module</a:t>
             </a:r>
             <a:endParaRPr lang="en-US" sz="3200" dirty="0"/>
           </a:p>
@@ -5242,7 +5041,7 @@
       </p:sp>
       <p:pic>
         <p:nvPicPr>
-          <p:cNvPr id="14338" name="Picture 2"/>
+          <p:cNvPr id="12290" name="Picture 2"/>
           <p:cNvPicPr>
             <a:picLocks noChangeAspect="1" noChangeArrowheads="1"/>
           </p:cNvPicPr>
@@ -5257,8 +5056,8 @@
         </p:blipFill>
         <p:spPr bwMode="auto">
           <a:xfrm>
-            <a:off x="762000" y="1295400"/>
-            <a:ext cx="7505700" cy="3724275"/>
+            <a:off x="304800" y="1143000"/>
+            <a:ext cx="8486775" cy="5419725"/>
           </a:xfrm>
           <a:prstGeom prst="rect">
             <a:avLst/>
@@ -5535,7 +5334,7 @@
       </p:sp>
       <p:pic>
         <p:nvPicPr>
-          <p:cNvPr id="12290" name="Picture 2"/>
+          <p:cNvPr id="13314" name="Picture 2"/>
           <p:cNvPicPr>
             <a:picLocks noChangeAspect="1" noChangeArrowheads="1"/>
           </p:cNvPicPr>
@@ -5550,8 +5349,8 @@
         </p:blipFill>
         <p:spPr bwMode="auto">
           <a:xfrm>
-            <a:off x="304800" y="1143000"/>
-            <a:ext cx="8486775" cy="5419725"/>
+            <a:off x="381000" y="1371600"/>
+            <a:ext cx="8382000" cy="2895600"/>
           </a:xfrm>
           <a:prstGeom prst="rect">
             <a:avLst/>
@@ -5621,48 +5420,103 @@
           <a:p>
             <a:r>
               <a:rPr lang="en-US" sz="3200" dirty="0" smtClean="0"/>
-              <a:t>r</a:t>
-            </a:r>
-            <a:r>
-              <a:rPr lang="en-US" sz="3200" dirty="0" smtClean="0"/>
-              <a:t>e module</a:t>
+              <a:t>Regular expression</a:t>
             </a:r>
             <a:endParaRPr lang="en-US" sz="3200" dirty="0"/>
           </a:p>
         </p:txBody>
       </p:sp>
-      <p:pic>
-        <p:nvPicPr>
-          <p:cNvPr id="13314" name="Picture 2"/>
-          <p:cNvPicPr>
-            <a:picLocks noChangeAspect="1" noChangeArrowheads="1"/>
-          </p:cNvPicPr>
-          <p:nvPr/>
-        </p:nvPicPr>
-        <p:blipFill>
-          <a:blip r:embed="rId2" cstate="print"/>
-          <a:srcRect/>
-          <a:stretch>
-            <a:fillRect/>
-          </a:stretch>
-        </p:blipFill>
-        <p:spPr bwMode="auto">
-          <a:xfrm>
-            <a:off x="381000" y="1371600"/>
-            <a:ext cx="8382000" cy="2895600"/>
-          </a:xfrm>
-          <a:prstGeom prst="rect">
-            <a:avLst/>
-          </a:prstGeom>
-          <a:noFill/>
-          <a:ln w="9525">
-            <a:noFill/>
-            <a:miter lim="800000"/>
-            <a:headEnd/>
-            <a:tailEnd/>
-          </a:ln>
-        </p:spPr>
-      </p:pic>
+      <p:sp>
+        <p:nvSpPr>
+          <p:cNvPr id="3" name="Content Placeholder 2"/>
+          <p:cNvSpPr>
+            <a:spLocks noGrp="1"/>
+          </p:cNvSpPr>
+          <p:nvPr>
+            <p:ph idx="1"/>
+          </p:nvPr>
+        </p:nvSpPr>
+        <p:spPr>
+          <a:xfrm>
+            <a:off x="457200" y="1143000"/>
+            <a:ext cx="8229600" cy="5562600"/>
+          </a:xfrm>
+        </p:spPr>
+        <p:txBody>
+          <a:bodyPr>
+            <a:normAutofit/>
+          </a:bodyPr>
+          <a:lstStyle/>
+          <a:p>
+            <a:r>
+              <a:rPr lang="en-US" sz="2400" dirty="0" smtClean="0"/>
+              <a:t>Greedy and non-greedy mode</a:t>
+            </a:r>
+          </a:p>
+          <a:p>
+            <a:pPr lvl="1"/>
+            <a:r>
+              <a:rPr lang="en-US" sz="2000" dirty="0" smtClean="0"/>
+              <a:t>patt1 = '.+(\d+-\d+-\d+)’       # Greedy by default</a:t>
+            </a:r>
+          </a:p>
+          <a:p>
+            <a:pPr lvl="1"/>
+            <a:r>
+              <a:rPr lang="en-US" sz="2000" dirty="0" smtClean="0"/>
+              <a:t>patt2= '.+</a:t>
+            </a:r>
+            <a:r>
+              <a:rPr lang="en-US" sz="2000" b="1" dirty="0" smtClean="0"/>
+              <a:t>?</a:t>
+            </a:r>
+            <a:r>
+              <a:rPr lang="en-US" sz="2000" dirty="0" smtClean="0"/>
+              <a:t>(\d+-\d+-\d+)‘     # “?” tell the RE engine non-greedy</a:t>
+            </a:r>
+            <a:br>
+              <a:rPr lang="en-US" sz="2000" dirty="0" smtClean="0"/>
+            </a:br>
+            <a:r>
+              <a:rPr lang="en-US" sz="2000" dirty="0" smtClean="0"/>
+              <a:t/>
+            </a:r>
+            <a:br>
+              <a:rPr lang="en-US" sz="2000" dirty="0" smtClean="0"/>
+            </a:br>
+            <a:r>
+              <a:rPr lang="en-US" sz="2000" dirty="0" smtClean="0"/>
+              <a:t>data = ‘Thu Feb 15 17:46:04 2007::uzifzf@dp.gov::1171590364-6-8 </a:t>
+            </a:r>
+            <a:br>
+              <a:rPr lang="en-US" sz="2000" dirty="0" smtClean="0"/>
+            </a:br>
+            <a:r>
+              <a:rPr lang="en-US" sz="2000" dirty="0" err="1" smtClean="0"/>
+              <a:t>re.match</a:t>
+            </a:r>
+            <a:r>
+              <a:rPr lang="en-US" sz="2000" dirty="0" smtClean="0"/>
+              <a:t>(patt1, data).group(1) =&gt; 4-6-8</a:t>
+            </a:r>
+            <a:br>
+              <a:rPr lang="en-US" sz="2000" dirty="0" smtClean="0"/>
+            </a:br>
+            <a:r>
+              <a:rPr lang="en-US" sz="2000" dirty="0" err="1" smtClean="0"/>
+              <a:t>re.match</a:t>
+            </a:r>
+            <a:r>
+              <a:rPr lang="en-US" sz="2000" dirty="0" smtClean="0"/>
+              <a:t>(patt2, data).group(1) =&gt; 1171590364-6-8 </a:t>
+            </a:r>
+            <a:br>
+              <a:rPr lang="en-US" sz="2000" dirty="0" smtClean="0"/>
+            </a:br>
+            <a:endParaRPr lang="en-US" sz="2000" dirty="0" smtClean="0"/>
+          </a:p>
+        </p:txBody>
+      </p:sp>
     </p:spTree>
   </p:cSld>
   <p:clrMapOvr>
@@ -5719,7 +5573,7 @@
           <a:p>
             <a:r>
               <a:rPr lang="en-US" sz="3200" dirty="0" smtClean="0"/>
-              <a:t>Regular expression</a:t>
+              <a:t>Network programming</a:t>
             </a:r>
             <a:endParaRPr lang="en-US" sz="3200" dirty="0"/>
           </a:p>
@@ -5749,109 +5603,46 @@
           <a:p>
             <a:r>
               <a:rPr lang="en-US" sz="2400" dirty="0" smtClean="0"/>
-              <a:t>Greedy and non-greedy mode</a:t>
-            </a:r>
-          </a:p>
-          <a:p>
-            <a:pPr lvl="1"/>
-            <a:r>
-              <a:rPr lang="en-US" sz="2000" dirty="0" smtClean="0"/>
-              <a:t>patt1 </a:t>
-            </a:r>
-            <a:r>
-              <a:rPr lang="en-US" sz="2000" dirty="0" smtClean="0"/>
-              <a:t>= '.+(\d+-\d+-\d</a:t>
-            </a:r>
-            <a:r>
-              <a:rPr lang="en-US" sz="2000" dirty="0" smtClean="0"/>
-              <a:t>+)’       # Greedy by default</a:t>
-            </a:r>
-          </a:p>
-          <a:p>
-            <a:pPr lvl="1"/>
-            <a:r>
-              <a:rPr lang="en-US" sz="2000" dirty="0" smtClean="0"/>
-              <a:t>patt2= '.+</a:t>
-            </a:r>
-            <a:r>
-              <a:rPr lang="en-US" sz="2000" b="1" dirty="0" smtClean="0"/>
-              <a:t>?</a:t>
-            </a:r>
-            <a:r>
-              <a:rPr lang="en-US" sz="2000" dirty="0" smtClean="0"/>
-              <a:t>(\</a:t>
-            </a:r>
-            <a:r>
-              <a:rPr lang="en-US" sz="2000" dirty="0" smtClean="0"/>
-              <a:t>d+-\d+-\d</a:t>
-            </a:r>
-            <a:r>
-              <a:rPr lang="en-US" sz="2000" dirty="0" smtClean="0"/>
-              <a:t>+)‘     # “?” tell the RE engine non-greedy</a:t>
-            </a:r>
-            <a:br>
-              <a:rPr lang="en-US" sz="2000" dirty="0" smtClean="0"/>
-            </a:br>
+              <a:t>socket module</a:t>
+            </a:r>
+          </a:p>
+          <a:p>
+            <a:pPr lvl="1"/>
+            <a:r>
+              <a:rPr lang="en-US" sz="2000" dirty="0" err="1" smtClean="0"/>
+              <a:t>sockObject</a:t>
+            </a:r>
+            <a:r>
+              <a:rPr lang="en-US" sz="2000" dirty="0" smtClean="0"/>
+              <a:t> = </a:t>
+            </a:r>
+            <a:r>
+              <a:rPr lang="en-US" sz="2000" dirty="0" err="1" smtClean="0"/>
+              <a:t>socket.socket</a:t>
+            </a:r>
+            <a:r>
+              <a:rPr lang="en-US" sz="2000" dirty="0" smtClean="0"/>
+              <a:t>(</a:t>
+            </a:r>
+            <a:r>
+              <a:rPr lang="en-US" sz="2000" i="1" dirty="0" err="1" smtClean="0"/>
+              <a:t>socket_family</a:t>
+            </a:r>
+            <a:r>
+              <a:rPr lang="en-US" sz="2000" i="1" dirty="0" smtClean="0"/>
+              <a:t>, </a:t>
+            </a:r>
+            <a:r>
+              <a:rPr lang="en-US" sz="2000" i="1" dirty="0" err="1" smtClean="0"/>
+              <a:t>socket_type</a:t>
+            </a:r>
+            <a:r>
+              <a:rPr lang="en-US" sz="2000" i="1" dirty="0" smtClean="0"/>
+              <a:t>, protocol=0) </a:t>
+            </a:r>
             <a:r>
               <a:rPr lang="en-US" sz="2000" dirty="0" smtClean="0"/>
               <a:t/>
-            </a:r>
-            <a:br>
-              <a:rPr lang="en-US" sz="2000" dirty="0" smtClean="0"/>
-            </a:br>
-            <a:r>
-              <a:rPr lang="en-US" sz="2000" dirty="0" smtClean="0"/>
-              <a:t>data = ‘Thu </a:t>
-            </a:r>
-            <a:r>
-              <a:rPr lang="en-US" sz="2000" dirty="0" smtClean="0"/>
-              <a:t>Feb 15 17:46:04 2007::</a:t>
-            </a:r>
-            <a:r>
-              <a:rPr lang="en-US" sz="2000" dirty="0" smtClean="0"/>
-              <a:t>uzifzf@dp.gov</a:t>
-            </a:r>
-            <a:r>
-              <a:rPr lang="en-US" sz="2000" dirty="0" smtClean="0"/>
-              <a:t>::</a:t>
-            </a:r>
-            <a:r>
-              <a:rPr lang="en-US" sz="2000" dirty="0" smtClean="0"/>
-              <a:t>1171590364-6-8 </a:t>
-            </a:r>
-            <a:br>
-              <a:rPr lang="en-US" sz="2000" dirty="0" smtClean="0"/>
-            </a:br>
-            <a:r>
-              <a:rPr lang="en-US" sz="2000" dirty="0" err="1" smtClean="0"/>
-              <a:t>re.match</a:t>
-            </a:r>
-            <a:r>
-              <a:rPr lang="en-US" sz="2000" dirty="0" smtClean="0"/>
-              <a:t>(patt1, </a:t>
-            </a:r>
-            <a:r>
-              <a:rPr lang="en-US" sz="2000" dirty="0" smtClean="0"/>
-              <a:t>data).group(1</a:t>
-            </a:r>
-            <a:r>
-              <a:rPr lang="en-US" sz="2000" dirty="0" smtClean="0"/>
-              <a:t>) =&gt; 4-6-8</a:t>
-            </a:r>
-            <a:br>
-              <a:rPr lang="en-US" sz="2000" dirty="0" smtClean="0"/>
-            </a:br>
-            <a:r>
-              <a:rPr lang="en-US" sz="2000" dirty="0" err="1" smtClean="0"/>
-              <a:t>re.match</a:t>
-            </a:r>
-            <a:r>
-              <a:rPr lang="en-US" sz="2000" dirty="0" smtClean="0"/>
-              <a:t>(patt2, </a:t>
-            </a:r>
-            <a:r>
-              <a:rPr lang="en-US" sz="2000" dirty="0" smtClean="0"/>
-              <a:t>data).group(1) =&gt; 1171590364-6-8 </a:t>
             </a:r>
             <a:br>
               <a:rPr lang="en-US" sz="2000" dirty="0" smtClean="0"/>
@@ -5860,6 +5651,38 @@
           </a:p>
         </p:txBody>
       </p:sp>
+      <p:pic>
+        <p:nvPicPr>
+          <p:cNvPr id="15365" name="Picture 5"/>
+          <p:cNvPicPr>
+            <a:picLocks noChangeAspect="1" noChangeArrowheads="1"/>
+          </p:cNvPicPr>
+          <p:nvPr/>
+        </p:nvPicPr>
+        <p:blipFill>
+          <a:blip r:embed="rId2" cstate="print"/>
+          <a:srcRect/>
+          <a:stretch>
+            <a:fillRect/>
+          </a:stretch>
+        </p:blipFill>
+        <p:spPr bwMode="auto">
+          <a:xfrm>
+            <a:off x="457200" y="2057400"/>
+            <a:ext cx="8286750" cy="4629150"/>
+          </a:xfrm>
+          <a:prstGeom prst="rect">
+            <a:avLst/>
+          </a:prstGeom>
+          <a:noFill/>
+          <a:ln w="9525">
+            <a:noFill/>
+            <a:miter lim="800000"/>
+            <a:headEnd/>
+            <a:tailEnd/>
+          </a:ln>
+        </p:spPr>
+      </p:pic>
     </p:spTree>
   </p:cSld>
   <p:clrMapOvr>
@@ -5916,91 +5739,15 @@
           <a:p>
             <a:r>
               <a:rPr lang="en-US" sz="3200" dirty="0" smtClean="0"/>
-              <a:t>Network programming</a:t>
+              <a:t>Socket module (cont.)</a:t>
             </a:r>
             <a:endParaRPr lang="en-US" sz="3200" dirty="0"/>
-          </a:p>
-        </p:txBody>
-      </p:sp>
-      <p:sp>
-        <p:nvSpPr>
-          <p:cNvPr id="3" name="Content Placeholder 2"/>
-          <p:cNvSpPr>
-            <a:spLocks noGrp="1"/>
-          </p:cNvSpPr>
-          <p:nvPr>
-            <p:ph idx="1"/>
-          </p:nvPr>
-        </p:nvSpPr>
-        <p:spPr>
-          <a:xfrm>
-            <a:off x="457200" y="1143000"/>
-            <a:ext cx="8229600" cy="5562600"/>
-          </a:xfrm>
-        </p:spPr>
-        <p:txBody>
-          <a:bodyPr>
-            <a:normAutofit/>
-          </a:bodyPr>
-          <a:lstStyle/>
-          <a:p>
-            <a:r>
-              <a:rPr lang="en-US" sz="2400" dirty="0" smtClean="0"/>
-              <a:t>s</a:t>
-            </a:r>
-            <a:r>
-              <a:rPr lang="en-US" sz="2400" dirty="0" smtClean="0"/>
-              <a:t>ocket module</a:t>
-            </a:r>
-          </a:p>
-          <a:p>
-            <a:pPr lvl="1"/>
-            <a:r>
-              <a:rPr lang="en-US" sz="2000" dirty="0" err="1" smtClean="0"/>
-              <a:t>sockObject</a:t>
-            </a:r>
-            <a:r>
-              <a:rPr lang="en-US" sz="2000" dirty="0" smtClean="0"/>
-              <a:t> = </a:t>
-            </a:r>
-            <a:r>
-              <a:rPr lang="en-US" sz="2000" dirty="0" err="1" smtClean="0"/>
-              <a:t>socket.socket</a:t>
-            </a:r>
-            <a:r>
-              <a:rPr lang="en-US" sz="2000" dirty="0" smtClean="0"/>
-              <a:t>(</a:t>
-            </a:r>
-            <a:r>
-              <a:rPr lang="en-US" sz="2000" i="1" dirty="0" err="1" smtClean="0"/>
-              <a:t>socket_family</a:t>
-            </a:r>
-            <a:r>
-              <a:rPr lang="en-US" sz="2000" i="1" dirty="0" smtClean="0"/>
-              <a:t>, </a:t>
-            </a:r>
-            <a:r>
-              <a:rPr lang="en-US" sz="2000" i="1" dirty="0" err="1" smtClean="0"/>
-              <a:t>socket_type</a:t>
-            </a:r>
-            <a:r>
-              <a:rPr lang="en-US" sz="2000" i="1" dirty="0" smtClean="0"/>
-              <a:t>, protocol=0) </a:t>
-            </a:r>
-            <a:r>
-              <a:rPr lang="en-US" sz="2000" dirty="0" smtClean="0"/>
-              <a:t/>
-            </a:r>
-            <a:br>
-              <a:rPr lang="en-US" sz="2000" dirty="0" smtClean="0"/>
-            </a:br>
-            <a:endParaRPr lang="en-US" sz="2000" dirty="0" smtClean="0"/>
           </a:p>
         </p:txBody>
       </p:sp>
       <p:pic>
         <p:nvPicPr>
-          <p:cNvPr id="15365" name="Picture 5"/>
+          <p:cNvPr id="16387" name="Picture 3"/>
           <p:cNvPicPr>
             <a:picLocks noChangeAspect="1" noChangeArrowheads="1"/>
           </p:cNvPicPr>
@@ -6015,8 +5762,8 @@
         </p:blipFill>
         <p:spPr bwMode="auto">
           <a:xfrm>
-            <a:off x="457200" y="2057400"/>
-            <a:ext cx="8286750" cy="4629150"/>
+            <a:off x="1633538" y="1304925"/>
+            <a:ext cx="5876925" cy="4248150"/>
           </a:xfrm>
           <a:prstGeom prst="rect">
             <a:avLst/>
@@ -6086,7 +5833,7 @@
           <a:p>
             <a:r>
               <a:rPr lang="en-US" sz="3200" dirty="0" smtClean="0"/>
-              <a:t>Socket module (cont.)</a:t>
+              <a:t>Socket module attributes</a:t>
             </a:r>
             <a:endParaRPr lang="en-US" sz="3200" dirty="0"/>
           </a:p>
@@ -6094,7 +5841,7 @@
       </p:sp>
       <p:pic>
         <p:nvPicPr>
-          <p:cNvPr id="16387" name="Picture 3"/>
+          <p:cNvPr id="17410" name="Picture 2"/>
           <p:cNvPicPr>
             <a:picLocks noChangeAspect="1" noChangeArrowheads="1"/>
           </p:cNvPicPr>
@@ -6109,8 +5856,8 @@
         </p:blipFill>
         <p:spPr bwMode="auto">
           <a:xfrm>
-            <a:off x="1633538" y="1304925"/>
-            <a:ext cx="5876925" cy="4248150"/>
+            <a:off x="533400" y="1143000"/>
+            <a:ext cx="8115300" cy="5181600"/>
           </a:xfrm>
           <a:prstGeom prst="rect">
             <a:avLst/>
@@ -6180,7 +5927,7 @@
           <a:p>
             <a:r>
               <a:rPr lang="en-US" sz="3200" dirty="0" smtClean="0"/>
-              <a:t>Socket module attributes</a:t>
+              <a:t>Socket module attributes (cont.)</a:t>
             </a:r>
             <a:endParaRPr lang="en-US" sz="3200" dirty="0"/>
           </a:p>
@@ -6188,7 +5935,7 @@
       </p:sp>
       <p:pic>
         <p:nvPicPr>
-          <p:cNvPr id="17410" name="Picture 2"/>
+          <p:cNvPr id="18434" name="Picture 2"/>
           <p:cNvPicPr>
             <a:picLocks noChangeAspect="1" noChangeArrowheads="1"/>
           </p:cNvPicPr>
@@ -6203,8 +5950,8 @@
         </p:blipFill>
         <p:spPr bwMode="auto">
           <a:xfrm>
-            <a:off x="533400" y="1143000"/>
-            <a:ext cx="8115300" cy="5181600"/>
+            <a:off x="588776" y="0"/>
+            <a:ext cx="7974199" cy="6858000"/>
           </a:xfrm>
           <a:prstGeom prst="rect">
             <a:avLst/>
@@ -6273,8 +6020,12 @@
           <a:lstStyle/>
           <a:p>
             <a:r>
+              <a:rPr lang="en-US" sz="3200" dirty="0" err="1" smtClean="0"/>
+              <a:t>SocketServer</a:t>
+            </a:r>
+            <a:r>
               <a:rPr lang="en-US" sz="3200" dirty="0" smtClean="0"/>
-              <a:t>Socket module attributes (cont.)</a:t>
+              <a:t> Module</a:t>
             </a:r>
             <a:endParaRPr lang="en-US" sz="3200" dirty="0"/>
           </a:p>
@@ -6282,7 +6033,7 @@
       </p:sp>
       <p:pic>
         <p:nvPicPr>
-          <p:cNvPr id="18434" name="Picture 2"/>
+          <p:cNvPr id="19458" name="Picture 2"/>
           <p:cNvPicPr>
             <a:picLocks noChangeAspect="1" noChangeArrowheads="1"/>
           </p:cNvPicPr>
@@ -6297,8 +6048,8 @@
         </p:blipFill>
         <p:spPr bwMode="auto">
           <a:xfrm>
-            <a:off x="533400" y="-47625"/>
-            <a:ext cx="8029575" cy="6905625"/>
+            <a:off x="533400" y="1219200"/>
+            <a:ext cx="8315325" cy="5467350"/>
           </a:xfrm>
           <a:prstGeom prst="rect">
             <a:avLst/>
@@ -6367,49 +6118,90 @@
           <a:lstStyle/>
           <a:p>
             <a:r>
-              <a:rPr lang="en-US" sz="3200" dirty="0" err="1" smtClean="0"/>
-              <a:t>SocketServer</a:t>
-            </a:r>
-            <a:r>
               <a:rPr lang="en-US" sz="3200" dirty="0" smtClean="0"/>
-              <a:t> Module</a:t>
+              <a:t>Internet Client programming</a:t>
             </a:r>
             <a:endParaRPr lang="en-US" sz="3200" dirty="0"/>
           </a:p>
         </p:txBody>
       </p:sp>
-      <p:pic>
-        <p:nvPicPr>
-          <p:cNvPr id="19458" name="Picture 2"/>
-          <p:cNvPicPr>
-            <a:picLocks noChangeAspect="1" noChangeArrowheads="1"/>
-          </p:cNvPicPr>
-          <p:nvPr/>
-        </p:nvPicPr>
-        <p:blipFill>
-          <a:blip r:embed="rId2" cstate="print"/>
-          <a:srcRect/>
-          <a:stretch>
-            <a:fillRect/>
-          </a:stretch>
-        </p:blipFill>
-        <p:spPr bwMode="auto">
-          <a:xfrm>
-            <a:off x="533400" y="1219200"/>
-            <a:ext cx="8315325" cy="5467350"/>
-          </a:xfrm>
-          <a:prstGeom prst="rect">
-            <a:avLst/>
-          </a:prstGeom>
-          <a:noFill/>
-          <a:ln w="9525">
-            <a:noFill/>
-            <a:miter lim="800000"/>
-            <a:headEnd/>
-            <a:tailEnd/>
-          </a:ln>
-        </p:spPr>
-      </p:pic>
+      <p:sp>
+        <p:nvSpPr>
+          <p:cNvPr id="3" name="Content Placeholder 2"/>
+          <p:cNvSpPr>
+            <a:spLocks noGrp="1"/>
+          </p:cNvSpPr>
+          <p:nvPr>
+            <p:ph idx="1"/>
+          </p:nvPr>
+        </p:nvSpPr>
+        <p:spPr>
+          <a:xfrm>
+            <a:off x="457200" y="1143000"/>
+            <a:ext cx="8229600" cy="5562600"/>
+          </a:xfrm>
+        </p:spPr>
+        <p:txBody>
+          <a:bodyPr>
+            <a:normAutofit/>
+          </a:bodyPr>
+          <a:lstStyle/>
+          <a:p>
+            <a:r>
+              <a:rPr lang="en-US" sz="2400" dirty="0" smtClean="0"/>
+              <a:t>ftplib.FTP</a:t>
+            </a:r>
+          </a:p>
+          <a:p>
+            <a:r>
+              <a:rPr lang="en-US" sz="2400" dirty="0" err="1" smtClean="0"/>
+              <a:t>nntplib.NNTP</a:t>
+            </a:r>
+            <a:endParaRPr lang="en-US" sz="2400" dirty="0" smtClean="0"/>
+          </a:p>
+          <a:p>
+            <a:r>
+              <a:rPr lang="en-US" sz="2400" dirty="0" err="1" smtClean="0"/>
+              <a:t>smtplib.SMTP</a:t>
+            </a:r>
+            <a:endParaRPr lang="en-US" sz="2400" dirty="0" smtClean="0"/>
+          </a:p>
+          <a:p>
+            <a:r>
+              <a:rPr lang="en-US" sz="2400" dirty="0" smtClean="0"/>
+              <a:t>poplib.POP3</a:t>
+            </a:r>
+          </a:p>
+          <a:p>
+            <a:r>
+              <a:rPr lang="en-US" sz="2400" dirty="0" err="1" smtClean="0"/>
+              <a:t>telnetlib</a:t>
+            </a:r>
+            <a:endParaRPr lang="en-US" sz="2400" dirty="0" smtClean="0"/>
+          </a:p>
+          <a:p>
+            <a:r>
+              <a:rPr lang="en-US" sz="2400" dirty="0" err="1" smtClean="0"/>
+              <a:t>Httplib</a:t>
+            </a:r>
+            <a:endParaRPr lang="en-US" sz="2400" dirty="0" smtClean="0"/>
+          </a:p>
+          <a:p>
+            <a:r>
+              <a:rPr lang="en-US" sz="2400" dirty="0" err="1" smtClean="0"/>
+              <a:t>gopherlib</a:t>
+            </a:r>
+            <a:r>
+              <a:rPr lang="en-US" sz="2000" dirty="0" smtClean="0"/>
+              <a:t/>
+            </a:r>
+            <a:br>
+              <a:rPr lang="en-US" sz="2000" dirty="0" smtClean="0"/>
+            </a:br>
+            <a:endParaRPr lang="en-US" sz="2000" dirty="0" smtClean="0"/>
+          </a:p>
+        </p:txBody>
+      </p:sp>
     </p:spTree>
   </p:cSld>
   <p:clrMapOvr>
@@ -6466,7 +6258,7 @@
           <a:p>
             <a:r>
               <a:rPr lang="en-US" sz="3200" dirty="0" smtClean="0"/>
-              <a:t>Internet Client programming</a:t>
+              <a:t>Multi-thread programming</a:t>
             </a:r>
             <a:endParaRPr lang="en-US" sz="3200" dirty="0"/>
           </a:p>
@@ -6490,66 +6282,121 @@
         </p:spPr>
         <p:txBody>
           <a:bodyPr>
-            <a:normAutofit/>
+            <a:normAutofit lnSpcReduction="10000"/>
           </a:bodyPr>
           <a:lstStyle/>
           <a:p>
             <a:r>
               <a:rPr lang="en-US" sz="2400" dirty="0" smtClean="0"/>
-              <a:t>ftplib.FTP</a:t>
-            </a:r>
-          </a:p>
-          <a:p>
+              <a:t>Global Interpreter Lock (GIL)</a:t>
+            </a:r>
+          </a:p>
+          <a:p>
+            <a:pPr lvl="1"/>
+            <a:r>
+              <a:rPr lang="en-US" sz="2000" dirty="0" smtClean="0"/>
+              <a:t>Execution of Python code is controlled by the </a:t>
+            </a:r>
+            <a:r>
+              <a:rPr lang="en-US" sz="2000" i="1" dirty="0" smtClean="0"/>
+              <a:t>Python Virtual Machine (aka the interpreter main loop). </a:t>
+            </a:r>
+            <a:r>
+              <a:rPr lang="en-US" sz="2000" dirty="0" smtClean="0"/>
+              <a:t>Python was designed in such a way that only one thread of control may be executing in this main loop</a:t>
+            </a:r>
+          </a:p>
+          <a:p>
+            <a:pPr lvl="1"/>
+            <a:r>
+              <a:rPr lang="en-US" sz="2000" dirty="0" smtClean="0"/>
+              <a:t>Access to the Python Virtual Machine is controlled by the </a:t>
+            </a:r>
+            <a:r>
+              <a:rPr lang="en-US" sz="2000" i="1" dirty="0" smtClean="0"/>
+              <a:t>global interpreter lock (GIL). </a:t>
+            </a:r>
+            <a:r>
+              <a:rPr lang="en-US" sz="2000" dirty="0" smtClean="0"/>
+              <a:t>This lock is what ensures that exactly one thread is running.</a:t>
+            </a:r>
+          </a:p>
+          <a:p>
+            <a:r>
+              <a:rPr lang="en-US" sz="2400" dirty="0" smtClean="0"/>
+              <a:t>The PVM execs in the following manner in a MT </a:t>
+            </a:r>
             <a:r>
               <a:rPr lang="en-US" sz="2400" dirty="0" err="1" smtClean="0"/>
-              <a:t>nntplib.NNTP</a:t>
+              <a:t>env</a:t>
             </a:r>
             <a:endParaRPr lang="en-US" sz="2400" dirty="0" smtClean="0"/>
           </a:p>
           <a:p>
-            <a:r>
-              <a:rPr lang="en-US" sz="2400" dirty="0" err="1" smtClean="0"/>
-              <a:t>smtplib.SMTP</a:t>
-            </a:r>
-            <a:endParaRPr lang="en-US" sz="2400" dirty="0" smtClean="0"/>
-          </a:p>
-          <a:p>
-            <a:r>
-              <a:rPr lang="en-US" sz="2400" dirty="0" smtClean="0"/>
-              <a:t>poplib.POP3</a:t>
-            </a:r>
-          </a:p>
-          <a:p>
-            <a:r>
-              <a:rPr lang="en-US" sz="2400" dirty="0" err="1" smtClean="0"/>
-              <a:t>t</a:t>
-            </a:r>
-            <a:r>
-              <a:rPr lang="en-US" sz="2400" dirty="0" err="1" smtClean="0"/>
-              <a:t>elnetlib</a:t>
-            </a:r>
-            <a:endParaRPr lang="en-US" sz="2400" dirty="0" smtClean="0"/>
-          </a:p>
-          <a:p>
-            <a:r>
-              <a:rPr lang="en-US" sz="2400" dirty="0" err="1" smtClean="0"/>
-              <a:t>Httplib</a:t>
-            </a:r>
-            <a:endParaRPr lang="en-US" sz="2400" dirty="0" smtClean="0"/>
-          </a:p>
-          <a:p>
-            <a:r>
-              <a:rPr lang="en-US" sz="2400" dirty="0" err="1" smtClean="0"/>
-              <a:t>gopherlib</a:t>
-            </a:r>
-            <a:r>
-              <a:rPr lang="en-US" sz="2000" dirty="0" smtClean="0"/>
-              <a:t/>
-            </a:r>
-            <a:br>
-              <a:rPr lang="en-US" sz="2000" dirty="0" smtClean="0"/>
-            </a:br>
-            <a:endParaRPr lang="en-US" sz="2000" dirty="0" smtClean="0"/>
+            <a:pPr lvl="1"/>
+            <a:r>
+              <a:rPr lang="en-US" sz="2000" dirty="0" smtClean="0"/>
+              <a:t>Set the GIL</a:t>
+            </a:r>
+          </a:p>
+          <a:p>
+            <a:pPr lvl="1"/>
+            <a:r>
+              <a:rPr lang="en-US" sz="2000" dirty="0" smtClean="0"/>
+              <a:t>Switch in a thread to run</a:t>
+            </a:r>
+          </a:p>
+          <a:p>
+            <a:pPr lvl="1"/>
+            <a:r>
+              <a:rPr lang="en-US" sz="2000" dirty="0" smtClean="0"/>
+              <a:t>Execute either ... a) For a specified number of </a:t>
+            </a:r>
+            <a:r>
+              <a:rPr lang="en-US" sz="2000" dirty="0" err="1" smtClean="0"/>
+              <a:t>bytecode</a:t>
+            </a:r>
+            <a:r>
+              <a:rPr lang="en-US" sz="2000" dirty="0" smtClean="0"/>
+              <a:t> instructions, or b) If the thread voluntarily yields control (can be accomplished </a:t>
+            </a:r>
+            <a:r>
+              <a:rPr lang="en-US" sz="2000" dirty="0" smtClean="0"/>
+              <a:t>by </a:t>
+            </a:r>
+            <a:r>
+              <a:rPr lang="en-US" sz="2000" dirty="0" err="1" smtClean="0"/>
+              <a:t>time.sleep</a:t>
+            </a:r>
+            <a:r>
+              <a:rPr lang="en-US" sz="2000" dirty="0" smtClean="0"/>
+              <a:t>(0</a:t>
+            </a:r>
+            <a:r>
+              <a:rPr lang="en-US" sz="2000" dirty="0" smtClean="0"/>
+              <a:t>))</a:t>
+            </a:r>
+          </a:p>
+          <a:p>
+            <a:pPr lvl="1"/>
+            <a:r>
+              <a:rPr lang="en-US" sz="2000" dirty="0" smtClean="0"/>
+              <a:t>Put the thread back to sleep (switch out thread)</a:t>
+            </a:r>
+          </a:p>
+          <a:p>
+            <a:pPr lvl="1"/>
+            <a:r>
+              <a:rPr lang="en-US" sz="2000" dirty="0" smtClean="0"/>
+              <a:t>Unlock the GIL, and ...</a:t>
+            </a:r>
+          </a:p>
+          <a:p>
+            <a:pPr lvl="1"/>
+            <a:r>
+              <a:rPr lang="en-US" sz="2000" dirty="0" smtClean="0"/>
+              <a:t>Do it all over again (lather, rinse, repeat)</a:t>
+            </a:r>
           </a:p>
         </p:txBody>
       </p:sp>
@@ -6609,218 +6456,44 @@
           <a:p>
             <a:r>
               <a:rPr lang="en-US" sz="3200" dirty="0" smtClean="0"/>
-              <a:t>Multi-thread programming</a:t>
+              <a:t>thread module (low level)</a:t>
             </a:r>
             <a:endParaRPr lang="en-US" sz="3200" dirty="0"/>
           </a:p>
         </p:txBody>
       </p:sp>
-      <p:sp>
-        <p:nvSpPr>
-          <p:cNvPr id="3" name="Content Placeholder 2"/>
-          <p:cNvSpPr>
-            <a:spLocks noGrp="1"/>
-          </p:cNvSpPr>
-          <p:nvPr>
-            <p:ph idx="1"/>
-          </p:nvPr>
-        </p:nvSpPr>
-        <p:spPr>
-          <a:xfrm>
-            <a:off x="457200" y="1143000"/>
-            <a:ext cx="8229600" cy="5562600"/>
-          </a:xfrm>
-        </p:spPr>
-        <p:txBody>
-          <a:bodyPr>
-            <a:normAutofit lnSpcReduction="10000"/>
-          </a:bodyPr>
-          <a:lstStyle/>
-          <a:p>
-            <a:r>
-              <a:rPr lang="en-US" sz="2400" dirty="0" smtClean="0"/>
-              <a:t>Global Interpreter Lock (GIL</a:t>
-            </a:r>
-            <a:r>
-              <a:rPr lang="en-US" sz="2400" dirty="0" smtClean="0"/>
-              <a:t>)</a:t>
-            </a:r>
-          </a:p>
-          <a:p>
-            <a:pPr lvl="1"/>
-            <a:r>
-              <a:rPr lang="en-US" sz="2000" dirty="0" smtClean="0"/>
-              <a:t>Execution of Python code is controlled by the </a:t>
-            </a:r>
-            <a:r>
-              <a:rPr lang="en-US" sz="2000" i="1" dirty="0" smtClean="0"/>
-              <a:t>Python Virtual Machine (aka the interpreter main loop</a:t>
-            </a:r>
-            <a:r>
-              <a:rPr lang="en-US" sz="2000" i="1" dirty="0" smtClean="0"/>
-              <a:t>). </a:t>
-            </a:r>
-            <a:r>
-              <a:rPr lang="en-US" sz="2000" dirty="0" smtClean="0"/>
-              <a:t>Python </a:t>
-            </a:r>
-            <a:r>
-              <a:rPr lang="en-US" sz="2000" dirty="0" smtClean="0"/>
-              <a:t>was designed in such a way that only one thread of control may be executing in this main </a:t>
-            </a:r>
-            <a:r>
-              <a:rPr lang="en-US" sz="2000" dirty="0" smtClean="0"/>
-              <a:t>loop</a:t>
-            </a:r>
-          </a:p>
-          <a:p>
-            <a:pPr lvl="1"/>
-            <a:r>
-              <a:rPr lang="en-US" sz="2000" dirty="0" smtClean="0"/>
-              <a:t>Access to the Python Virtual Machine is controlled by the </a:t>
-            </a:r>
-            <a:r>
-              <a:rPr lang="en-US" sz="2000" i="1" dirty="0" smtClean="0"/>
-              <a:t>global interpreter lock (GIL</a:t>
-            </a:r>
-            <a:r>
-              <a:rPr lang="en-US" sz="2000" i="1" dirty="0" smtClean="0"/>
-              <a:t>). </a:t>
-            </a:r>
-            <a:r>
-              <a:rPr lang="en-US" sz="2000" dirty="0" smtClean="0"/>
-              <a:t>This lock is </a:t>
-            </a:r>
-            <a:r>
-              <a:rPr lang="en-US" sz="2000" dirty="0" smtClean="0"/>
-              <a:t>what </a:t>
-            </a:r>
-            <a:r>
-              <a:rPr lang="en-US" sz="2000" dirty="0" smtClean="0"/>
-              <a:t>ensures that exactly one thread is </a:t>
-            </a:r>
-            <a:r>
-              <a:rPr lang="en-US" sz="2000" dirty="0" smtClean="0"/>
-              <a:t>running.</a:t>
-            </a:r>
-          </a:p>
-          <a:p>
-            <a:r>
-              <a:rPr lang="en-US" sz="2400" dirty="0" smtClean="0"/>
-              <a:t>The </a:t>
-            </a:r>
-            <a:r>
-              <a:rPr lang="en-US" sz="2400" dirty="0" smtClean="0"/>
-              <a:t>PVM execs </a:t>
-            </a:r>
-            <a:r>
-              <a:rPr lang="en-US" sz="2400" dirty="0" smtClean="0"/>
-              <a:t>in the following </a:t>
-            </a:r>
-            <a:r>
-              <a:rPr lang="en-US" sz="2400" dirty="0" smtClean="0"/>
-              <a:t>manner in a MT </a:t>
-            </a:r>
-            <a:r>
-              <a:rPr lang="en-US" sz="2400" dirty="0" err="1" smtClean="0"/>
-              <a:t>env</a:t>
-            </a:r>
-            <a:endParaRPr lang="en-US" sz="2400" dirty="0" smtClean="0"/>
-          </a:p>
-          <a:p>
-            <a:pPr lvl="1"/>
-            <a:r>
-              <a:rPr lang="en-US" sz="2000" dirty="0" smtClean="0"/>
-              <a:t>Set the </a:t>
-            </a:r>
-            <a:r>
-              <a:rPr lang="en-US" sz="2000" dirty="0" smtClean="0"/>
-              <a:t>GIL</a:t>
-            </a:r>
-          </a:p>
-          <a:p>
-            <a:pPr lvl="1"/>
-            <a:r>
-              <a:rPr lang="en-US" sz="2000" dirty="0" smtClean="0"/>
-              <a:t>Switch in a thread to </a:t>
-            </a:r>
-            <a:r>
-              <a:rPr lang="en-US" sz="2000" dirty="0" smtClean="0"/>
-              <a:t>run</a:t>
-            </a:r>
-          </a:p>
-          <a:p>
-            <a:pPr lvl="1"/>
-            <a:r>
-              <a:rPr lang="en-US" sz="2000" dirty="0" smtClean="0"/>
-              <a:t>Execute either </a:t>
-            </a:r>
-            <a:r>
-              <a:rPr lang="en-US" sz="2000" dirty="0" smtClean="0"/>
-              <a:t>... a) </a:t>
-            </a:r>
-            <a:r>
-              <a:rPr lang="en-US" sz="2000" dirty="0" smtClean="0"/>
-              <a:t>For a specified number of </a:t>
-            </a:r>
-            <a:r>
-              <a:rPr lang="en-US" sz="2000" dirty="0" err="1" smtClean="0"/>
-              <a:t>bytecode</a:t>
-            </a:r>
-            <a:r>
-              <a:rPr lang="en-US" sz="2000" dirty="0" smtClean="0"/>
-              <a:t> </a:t>
-            </a:r>
-            <a:r>
-              <a:rPr lang="en-US" sz="2000" dirty="0" smtClean="0"/>
-              <a:t>instructions, or b) </a:t>
-            </a:r>
-            <a:r>
-              <a:rPr lang="en-US" sz="2000" dirty="0" smtClean="0"/>
-              <a:t>If the thread voluntarily yields control (can be accomplished </a:t>
-            </a:r>
-            <a:r>
-              <a:rPr lang="en-US" sz="2000" dirty="0" err="1" smtClean="0"/>
-              <a:t>time.sleep</a:t>
-            </a:r>
-            <a:r>
-              <a:rPr lang="en-US" sz="2000" dirty="0" smtClean="0"/>
-              <a:t>(0))</a:t>
-            </a:r>
-            <a:endParaRPr lang="en-US" sz="2000" dirty="0" smtClean="0"/>
-          </a:p>
-          <a:p>
-            <a:pPr lvl="1"/>
-            <a:r>
-              <a:rPr lang="en-US" sz="2000" dirty="0" smtClean="0"/>
-              <a:t>Put the thread back to sleep (switch out thread</a:t>
-            </a:r>
-            <a:r>
-              <a:rPr lang="en-US" sz="2000" dirty="0" smtClean="0"/>
-              <a:t>)</a:t>
-            </a:r>
-          </a:p>
-          <a:p>
-            <a:pPr lvl="1"/>
-            <a:r>
-              <a:rPr lang="en-US" sz="2000" dirty="0" smtClean="0"/>
-              <a:t>Unlock the GIL, and </a:t>
-            </a:r>
-            <a:r>
-              <a:rPr lang="en-US" sz="2000" dirty="0" smtClean="0"/>
-              <a:t>...</a:t>
-            </a:r>
-          </a:p>
-          <a:p>
-            <a:pPr lvl="1"/>
-            <a:r>
-              <a:rPr lang="en-US" sz="2000" dirty="0" smtClean="0"/>
-              <a:t>Do it all over again (lather, rinse, repeat)</a:t>
-            </a:r>
-            <a:endParaRPr lang="en-US" sz="2000" dirty="0" smtClean="0"/>
-          </a:p>
-        </p:txBody>
-      </p:sp>
+      <p:pic>
+        <p:nvPicPr>
+          <p:cNvPr id="20482" name="Picture 2"/>
+          <p:cNvPicPr>
+            <a:picLocks noChangeAspect="1" noChangeArrowheads="1"/>
+          </p:cNvPicPr>
+          <p:nvPr/>
+        </p:nvPicPr>
+        <p:blipFill>
+          <a:blip r:embed="rId2" cstate="print"/>
+          <a:srcRect/>
+          <a:stretch>
+            <a:fillRect/>
+          </a:stretch>
+        </p:blipFill>
+        <p:spPr bwMode="auto">
+          <a:xfrm>
+            <a:off x="381000" y="1447800"/>
+            <a:ext cx="8420100" cy="3095625"/>
+          </a:xfrm>
+          <a:prstGeom prst="rect">
+            <a:avLst/>
+          </a:prstGeom>
+          <a:noFill/>
+          <a:ln w="9525">
+            <a:noFill/>
+            <a:miter lim="800000"/>
+            <a:headEnd/>
+            <a:tailEnd/>
+          </a:ln>
+        </p:spPr>
+      </p:pic>
     </p:spTree>
   </p:cSld>
   <p:clrMapOvr>
@@ -7077,7 +6750,7 @@
           <a:p>
             <a:r>
               <a:rPr lang="en-US" sz="3200" dirty="0" smtClean="0"/>
-              <a:t>thread module (low level)</a:t>
+              <a:t>threading module (high level)</a:t>
             </a:r>
             <a:endParaRPr lang="en-US" sz="3200" dirty="0"/>
           </a:p>
@@ -7085,7 +6758,7 @@
       </p:sp>
       <p:pic>
         <p:nvPicPr>
-          <p:cNvPr id="20482" name="Picture 2"/>
+          <p:cNvPr id="21506" name="Picture 2"/>
           <p:cNvPicPr>
             <a:picLocks noChangeAspect="1" noChangeArrowheads="1"/>
           </p:cNvPicPr>
@@ -7100,8 +6773,8 @@
         </p:blipFill>
         <p:spPr bwMode="auto">
           <a:xfrm>
-            <a:off x="381000" y="1447800"/>
-            <a:ext cx="8420100" cy="3095625"/>
+            <a:off x="457200" y="1371600"/>
+            <a:ext cx="8191500" cy="4143375"/>
           </a:xfrm>
           <a:prstGeom prst="rect">
             <a:avLst/>
@@ -7171,7 +6844,7 @@
           <a:p>
             <a:r>
               <a:rPr lang="en-US" sz="3200" dirty="0" smtClean="0"/>
-              <a:t>threading module (high level)</a:t>
+              <a:t>threading module (Thread method)</a:t>
             </a:r>
             <a:endParaRPr lang="en-US" sz="3200" dirty="0"/>
           </a:p>
@@ -7179,7 +6852,7 @@
       </p:sp>
       <p:pic>
         <p:nvPicPr>
-          <p:cNvPr id="21506" name="Picture 2"/>
+          <p:cNvPr id="22530" name="Picture 2"/>
           <p:cNvPicPr>
             <a:picLocks noChangeAspect="1" noChangeArrowheads="1"/>
           </p:cNvPicPr>
@@ -7194,8 +6867,8 @@
         </p:blipFill>
         <p:spPr bwMode="auto">
           <a:xfrm>
-            <a:off x="476250" y="1357313"/>
-            <a:ext cx="8191500" cy="4143375"/>
+            <a:off x="457200" y="1295400"/>
+            <a:ext cx="8267700" cy="3267075"/>
           </a:xfrm>
           <a:prstGeom prst="rect">
             <a:avLst/>
@@ -7265,7 +6938,15 @@
           <a:p>
             <a:r>
               <a:rPr lang="en-US" sz="3200" dirty="0" smtClean="0"/>
-              <a:t>threading module (Thread method)</a:t>
+              <a:t>threading module (Other </a:t>
+            </a:r>
+            <a:r>
+              <a:rPr lang="en-US" sz="3200" b="1" dirty="0" smtClean="0"/>
+              <a:t>functions</a:t>
+            </a:r>
+            <a:r>
+              <a:rPr lang="en-US" sz="3200" dirty="0" smtClean="0"/>
+              <a:t>)</a:t>
             </a:r>
             <a:endParaRPr lang="en-US" sz="3200" dirty="0"/>
           </a:p>
@@ -7273,7 +6954,7 @@
       </p:sp>
       <p:pic>
         <p:nvPicPr>
-          <p:cNvPr id="22530" name="Picture 2"/>
+          <p:cNvPr id="23554" name="Picture 2"/>
           <p:cNvPicPr>
             <a:picLocks noChangeAspect="1" noChangeArrowheads="1"/>
           </p:cNvPicPr>
@@ -7288,8 +6969,8 @@
         </p:blipFill>
         <p:spPr bwMode="auto">
           <a:xfrm>
-            <a:off x="457200" y="1295400"/>
-            <a:ext cx="8267700" cy="3267075"/>
+            <a:off x="1828800" y="1600200"/>
+            <a:ext cx="5153025" cy="2543175"/>
           </a:xfrm>
           <a:prstGeom prst="rect">
             <a:avLst/>
@@ -7359,15 +7040,7 @@
           <a:p>
             <a:r>
               <a:rPr lang="en-US" sz="3200" dirty="0" smtClean="0"/>
-              <a:t>threading module (Other </a:t>
-            </a:r>
-            <a:r>
-              <a:rPr lang="en-US" sz="3200" b="1" dirty="0" smtClean="0"/>
-              <a:t>functions</a:t>
-            </a:r>
-            <a:r>
-              <a:rPr lang="en-US" sz="3200" dirty="0" smtClean="0"/>
-              <a:t>)</a:t>
+              <a:t>Queue module</a:t>
             </a:r>
             <a:endParaRPr lang="en-US" sz="3200" dirty="0"/>
           </a:p>
@@ -7375,7 +7048,7 @@
       </p:sp>
       <p:pic>
         <p:nvPicPr>
-          <p:cNvPr id="23554" name="Picture 2"/>
+          <p:cNvPr id="24578" name="Picture 2"/>
           <p:cNvPicPr>
             <a:picLocks noChangeAspect="1" noChangeArrowheads="1"/>
           </p:cNvPicPr>
@@ -7390,8 +7063,8 @@
         </p:blipFill>
         <p:spPr bwMode="auto">
           <a:xfrm>
-            <a:off x="1828800" y="1600200"/>
-            <a:ext cx="5153025" cy="2543175"/>
+            <a:off x="304800" y="1295400"/>
+            <a:ext cx="8448675" cy="3171825"/>
           </a:xfrm>
           <a:prstGeom prst="rect">
             <a:avLst/>
@@ -7461,23 +7134,76 @@
           <a:p>
             <a:r>
               <a:rPr lang="en-US" sz="3200" dirty="0" smtClean="0"/>
-              <a:t>Q</a:t>
-            </a:r>
-            <a:r>
-              <a:rPr lang="en-US" sz="3200" dirty="0" smtClean="0"/>
-              <a:t>ueue</a:t>
-            </a:r>
-            <a:r>
-              <a:rPr lang="en-US" sz="3200" dirty="0" smtClean="0"/>
+              <a:t>Web programming</a:t>
+            </a:r>
+            <a:endParaRPr lang="en-US" sz="3200" dirty="0"/>
+          </a:p>
+        </p:txBody>
+      </p:sp>
+      <p:sp>
+        <p:nvSpPr>
+          <p:cNvPr id="4" name="Content Placeholder 2"/>
+          <p:cNvSpPr>
+            <a:spLocks noGrp="1"/>
+          </p:cNvSpPr>
+          <p:nvPr>
+            <p:ph idx="1"/>
+          </p:nvPr>
+        </p:nvSpPr>
+        <p:spPr>
+          <a:xfrm>
+            <a:off x="457200" y="1143000"/>
+            <a:ext cx="8229600" cy="5562600"/>
+          </a:xfrm>
+        </p:spPr>
+        <p:txBody>
+          <a:bodyPr>
+            <a:normAutofit/>
+          </a:bodyPr>
+          <a:lstStyle/>
+          <a:p>
+            <a:r>
+              <a:rPr lang="en-US" sz="2400" dirty="0" err="1" smtClean="0"/>
+              <a:t>urlparse</a:t>
+            </a:r>
+            <a:r>
+              <a:rPr lang="en-US" sz="2400" dirty="0" smtClean="0"/>
               <a:t> module</a:t>
             </a:r>
-            <a:endParaRPr lang="en-US" sz="3200" dirty="0"/>
+          </a:p>
+          <a:p>
+            <a:pPr lvl="1"/>
+            <a:endParaRPr lang="en-US" sz="2000" dirty="0" smtClean="0"/>
+          </a:p>
+          <a:p>
+            <a:pPr lvl="1"/>
+            <a:endParaRPr lang="en-US" sz="2000" dirty="0" smtClean="0"/>
+          </a:p>
+          <a:p>
+            <a:pPr lvl="1"/>
+            <a:endParaRPr lang="en-US" sz="2000" dirty="0" smtClean="0"/>
+          </a:p>
+          <a:p>
+            <a:pPr lvl="1"/>
+            <a:endParaRPr lang="en-US" sz="2000" dirty="0" smtClean="0"/>
+          </a:p>
+          <a:p>
+            <a:pPr lvl="1"/>
+            <a:endParaRPr lang="en-US" sz="2000" dirty="0" smtClean="0"/>
+          </a:p>
+          <a:p>
+            <a:pPr lvl="1"/>
+            <a:endParaRPr lang="en-US" sz="2000" dirty="0" smtClean="0"/>
+          </a:p>
+          <a:p>
+            <a:pPr lvl="1"/>
+            <a:endParaRPr lang="en-US" sz="2000" dirty="0" smtClean="0"/>
           </a:p>
         </p:txBody>
       </p:sp>
       <p:pic>
         <p:nvPicPr>
-          <p:cNvPr id="24578" name="Picture 2"/>
+          <p:cNvPr id="25602" name="Picture 2"/>
           <p:cNvPicPr>
             <a:picLocks noChangeAspect="1" noChangeArrowheads="1"/>
           </p:cNvPicPr>
@@ -7492,8 +7218,8 @@
         </p:blipFill>
         <p:spPr bwMode="auto">
           <a:xfrm>
-            <a:off x="304800" y="1295400"/>
-            <a:ext cx="8448675" cy="3171825"/>
+            <a:off x="533400" y="1828800"/>
+            <a:ext cx="8267700" cy="2324100"/>
           </a:xfrm>
           <a:prstGeom prst="rect">
             <a:avLst/>
@@ -7593,11 +7319,19 @@
           <a:p>
             <a:r>
               <a:rPr lang="en-US" sz="2400" dirty="0" err="1" smtClean="0"/>
-              <a:t>urlparse</a:t>
+              <a:t>urllib</a:t>
             </a:r>
             <a:r>
               <a:rPr lang="en-US" sz="2400" dirty="0" smtClean="0"/>
-              <a:t> module</a:t>
+              <a:t> module (more </a:t>
+            </a:r>
+            <a:r>
+              <a:rPr lang="en-US" sz="2400" dirty="0" smtClean="0"/>
+              <a:t>powerful </a:t>
+            </a:r>
+            <a:r>
+              <a:rPr lang="en-US" sz="2400" dirty="0" smtClean="0"/>
+              <a:t>urllib2)</a:t>
             </a:r>
           </a:p>
           <a:p>
@@ -7632,7 +7366,7 @@
       </p:sp>
       <p:pic>
         <p:nvPicPr>
-          <p:cNvPr id="25602" name="Picture 2"/>
+          <p:cNvPr id="26626" name="Picture 2"/>
           <p:cNvPicPr>
             <a:picLocks noChangeAspect="1" noChangeArrowheads="1"/>
           </p:cNvPicPr>
@@ -7647,8 +7381,8 @@
         </p:blipFill>
         <p:spPr bwMode="auto">
           <a:xfrm>
-            <a:off x="533400" y="1828800"/>
-            <a:ext cx="8267700" cy="2324100"/>
+            <a:off x="457200" y="1809750"/>
+            <a:ext cx="8315325" cy="5048250"/>
           </a:xfrm>
           <a:prstGeom prst="rect">
             <a:avLst/>
@@ -7748,25 +7482,12 @@
           <a:p>
             <a:r>
               <a:rPr lang="en-US" sz="2400" dirty="0" err="1" smtClean="0"/>
-              <a:t>urllib</a:t>
+              <a:t>urllib.urlopen</a:t>
             </a:r>
             <a:r>
               <a:rPr lang="en-US" sz="2400" dirty="0" smtClean="0"/>
-              <a:t> module (</a:t>
-            </a:r>
-            <a:r>
-              <a:rPr lang="en-US" sz="2400" dirty="0" smtClean="0"/>
-              <a:t>more </a:t>
-            </a:r>
-            <a:r>
-              <a:rPr lang="en-US" sz="2400" dirty="0" err="1" smtClean="0"/>
-              <a:t>powful</a:t>
-            </a:r>
-            <a:r>
-              <a:rPr lang="en-US" sz="2400" dirty="0" smtClean="0"/>
-              <a:t> urllib2)</a:t>
-            </a:r>
-            <a:endParaRPr lang="en-US" sz="2400" dirty="0" smtClean="0"/>
+              <a:t> file object methods</a:t>
+            </a:r>
           </a:p>
           <a:p>
             <a:pPr lvl="1"/>
@@ -7800,7 +7521,7 @@
       </p:sp>
       <p:pic>
         <p:nvPicPr>
-          <p:cNvPr id="26626" name="Picture 2"/>
+          <p:cNvPr id="27650" name="Picture 2"/>
           <p:cNvPicPr>
             <a:picLocks noChangeAspect="1" noChangeArrowheads="1"/>
           </p:cNvPicPr>
@@ -7815,8 +7536,8 @@
         </p:blipFill>
         <p:spPr bwMode="auto">
           <a:xfrm>
-            <a:off x="457200" y="1809750"/>
-            <a:ext cx="8315325" cy="5048250"/>
+            <a:off x="1447800" y="1981200"/>
+            <a:ext cx="5048250" cy="3124200"/>
           </a:xfrm>
           <a:prstGeom prst="rect">
             <a:avLst/>
@@ -7886,7 +7607,7 @@
           <a:p>
             <a:r>
               <a:rPr lang="en-US" sz="3200" dirty="0" smtClean="0"/>
-              <a:t>Web programming</a:t>
+              <a:t>Database programming</a:t>
             </a:r>
             <a:endParaRPr lang="en-US" sz="3200" dirty="0"/>
           </a:p>
@@ -7915,12 +7636,8 @@
           <a:lstStyle/>
           <a:p>
             <a:r>
-              <a:rPr lang="en-US" sz="2400" dirty="0" err="1" smtClean="0"/>
-              <a:t>urllib.urlopen</a:t>
-            </a:r>
-            <a:r>
               <a:rPr lang="en-US" sz="2400" dirty="0" smtClean="0"/>
-              <a:t> file object methods</a:t>
+              <a:t>Database and Python</a:t>
             </a:r>
           </a:p>
           <a:p>
@@ -7955,7 +7672,7 @@
       </p:sp>
       <p:pic>
         <p:nvPicPr>
-          <p:cNvPr id="27650" name="Picture 2"/>
+          <p:cNvPr id="28674" name="Picture 2"/>
           <p:cNvPicPr>
             <a:picLocks noChangeAspect="1" noChangeArrowheads="1"/>
           </p:cNvPicPr>
@@ -7970,8 +7687,8 @@
         </p:blipFill>
         <p:spPr bwMode="auto">
           <a:xfrm>
-            <a:off x="1447800" y="1981200"/>
-            <a:ext cx="5048250" cy="3124200"/>
+            <a:off x="838200" y="1905000"/>
+            <a:ext cx="7467600" cy="3114675"/>
           </a:xfrm>
           <a:prstGeom prst="rect">
             <a:avLst/>
@@ -8071,7 +7788,87 @@
           <a:p>
             <a:r>
               <a:rPr lang="en-US" sz="2400" dirty="0" smtClean="0"/>
-              <a:t>Database and Python</a:t>
+              <a:t>DB-API module attributes </a:t>
+            </a:r>
+          </a:p>
+          <a:p>
+            <a:pPr lvl="1"/>
+            <a:r>
+              <a:rPr lang="en-US" sz="2000" dirty="0" smtClean="0"/>
+              <a:t>Thread Safety</a:t>
+            </a:r>
+            <a:endParaRPr lang="en-US" sz="2000" dirty="0" smtClean="0"/>
+          </a:p>
+          <a:p>
+            <a:pPr marL="914400" lvl="1" indent="-457200">
+              <a:buFont typeface="Arial" pitchFamily="34" charset="0"/>
+              <a:buChar char="•"/>
+            </a:pPr>
+            <a:r>
+              <a:rPr lang="en-US" sz="2000" dirty="0" smtClean="0"/>
+              <a:t>0: Not </a:t>
+            </a:r>
+            <a:r>
+              <a:rPr lang="en-US" sz="2000" dirty="0" smtClean="0"/>
+              <a:t>thread safe</a:t>
+            </a:r>
+            <a:r>
+              <a:rPr lang="en-US" sz="2000" dirty="0" smtClean="0"/>
+              <a:t>, so threads should not share the module at all</a:t>
+            </a:r>
+          </a:p>
+          <a:p>
+            <a:pPr marL="914400" lvl="1" indent="-457200">
+              <a:buFont typeface="Arial" pitchFamily="34" charset="0"/>
+              <a:buChar char="•"/>
+            </a:pPr>
+            <a:r>
+              <a:rPr lang="en-US" sz="2000" dirty="0" smtClean="0"/>
+              <a:t>1: Minimally </a:t>
+            </a:r>
+            <a:r>
+              <a:rPr lang="en-US" sz="2000" dirty="0" smtClean="0"/>
+              <a:t>thread safe</a:t>
+            </a:r>
+            <a:r>
+              <a:rPr lang="en-US" sz="2000" dirty="0" smtClean="0"/>
+              <a:t>: threads can share the module but not connections</a:t>
+            </a:r>
+          </a:p>
+          <a:p>
+            <a:pPr marL="914400" lvl="1" indent="-457200">
+              <a:buFont typeface="Arial" pitchFamily="34" charset="0"/>
+              <a:buChar char="•"/>
+            </a:pPr>
+            <a:r>
+              <a:rPr lang="en-US" sz="2000" dirty="0" smtClean="0"/>
+              <a:t>2: Moderately </a:t>
+            </a:r>
+            <a:r>
+              <a:rPr lang="en-US" sz="2000" dirty="0" smtClean="0"/>
+              <a:t>thread safe</a:t>
+            </a:r>
+            <a:r>
+              <a:rPr lang="en-US" sz="2000" dirty="0" smtClean="0"/>
+              <a:t>: threads can share the module and connections but not cursors</a:t>
+            </a:r>
+          </a:p>
+          <a:p>
+            <a:pPr marL="914400" lvl="1" indent="-457200">
+              <a:buFont typeface="Arial" pitchFamily="34" charset="0"/>
+              <a:buChar char="•"/>
+            </a:pPr>
+            <a:r>
+              <a:rPr lang="en-US" sz="2000" dirty="0" smtClean="0"/>
+              <a:t>3: Fully </a:t>
+            </a:r>
+            <a:r>
+              <a:rPr lang="en-US" sz="2000" dirty="0" smtClean="0"/>
+              <a:t>thread safe</a:t>
+            </a:r>
+            <a:r>
+              <a:rPr lang="en-US" sz="2000" dirty="0" smtClean="0"/>
+              <a:t>: threads can share the module, connections, and cursors</a:t>
             </a:r>
           </a:p>
           <a:p>
@@ -8106,7 +7903,7 @@
       </p:sp>
       <p:pic>
         <p:nvPicPr>
-          <p:cNvPr id="28674" name="Picture 2"/>
+          <p:cNvPr id="29698" name="Picture 2"/>
           <p:cNvPicPr>
             <a:picLocks noChangeAspect="1" noChangeArrowheads="1"/>
           </p:cNvPicPr>
@@ -8121,8 +7918,8 @@
         </p:blipFill>
         <p:spPr bwMode="auto">
           <a:xfrm>
-            <a:off x="838200" y="1905000"/>
-            <a:ext cx="7467600" cy="3114675"/>
+            <a:off x="1066800" y="4495800"/>
+            <a:ext cx="5667375" cy="1885950"/>
           </a:xfrm>
           <a:prstGeom prst="rect">
             <a:avLst/>
@@ -8221,102 +8018,10 @@
           <a:lstStyle/>
           <a:p>
             <a:r>
-              <a:rPr lang="en-US" sz="2400" dirty="0" smtClean="0"/>
-              <a:t>DB-API module attributes </a:t>
-            </a:r>
-          </a:p>
-          <a:p>
-            <a:pPr lvl="1"/>
-            <a:r>
-              <a:rPr lang="en-US" sz="2000" dirty="0" err="1" smtClean="0"/>
-              <a:t>Threadsafety</a:t>
-            </a:r>
-            <a:endParaRPr lang="en-US" sz="2000" dirty="0" smtClean="0"/>
-          </a:p>
-          <a:p>
-            <a:pPr marL="914400" lvl="1" indent="-457200">
-              <a:buFont typeface="Arial" pitchFamily="34" charset="0"/>
-              <a:buChar char="•"/>
-            </a:pPr>
-            <a:r>
-              <a:rPr lang="en-US" sz="2000" dirty="0" smtClean="0"/>
-              <a:t>0: Not </a:t>
-            </a:r>
-            <a:r>
-              <a:rPr lang="en-US" sz="2000" dirty="0" err="1" smtClean="0"/>
-              <a:t>threadsafe</a:t>
-            </a:r>
-            <a:r>
-              <a:rPr lang="en-US" sz="2000" dirty="0" smtClean="0"/>
-              <a:t>, so threads should not share the module at </a:t>
-            </a:r>
-            <a:r>
-              <a:rPr lang="en-US" sz="2000" dirty="0" smtClean="0"/>
-              <a:t>all</a:t>
-            </a:r>
-          </a:p>
-          <a:p>
-            <a:pPr marL="914400" lvl="1" indent="-457200">
-              <a:buFont typeface="Arial" pitchFamily="34" charset="0"/>
-              <a:buChar char="•"/>
-            </a:pPr>
-            <a:r>
-              <a:rPr lang="en-US" sz="2000" dirty="0" smtClean="0"/>
-              <a:t>1: Minimally </a:t>
-            </a:r>
-            <a:r>
-              <a:rPr lang="en-US" sz="2000" dirty="0" err="1" smtClean="0"/>
-              <a:t>threadsafe</a:t>
-            </a:r>
-            <a:r>
-              <a:rPr lang="en-US" sz="2000" dirty="0" smtClean="0"/>
-              <a:t>: threads can share the module but not </a:t>
-            </a:r>
-            <a:r>
-              <a:rPr lang="en-US" sz="2000" dirty="0" smtClean="0"/>
-              <a:t>connections</a:t>
-            </a:r>
-          </a:p>
-          <a:p>
-            <a:pPr marL="914400" lvl="1" indent="-457200">
-              <a:buFont typeface="Arial" pitchFamily="34" charset="0"/>
-              <a:buChar char="•"/>
-            </a:pPr>
-            <a:r>
-              <a:rPr lang="en-US" sz="2000" dirty="0" smtClean="0"/>
-              <a:t>2: Moderately </a:t>
-            </a:r>
-            <a:r>
-              <a:rPr lang="en-US" sz="2000" dirty="0" err="1" smtClean="0"/>
-              <a:t>threadsafe</a:t>
-            </a:r>
-            <a:r>
-              <a:rPr lang="en-US" sz="2000" dirty="0" smtClean="0"/>
-              <a:t>: threads can share the module and connections but not </a:t>
-            </a:r>
-            <a:r>
-              <a:rPr lang="en-US" sz="2000" dirty="0" smtClean="0"/>
-              <a:t>cursors</a:t>
-            </a:r>
-          </a:p>
-          <a:p>
-            <a:pPr marL="914400" lvl="1" indent="-457200">
-              <a:buFont typeface="Arial" pitchFamily="34" charset="0"/>
-              <a:buChar char="•"/>
-            </a:pPr>
-            <a:r>
-              <a:rPr lang="en-US" sz="2000" dirty="0" smtClean="0"/>
-              <a:t>3: Fully </a:t>
-            </a:r>
-            <a:r>
-              <a:rPr lang="en-US" sz="2000" dirty="0" err="1" smtClean="0"/>
-              <a:t>threadsafe</a:t>
-            </a:r>
-            <a:r>
-              <a:rPr lang="en-US" sz="2000" dirty="0" smtClean="0"/>
-              <a:t>: threads can share the module, connections, and cursors</a:t>
-            </a:r>
-            <a:endParaRPr lang="en-US" sz="2000" dirty="0" smtClean="0"/>
+              <a:rPr lang="en-US" sz="2400" dirty="0" err="1" smtClean="0"/>
+              <a:t>Paramstyle</a:t>
+            </a:r>
+            <a:endParaRPr lang="en-US" sz="2400" dirty="0" smtClean="0"/>
           </a:p>
           <a:p>
             <a:pPr lvl="1"/>
@@ -8350,7 +8055,7 @@
       </p:sp>
       <p:pic>
         <p:nvPicPr>
-          <p:cNvPr id="29698" name="Picture 2"/>
+          <p:cNvPr id="30722" name="Picture 2"/>
           <p:cNvPicPr>
             <a:picLocks noChangeAspect="1" noChangeArrowheads="1"/>
           </p:cNvPicPr>
@@ -8365,8 +8070,8 @@
         </p:blipFill>
         <p:spPr bwMode="auto">
           <a:xfrm>
-            <a:off x="1066800" y="4495800"/>
-            <a:ext cx="5667375" cy="1885950"/>
+            <a:off x="838200" y="1905000"/>
+            <a:ext cx="7019925" cy="2352675"/>
           </a:xfrm>
           <a:prstGeom prst="rect">
             <a:avLst/>
@@ -8664,10 +8369,9 @@
           <a:lstStyle/>
           <a:p>
             <a:r>
-              <a:rPr lang="en-US" sz="2400" dirty="0" err="1" smtClean="0"/>
-              <a:t>Paramstyle</a:t>
-            </a:r>
-            <a:endParaRPr lang="en-US" sz="2400" dirty="0" smtClean="0"/>
+              <a:rPr lang="en-US" sz="2400" dirty="0" smtClean="0"/>
+              <a:t>DB-API exceptions</a:t>
+            </a:r>
           </a:p>
           <a:p>
             <a:pPr lvl="1"/>
@@ -8701,7 +8405,7 @@
       </p:sp>
       <p:pic>
         <p:nvPicPr>
-          <p:cNvPr id="30722" name="Picture 2"/>
+          <p:cNvPr id="31746" name="Picture 2"/>
           <p:cNvPicPr>
             <a:picLocks noChangeAspect="1" noChangeArrowheads="1"/>
           </p:cNvPicPr>
@@ -8716,8 +8420,8 @@
         </p:blipFill>
         <p:spPr bwMode="auto">
           <a:xfrm>
-            <a:off x="838200" y="1905000"/>
-            <a:ext cx="7019925" cy="2352675"/>
+            <a:off x="685800" y="1828800"/>
+            <a:ext cx="7505700" cy="3276600"/>
           </a:xfrm>
           <a:prstGeom prst="rect">
             <a:avLst/>
@@ -8817,7 +8521,7 @@
           <a:p>
             <a:r>
               <a:rPr lang="en-US" sz="2400" dirty="0" smtClean="0"/>
-              <a:t>DB-API exceptions</a:t>
+              <a:t>connection object</a:t>
             </a:r>
           </a:p>
           <a:p>
@@ -8852,7 +8556,7 @@
       </p:sp>
       <p:pic>
         <p:nvPicPr>
-          <p:cNvPr id="31746" name="Picture 2"/>
+          <p:cNvPr id="32770" name="Picture 2"/>
           <p:cNvPicPr>
             <a:picLocks noChangeAspect="1" noChangeArrowheads="1"/>
           </p:cNvPicPr>
@@ -8867,8 +8571,8 @@
         </p:blipFill>
         <p:spPr bwMode="auto">
           <a:xfrm>
-            <a:off x="685800" y="1828800"/>
-            <a:ext cx="7505700" cy="3276600"/>
+            <a:off x="457200" y="1752600"/>
+            <a:ext cx="8181975" cy="2438400"/>
           </a:xfrm>
           <a:prstGeom prst="rect">
             <a:avLst/>
@@ -8968,7 +8672,11 @@
           <a:p>
             <a:r>
               <a:rPr lang="en-US" sz="2400" dirty="0" smtClean="0"/>
-              <a:t>connection object</a:t>
+              <a:t>Cursor </a:t>
+            </a:r>
+            <a:r>
+              <a:rPr lang="en-US" sz="2400" dirty="0" smtClean="0"/>
+              <a:t>object</a:t>
             </a:r>
           </a:p>
           <a:p>
@@ -9003,7 +8711,7 @@
       </p:sp>
       <p:pic>
         <p:nvPicPr>
-          <p:cNvPr id="32770" name="Picture 2"/>
+          <p:cNvPr id="33794" name="Picture 2"/>
           <p:cNvPicPr>
             <a:picLocks noChangeAspect="1" noChangeArrowheads="1"/>
           </p:cNvPicPr>
@@ -9018,8 +8726,8 @@
         </p:blipFill>
         <p:spPr bwMode="auto">
           <a:xfrm>
-            <a:off x="457200" y="1752600"/>
-            <a:ext cx="8181975" cy="2438400"/>
+            <a:off x="338138" y="1695450"/>
+            <a:ext cx="8467725" cy="3467100"/>
           </a:xfrm>
           <a:prstGeom prst="rect">
             <a:avLst/>
@@ -9107,8 +8815,8 @@
         </p:nvSpPr>
         <p:spPr>
           <a:xfrm>
-            <a:off x="457200" y="1143000"/>
-            <a:ext cx="8229600" cy="5562600"/>
+            <a:off x="457200" y="990600"/>
+            <a:ext cx="8229600" cy="5715000"/>
           </a:xfrm>
         </p:spPr>
         <p:txBody>
@@ -9123,7 +8831,7 @@
             </a:r>
             <a:r>
               <a:rPr lang="en-US" sz="2400" dirty="0" smtClean="0"/>
-              <a:t> object</a:t>
+              <a:t> object (cont.)</a:t>
             </a:r>
           </a:p>
           <a:p>
@@ -9158,7 +8866,7 @@
       </p:sp>
       <p:pic>
         <p:nvPicPr>
-          <p:cNvPr id="33794" name="Picture 2"/>
+          <p:cNvPr id="34818" name="Picture 2"/>
           <p:cNvPicPr>
             <a:picLocks noChangeAspect="1" noChangeArrowheads="1"/>
           </p:cNvPicPr>
@@ -9173,8 +8881,8 @@
         </p:blipFill>
         <p:spPr bwMode="auto">
           <a:xfrm>
-            <a:off x="338138" y="1695450"/>
-            <a:ext cx="8467725" cy="3467100"/>
+            <a:off x="457200" y="1533525"/>
+            <a:ext cx="8324850" cy="5324475"/>
           </a:xfrm>
           <a:prstGeom prst="rect">
             <a:avLst/>
@@ -9273,16 +8981,9 @@
           <a:lstStyle/>
           <a:p>
             <a:r>
-              <a:rPr lang="en-US" sz="2400" dirty="0" err="1" smtClean="0"/>
-              <a:t>Curosr</a:t>
-            </a:r>
-            <a:r>
               <a:rPr lang="en-US" sz="2400" dirty="0" smtClean="0"/>
-              <a:t> object (cont.)</a:t>
-            </a:r>
-          </a:p>
-          <a:p>
-            <a:pPr lvl="1"/>
+              <a:t>Type Objects and Constructors</a:t>
+            </a:r>
             <a:endParaRPr lang="en-US" sz="2000" dirty="0" smtClean="0"/>
           </a:p>
           <a:p>
@@ -9313,7 +9014,7 @@
       </p:sp>
       <p:pic>
         <p:nvPicPr>
-          <p:cNvPr id="34818" name="Picture 2"/>
+          <p:cNvPr id="35842" name="Picture 2"/>
           <p:cNvPicPr>
             <a:picLocks noChangeAspect="1" noChangeArrowheads="1"/>
           </p:cNvPicPr>
@@ -9328,8 +9029,8 @@
         </p:blipFill>
         <p:spPr bwMode="auto">
           <a:xfrm>
-            <a:off x="457200" y="1533525"/>
-            <a:ext cx="8324850" cy="5324475"/>
+            <a:off x="685800" y="1676400"/>
+            <a:ext cx="7829550" cy="4000500"/>
           </a:xfrm>
           <a:prstGeom prst="rect">
             <a:avLst/>
@@ -9429,68 +9130,95 @@
           <a:p>
             <a:r>
               <a:rPr lang="en-US" sz="2400" dirty="0" smtClean="0"/>
-              <a:t>Type Objects and Constructors</a:t>
+              <a:t>Modules</a:t>
+            </a:r>
+          </a:p>
+          <a:p>
+            <a:pPr lvl="1"/>
+            <a:r>
+              <a:rPr lang="en-US" sz="2000" dirty="0" err="1" smtClean="0"/>
+              <a:t>MySQLdb</a:t>
             </a:r>
             <a:endParaRPr lang="en-US" sz="2000" dirty="0" smtClean="0"/>
           </a:p>
           <a:p>
             <a:pPr lvl="1"/>
+            <a:r>
+              <a:rPr lang="en-US" sz="2000" dirty="0" err="1" smtClean="0"/>
+              <a:t>psycopg</a:t>
+            </a:r>
+            <a:r>
+              <a:rPr lang="en-US" sz="2000" dirty="0" smtClean="0"/>
+              <a:t>/</a:t>
+            </a:r>
+            <a:r>
+              <a:rPr lang="en-US" sz="2000" dirty="0" err="1" smtClean="0"/>
+              <a:t>pyPgSQL</a:t>
+            </a:r>
+            <a:r>
+              <a:rPr lang="en-US" sz="2000" dirty="0" smtClean="0"/>
+              <a:t>/</a:t>
+            </a:r>
+            <a:r>
+              <a:rPr lang="en-US" sz="2000" dirty="0" err="1" smtClean="0"/>
+              <a:t>pgdb</a:t>
+            </a:r>
             <a:endParaRPr lang="en-US" sz="2000" dirty="0" smtClean="0"/>
           </a:p>
           <a:p>
             <a:pPr lvl="1"/>
+            <a:r>
+              <a:rPr lang="en-US" sz="2000" dirty="0" smtClean="0"/>
+              <a:t>Sqlite3</a:t>
+            </a:r>
             <a:endParaRPr lang="en-US" sz="2000" dirty="0" smtClean="0"/>
           </a:p>
           <a:p>
             <a:pPr lvl="1"/>
+            <a:r>
+              <a:rPr lang="en-US" sz="2000" dirty="0" smtClean="0"/>
+              <a:t>gadfly</a:t>
+            </a:r>
             <a:endParaRPr lang="en-US" sz="2000" dirty="0" smtClean="0"/>
           </a:p>
           <a:p>
             <a:pPr lvl="1"/>
+            <a:r>
+              <a:rPr lang="en-US" sz="2000" dirty="0" err="1" smtClean="0"/>
+              <a:t>cx_Oracle</a:t>
+            </a:r>
             <a:endParaRPr lang="en-US" sz="2000" dirty="0" smtClean="0"/>
           </a:p>
           <a:p>
             <a:pPr lvl="1"/>
+            <a:r>
+              <a:rPr lang="en-US" sz="2000" dirty="0" smtClean="0"/>
+              <a:t>etc</a:t>
+            </a:r>
             <a:endParaRPr lang="en-US" sz="2000" dirty="0" smtClean="0"/>
           </a:p>
           <a:p>
             <a:pPr lvl="1"/>
             <a:endParaRPr lang="en-US" sz="2000" dirty="0" smtClean="0"/>
           </a:p>
-        </p:txBody>
-      </p:sp>
-      <p:pic>
-        <p:nvPicPr>
-          <p:cNvPr id="35842" name="Picture 2"/>
-          <p:cNvPicPr>
-            <a:picLocks noChangeAspect="1" noChangeArrowheads="1"/>
-          </p:cNvPicPr>
-          <p:nvPr/>
-        </p:nvPicPr>
-        <p:blipFill>
-          <a:blip r:embed="rId2" cstate="print"/>
-          <a:srcRect/>
-          <a:stretch>
-            <a:fillRect/>
-          </a:stretch>
-        </p:blipFill>
-        <p:spPr bwMode="auto">
-          <a:xfrm>
-            <a:off x="685800" y="1676400"/>
-            <a:ext cx="7829550" cy="4000500"/>
-          </a:xfrm>
-          <a:prstGeom prst="rect">
-            <a:avLst/>
-          </a:prstGeom>
-          <a:noFill/>
-          <a:ln w="9525">
-            <a:noFill/>
-            <a:miter lim="800000"/>
-            <a:headEnd/>
-            <a:tailEnd/>
-          </a:ln>
-        </p:spPr>
-      </p:pic>
+          <a:p>
+            <a:pPr lvl="1"/>
+            <a:endParaRPr lang="en-US" sz="2000" dirty="0" smtClean="0"/>
+          </a:p>
+          <a:p>
+            <a:pPr lvl="1"/>
+            <a:endParaRPr lang="en-US" sz="2000" dirty="0" smtClean="0"/>
+          </a:p>
+          <a:p>
+            <a:pPr lvl="1"/>
+            <a:endParaRPr lang="en-US" sz="2000" dirty="0" smtClean="0"/>
+          </a:p>
+          <a:p>
+            <a:pPr lvl="1"/>
+            <a:endParaRPr lang="en-US" sz="2000" dirty="0" smtClean="0"/>
+          </a:p>
+        </p:txBody>
+      </p:sp>
     </p:spTree>
   </p:cSld>
   <p:clrMapOvr>
@@ -9547,7 +9275,7 @@
           <a:p>
             <a:r>
               <a:rPr lang="en-US" sz="3200" dirty="0" smtClean="0"/>
-              <a:t>Database programming</a:t>
+              <a:t>Extending Python</a:t>
             </a:r>
             <a:endParaRPr lang="en-US" sz="3200" dirty="0"/>
           </a:p>
@@ -9565,8 +9293,8 @@
         </p:nvSpPr>
         <p:spPr>
           <a:xfrm>
-            <a:off x="457200" y="990600"/>
-            <a:ext cx="8229600" cy="5715000"/>
+            <a:off x="457200" y="1143000"/>
+            <a:ext cx="8229600" cy="5562600"/>
           </a:xfrm>
         </p:spPr>
         <p:txBody>
@@ -9577,74 +9305,139 @@
           <a:p>
             <a:r>
               <a:rPr lang="en-US" sz="2400" dirty="0" smtClean="0"/>
-              <a:t>Modules</a:t>
-            </a:r>
-          </a:p>
-          <a:p>
-            <a:pPr lvl="1"/>
+              <a:t>Steps</a:t>
+            </a:r>
+          </a:p>
+          <a:p>
+            <a:pPr lvl="1"/>
+            <a:r>
+              <a:rPr lang="en-US" sz="2000" dirty="0" smtClean="0"/>
+              <a:t>Create a C module, </a:t>
+            </a:r>
             <a:r>
               <a:rPr lang="en-US" sz="2000" dirty="0" err="1" smtClean="0"/>
-              <a:t>MySQLdb</a:t>
+              <a:t>xxx.c</a:t>
             </a:r>
             <a:endParaRPr lang="en-US" sz="2000" dirty="0" smtClean="0"/>
           </a:p>
           <a:p>
             <a:pPr lvl="1"/>
             <a:r>
-              <a:rPr lang="en-US" sz="2000" dirty="0" err="1" smtClean="0"/>
-              <a:t>psycopg</a:t>
-            </a:r>
-            <a:r>
-              <a:rPr lang="en-US" sz="2000" dirty="0" smtClean="0"/>
-              <a:t>/</a:t>
-            </a:r>
-            <a:r>
-              <a:rPr lang="en-US" sz="2000" dirty="0" err="1" smtClean="0"/>
-              <a:t>pyPgSQL</a:t>
-            </a:r>
-            <a:r>
-              <a:rPr lang="en-US" sz="2000" dirty="0" smtClean="0"/>
-              <a:t>/</a:t>
-            </a:r>
-            <a:r>
-              <a:rPr lang="en-US" sz="2000" dirty="0" err="1" smtClean="0"/>
-              <a:t>pgdb</a:t>
-            </a:r>
-            <a:endParaRPr lang="en-US" sz="2000" dirty="0" smtClean="0"/>
-          </a:p>
-          <a:p>
-            <a:pPr lvl="1"/>
-            <a:r>
-              <a:rPr lang="en-US" sz="2000" dirty="0" smtClean="0"/>
-              <a:t>sqlite3</a:t>
-            </a:r>
-          </a:p>
-          <a:p>
-            <a:pPr lvl="1"/>
-            <a:r>
-              <a:rPr lang="en-US" sz="2000" dirty="0" smtClean="0"/>
-              <a:t>g</a:t>
-            </a:r>
-            <a:r>
-              <a:rPr lang="en-US" sz="2000" dirty="0" smtClean="0"/>
-              <a:t>adfly</a:t>
-            </a:r>
-          </a:p>
-          <a:p>
-            <a:pPr lvl="1"/>
-            <a:r>
-              <a:rPr lang="en-US" sz="2000" dirty="0" smtClean="0"/>
-              <a:t>etc</a:t>
-            </a:r>
-            <a:endParaRPr lang="en-US" sz="2000" dirty="0" smtClean="0"/>
-          </a:p>
-          <a:p>
-            <a:pPr lvl="1"/>
-            <a:endParaRPr lang="en-US" sz="2000" dirty="0" smtClean="0"/>
-          </a:p>
-          <a:p>
-            <a:pPr lvl="1"/>
-            <a:endParaRPr lang="en-US" sz="2000" dirty="0" smtClean="0"/>
+              <a:rPr lang="en-US" sz="2000" dirty="0" smtClean="0"/>
+              <a:t>Wrap Your Code in Boilerplate</a:t>
+            </a:r>
+          </a:p>
+          <a:p>
+            <a:pPr lvl="2"/>
+            <a:r>
+              <a:rPr lang="en-US" sz="1800" dirty="0" smtClean="0"/>
+              <a:t>Include Python header file</a:t>
+            </a:r>
+          </a:p>
+          <a:p>
+            <a:pPr lvl="2"/>
+            <a:r>
+              <a:rPr lang="en-US" sz="1800" dirty="0" smtClean="0"/>
+              <a:t>Add </a:t>
+            </a:r>
+            <a:r>
+              <a:rPr lang="en-US" sz="1800" dirty="0" err="1" smtClean="0"/>
+              <a:t>PyObject</a:t>
+            </a:r>
+            <a:r>
+              <a:rPr lang="en-US" sz="1800" dirty="0" smtClean="0"/>
+              <a:t>* </a:t>
+            </a:r>
+            <a:r>
+              <a:rPr lang="en-US" sz="1800" i="1" dirty="0" err="1" smtClean="0"/>
+              <a:t>Module_func</a:t>
+            </a:r>
+            <a:r>
+              <a:rPr lang="en-US" sz="1800" i="1" dirty="0" smtClean="0"/>
+              <a:t>() Python wrappers for each module function</a:t>
+            </a:r>
+          </a:p>
+          <a:p>
+            <a:pPr lvl="2"/>
+            <a:r>
+              <a:rPr lang="en-US" sz="1800" dirty="0" smtClean="0"/>
+              <a:t>Add </a:t>
+            </a:r>
+            <a:r>
+              <a:rPr lang="en-US" sz="1800" dirty="0" err="1" smtClean="0"/>
+              <a:t>PyMethodDef</a:t>
+            </a:r>
+            <a:r>
+              <a:rPr lang="en-US" sz="1800" dirty="0" smtClean="0"/>
+              <a:t> </a:t>
+            </a:r>
+            <a:r>
+              <a:rPr lang="en-US" sz="1800" i="1" dirty="0" smtClean="0"/>
+              <a:t>Module Methods[] array/table for each module function</a:t>
+            </a:r>
+          </a:p>
+          <a:p>
+            <a:pPr lvl="2"/>
+            <a:r>
+              <a:rPr lang="en-US" sz="1800" dirty="0" smtClean="0"/>
+              <a:t>Add </a:t>
+            </a:r>
+            <a:r>
+              <a:rPr lang="en-US" sz="1800" b="1" dirty="0" smtClean="0"/>
+              <a:t>void init </a:t>
+            </a:r>
+            <a:r>
+              <a:rPr lang="en-US" sz="1800" b="1" i="1" dirty="0" smtClean="0"/>
+              <a:t>Module() </a:t>
+            </a:r>
+            <a:r>
+              <a:rPr lang="en-US" sz="1800" i="1" dirty="0" smtClean="0"/>
+              <a:t>module </a:t>
+            </a:r>
+            <a:r>
+              <a:rPr lang="en-US" sz="1800" i="1" dirty="0" err="1" smtClean="0"/>
+              <a:t>initializer</a:t>
+            </a:r>
+            <a:r>
+              <a:rPr lang="en-US" sz="1800" i="1" dirty="0" smtClean="0"/>
+              <a:t> function</a:t>
+            </a:r>
+            <a:endParaRPr lang="en-US" sz="1800" dirty="0" smtClean="0"/>
+          </a:p>
+          <a:p>
+            <a:pPr lvl="1"/>
+            <a:r>
+              <a:rPr lang="en-US" sz="2000" dirty="0" smtClean="0"/>
+              <a:t>Compile</a:t>
+            </a:r>
+          </a:p>
+          <a:p>
+            <a:pPr lvl="2"/>
+            <a:r>
+              <a:rPr lang="en-US" sz="1800" dirty="0" smtClean="0"/>
+              <a:t>Create setup.py</a:t>
+            </a:r>
+          </a:p>
+          <a:p>
+            <a:pPr lvl="2"/>
+            <a:r>
+              <a:rPr lang="en-US" sz="1800" dirty="0" smtClean="0"/>
+              <a:t>python setup.py build</a:t>
+            </a:r>
+          </a:p>
+          <a:p>
+            <a:pPr lvl="2"/>
+            <a:r>
+              <a:rPr lang="en-US" sz="1800" dirty="0" smtClean="0"/>
+              <a:t>python setup.py install</a:t>
+            </a:r>
+          </a:p>
+          <a:p>
+            <a:pPr lvl="1"/>
+            <a:r>
+              <a:rPr lang="en-US" sz="2000" dirty="0" smtClean="0"/>
+              <a:t>Import and testing</a:t>
+            </a:r>
           </a:p>
           <a:p>
             <a:pPr lvl="1"/>
@@ -9704,7 +9497,7 @@
         </p:nvSpPr>
         <p:spPr>
           <a:xfrm>
-            <a:off x="457200" y="274638"/>
+            <a:off x="457200" y="0"/>
             <a:ext cx="8229600" cy="868362"/>
           </a:xfrm>
         </p:spPr>
@@ -9734,8 +9527,8 @@
         </p:nvSpPr>
         <p:spPr>
           <a:xfrm>
-            <a:off x="457200" y="1143000"/>
-            <a:ext cx="8229600" cy="5562600"/>
+            <a:off x="457200" y="838200"/>
+            <a:ext cx="8229600" cy="5867400"/>
           </a:xfrm>
         </p:spPr>
         <p:txBody>
@@ -9746,176 +9539,87 @@
           <a:p>
             <a:r>
               <a:rPr lang="en-US" sz="2400" dirty="0" smtClean="0"/>
-              <a:t>Steps</a:t>
-            </a:r>
-          </a:p>
-          <a:p>
-            <a:pPr lvl="1"/>
-            <a:r>
-              <a:rPr lang="en-US" sz="2000" dirty="0" smtClean="0"/>
-              <a:t>Create a C module, </a:t>
-            </a:r>
-            <a:r>
-              <a:rPr lang="en-US" sz="2000" dirty="0" err="1" smtClean="0"/>
-              <a:t>xxx.c</a:t>
-            </a:r>
+              <a:t>Data conversion between Python and C/C++</a:t>
+            </a:r>
+          </a:p>
+          <a:p>
+            <a:pPr lvl="1"/>
             <a:endParaRPr lang="en-US" sz="2000" dirty="0" smtClean="0"/>
           </a:p>
           <a:p>
             <a:pPr lvl="1"/>
-            <a:r>
-              <a:rPr lang="en-US" sz="2000" dirty="0" smtClean="0"/>
-              <a:t>Wrap Your Code in </a:t>
-            </a:r>
-            <a:r>
-              <a:rPr lang="en-US" sz="2000" dirty="0" smtClean="0"/>
-              <a:t>Boilerplate</a:t>
-            </a:r>
-          </a:p>
-          <a:p>
-            <a:pPr lvl="2"/>
-            <a:r>
-              <a:rPr lang="en-US" sz="1800" dirty="0" smtClean="0"/>
-              <a:t>Include Python header </a:t>
-            </a:r>
-            <a:r>
-              <a:rPr lang="en-US" sz="1800" dirty="0" smtClean="0"/>
-              <a:t>file</a:t>
-            </a:r>
-          </a:p>
-          <a:p>
-            <a:pPr lvl="2"/>
-            <a:r>
-              <a:rPr lang="en-US" sz="1800" dirty="0" smtClean="0"/>
-              <a:t>Add </a:t>
-            </a:r>
-            <a:r>
-              <a:rPr lang="en-US" sz="1800" dirty="0" err="1" smtClean="0"/>
-              <a:t>PyObject</a:t>
-            </a:r>
-            <a:r>
-              <a:rPr lang="en-US" sz="1800" dirty="0" smtClean="0"/>
-              <a:t>* </a:t>
-            </a:r>
-            <a:r>
-              <a:rPr lang="en-US" sz="1800" i="1" dirty="0" err="1" smtClean="0"/>
-              <a:t>Module_func</a:t>
-            </a:r>
-            <a:r>
-              <a:rPr lang="en-US" sz="1800" i="1" dirty="0" smtClean="0"/>
-              <a:t>() Python wrappers for each module </a:t>
-            </a:r>
-            <a:r>
-              <a:rPr lang="en-US" sz="1800" i="1" dirty="0" smtClean="0"/>
-              <a:t>function</a:t>
-            </a:r>
-          </a:p>
-          <a:p>
-            <a:pPr lvl="2"/>
-            <a:r>
-              <a:rPr lang="en-US" sz="1800" dirty="0" smtClean="0"/>
-              <a:t>Add </a:t>
-            </a:r>
-            <a:r>
-              <a:rPr lang="en-US" sz="1800" dirty="0" err="1" smtClean="0"/>
-              <a:t>PyMethodDef</a:t>
-            </a:r>
-            <a:r>
-              <a:rPr lang="en-US" sz="1800" dirty="0" smtClean="0"/>
-              <a:t> </a:t>
-            </a:r>
-            <a:r>
-              <a:rPr lang="en-US" sz="1800" i="1" dirty="0" smtClean="0"/>
-              <a:t>Module Methods[] array/table for each module </a:t>
-            </a:r>
-            <a:r>
-              <a:rPr lang="en-US" sz="1800" i="1" dirty="0" smtClean="0"/>
-              <a:t>function</a:t>
-            </a:r>
-          </a:p>
-          <a:p>
-            <a:pPr lvl="2"/>
-            <a:r>
-              <a:rPr lang="en-US" sz="1800" dirty="0" smtClean="0"/>
-              <a:t>Add </a:t>
-            </a:r>
-            <a:r>
-              <a:rPr lang="en-US" sz="1800" b="1" dirty="0" smtClean="0"/>
-              <a:t>void init </a:t>
-            </a:r>
-            <a:r>
-              <a:rPr lang="en-US" sz="1800" b="1" i="1" dirty="0" smtClean="0"/>
-              <a:t>Module() </a:t>
-            </a:r>
-            <a:r>
-              <a:rPr lang="en-US" sz="1800" i="1" dirty="0" smtClean="0"/>
-              <a:t>module </a:t>
-            </a:r>
-            <a:r>
-              <a:rPr lang="en-US" sz="1800" i="1" dirty="0" err="1" smtClean="0"/>
-              <a:t>initializer</a:t>
-            </a:r>
-            <a:r>
-              <a:rPr lang="en-US" sz="1800" i="1" dirty="0" smtClean="0"/>
-              <a:t> function</a:t>
-            </a:r>
-            <a:endParaRPr lang="en-US" sz="1800" dirty="0" smtClean="0"/>
-          </a:p>
-          <a:p>
-            <a:pPr lvl="1"/>
-            <a:r>
-              <a:rPr lang="en-US" sz="2000" dirty="0" smtClean="0"/>
-              <a:t>Compile</a:t>
-            </a:r>
-          </a:p>
-          <a:p>
-            <a:pPr lvl="2"/>
-            <a:r>
-              <a:rPr lang="en-US" sz="1800" dirty="0" smtClean="0"/>
-              <a:t>Create setup.py</a:t>
-            </a:r>
-          </a:p>
-          <a:p>
-            <a:pPr lvl="2"/>
-            <a:r>
-              <a:rPr lang="en-US" sz="1800" dirty="0" smtClean="0"/>
-              <a:t>python setup.py build</a:t>
-            </a:r>
-          </a:p>
-          <a:p>
-            <a:pPr lvl="2"/>
-            <a:r>
-              <a:rPr lang="en-US" sz="1800" dirty="0" smtClean="0"/>
-              <a:t>python setup.py </a:t>
-            </a:r>
-            <a:r>
-              <a:rPr lang="en-US" sz="1800" dirty="0" smtClean="0"/>
-              <a:t>install</a:t>
-            </a:r>
-            <a:endParaRPr lang="en-US" sz="1800" dirty="0" smtClean="0"/>
-          </a:p>
-          <a:p>
-            <a:pPr lvl="1"/>
-            <a:r>
-              <a:rPr lang="en-US" sz="2000" dirty="0" smtClean="0"/>
-              <a:t>Import and testing</a:t>
-            </a:r>
             <a:endParaRPr lang="en-US" sz="2000" dirty="0" smtClean="0"/>
           </a:p>
           <a:p>
             <a:pPr lvl="1"/>
             <a:endParaRPr lang="en-US" sz="2000" dirty="0" smtClean="0"/>
           </a:p>
-          <a:p>
-            <a:pPr lvl="1"/>
-            <a:endParaRPr lang="en-US" sz="2000" dirty="0" smtClean="0"/>
-          </a:p>
-          <a:p>
-            <a:pPr lvl="1"/>
-            <a:endParaRPr lang="en-US" sz="2000" dirty="0" smtClean="0"/>
-          </a:p>
-        </p:txBody>
-      </p:sp>
+        </p:txBody>
+      </p:sp>
+      <p:pic>
+        <p:nvPicPr>
+          <p:cNvPr id="36866" name="Picture 2"/>
+          <p:cNvPicPr>
+            <a:picLocks noChangeAspect="1" noChangeArrowheads="1"/>
+          </p:cNvPicPr>
+          <p:nvPr/>
+        </p:nvPicPr>
+        <p:blipFill>
+          <a:blip r:embed="rId2" cstate="print"/>
+          <a:srcRect/>
+          <a:stretch>
+            <a:fillRect/>
+          </a:stretch>
+        </p:blipFill>
+        <p:spPr bwMode="auto">
+          <a:xfrm>
+            <a:off x="381000" y="1371600"/>
+            <a:ext cx="8467725" cy="2324100"/>
+          </a:xfrm>
+          <a:prstGeom prst="rect">
+            <a:avLst/>
+          </a:prstGeom>
+          <a:noFill/>
+          <a:ln w="9525">
+            <a:noFill/>
+            <a:miter lim="800000"/>
+            <a:headEnd/>
+            <a:tailEnd/>
+          </a:ln>
+        </p:spPr>
+      </p:pic>
+      <p:pic>
+        <p:nvPicPr>
+          <p:cNvPr id="36867" name="Picture 3"/>
+          <p:cNvPicPr>
+            <a:picLocks noChangeAspect="1" noChangeArrowheads="1"/>
+          </p:cNvPicPr>
+          <p:nvPr/>
+        </p:nvPicPr>
+        <p:blipFill>
+          <a:blip r:embed="rId3" cstate="print"/>
+          <a:srcRect/>
+          <a:stretch>
+            <a:fillRect/>
+          </a:stretch>
+        </p:blipFill>
+        <p:spPr bwMode="auto">
+          <a:xfrm>
+            <a:off x="2514600" y="3838575"/>
+            <a:ext cx="4038600" cy="3019425"/>
+          </a:xfrm>
+          <a:prstGeom prst="rect">
+            <a:avLst/>
+          </a:prstGeom>
+          <a:noFill/>
+          <a:ln w="9525">
+            <a:noFill/>
+            <a:miter lim="800000"/>
+            <a:headEnd/>
+            <a:tailEnd/>
+          </a:ln>
+        </p:spPr>
+      </p:pic>
     </p:spTree>
   </p:cSld>
   <p:clrMapOvr>
@@ -9960,7 +9664,7 @@
         </p:nvSpPr>
         <p:spPr>
           <a:xfrm>
-            <a:off x="457200" y="0"/>
+            <a:off x="457200" y="274638"/>
             <a:ext cx="8229600" cy="868362"/>
           </a:xfrm>
         </p:spPr>
@@ -9990,99 +9694,408 @@
         </p:nvSpPr>
         <p:spPr>
           <a:xfrm>
-            <a:off x="457200" y="838200"/>
-            <a:ext cx="8229600" cy="5867400"/>
+            <a:off x="457200" y="1143000"/>
+            <a:ext cx="8229600" cy="5562600"/>
           </a:xfrm>
         </p:spPr>
         <p:txBody>
           <a:bodyPr>
-            <a:normAutofit/>
+            <a:normAutofit lnSpcReduction="10000"/>
           </a:bodyPr>
           <a:lstStyle/>
           <a:p>
             <a:r>
               <a:rPr lang="en-US" sz="2400" dirty="0" smtClean="0"/>
-              <a:t>Data conversion between Python and C/C++</a:t>
-            </a:r>
-          </a:p>
-          <a:p>
-            <a:pPr lvl="1"/>
-            <a:endParaRPr lang="en-US" sz="2000" dirty="0" smtClean="0"/>
-          </a:p>
-          <a:p>
-            <a:pPr lvl="1"/>
-            <a:endParaRPr lang="en-US" sz="2000" dirty="0" smtClean="0"/>
-          </a:p>
-          <a:p>
-            <a:pPr lvl="1"/>
-            <a:endParaRPr lang="en-US" sz="2000" dirty="0" smtClean="0"/>
-          </a:p>
-        </p:txBody>
-      </p:sp>
-      <p:pic>
-        <p:nvPicPr>
-          <p:cNvPr id="36866" name="Picture 2"/>
-          <p:cNvPicPr>
-            <a:picLocks noChangeAspect="1" noChangeArrowheads="1"/>
-          </p:cNvPicPr>
-          <p:nvPr/>
-        </p:nvPicPr>
-        <p:blipFill>
-          <a:blip r:embed="rId2" cstate="print"/>
-          <a:srcRect/>
-          <a:stretch>
-            <a:fillRect/>
-          </a:stretch>
-        </p:blipFill>
-        <p:spPr bwMode="auto">
-          <a:xfrm>
-            <a:off x="381000" y="1371600"/>
-            <a:ext cx="8467725" cy="2324100"/>
-          </a:xfrm>
-          <a:prstGeom prst="rect">
-            <a:avLst/>
-          </a:prstGeom>
-          <a:noFill/>
-          <a:ln w="9525">
-            <a:noFill/>
-            <a:miter lim="800000"/>
-            <a:headEnd/>
-            <a:tailEnd/>
-          </a:ln>
-        </p:spPr>
-      </p:pic>
-      <p:pic>
-        <p:nvPicPr>
-          <p:cNvPr id="36867" name="Picture 3"/>
-          <p:cNvPicPr>
-            <a:picLocks noChangeAspect="1" noChangeArrowheads="1"/>
-          </p:cNvPicPr>
-          <p:nvPr/>
-        </p:nvPicPr>
-        <p:blipFill>
-          <a:blip r:embed="rId3" cstate="print"/>
-          <a:srcRect/>
-          <a:stretch>
-            <a:fillRect/>
-          </a:stretch>
-        </p:blipFill>
-        <p:spPr bwMode="auto">
-          <a:xfrm>
-            <a:off x="2514600" y="3838575"/>
-            <a:ext cx="4038600" cy="3019425"/>
-          </a:xfrm>
-          <a:prstGeom prst="rect">
-            <a:avLst/>
-          </a:prstGeom>
-          <a:noFill/>
-          <a:ln w="9525">
-            <a:noFill/>
-            <a:miter lim="800000"/>
-            <a:headEnd/>
-            <a:tailEnd/>
-          </a:ln>
-        </p:spPr>
-      </p:pic>
+              <a:t>Example</a:t>
+            </a:r>
+            <a:br>
+              <a:rPr lang="en-US" sz="2400" dirty="0" smtClean="0"/>
+            </a:br>
+            <a:r>
+              <a:rPr lang="en-US" sz="1800" dirty="0" smtClean="0"/>
+              <a:t># </a:t>
+            </a:r>
+            <a:r>
+              <a:rPr lang="en-US" sz="1800" dirty="0" err="1" smtClean="0"/>
+              <a:t>Extest.c</a:t>
+            </a:r>
+            <a:r>
+              <a:rPr lang="en-US" sz="1800" dirty="0" smtClean="0"/>
+              <a:t/>
+            </a:r>
+            <a:br>
+              <a:rPr lang="en-US" sz="1800" dirty="0" smtClean="0"/>
+            </a:br>
+            <a:r>
+              <a:rPr lang="en-US" sz="1800" dirty="0" smtClean="0"/>
+              <a:t>#include &lt;</a:t>
+            </a:r>
+            <a:r>
+              <a:rPr lang="en-US" sz="1800" dirty="0" err="1" smtClean="0"/>
+              <a:t>stdlib.h</a:t>
+            </a:r>
+            <a:r>
+              <a:rPr lang="en-US" sz="1800" dirty="0" smtClean="0"/>
+              <a:t>&gt;</a:t>
+            </a:r>
+            <a:br>
+              <a:rPr lang="en-US" sz="1800" dirty="0" smtClean="0"/>
+            </a:br>
+            <a:r>
+              <a:rPr lang="en-US" sz="1800" dirty="0" err="1" smtClean="0"/>
+              <a:t>int</a:t>
+            </a:r>
+            <a:r>
+              <a:rPr lang="en-US" sz="1800" dirty="0" smtClean="0"/>
+              <a:t> </a:t>
+            </a:r>
+            <a:r>
+              <a:rPr lang="en-US" sz="1800" dirty="0" err="1" smtClean="0">
+                <a:solidFill>
+                  <a:srgbClr val="FF0000"/>
+                </a:solidFill>
+              </a:rPr>
+              <a:t>fac</a:t>
+            </a:r>
+            <a:r>
+              <a:rPr lang="en-US" sz="1800" dirty="0" smtClean="0"/>
+              <a:t>(</a:t>
+            </a:r>
+            <a:r>
+              <a:rPr lang="en-US" sz="1800" dirty="0" err="1" smtClean="0"/>
+              <a:t>int</a:t>
+            </a:r>
+            <a:r>
+              <a:rPr lang="en-US" sz="1800" dirty="0" smtClean="0"/>
+              <a:t> n) { if (n &lt; 2) return (1); return (n) * </a:t>
+            </a:r>
+            <a:r>
+              <a:rPr lang="en-US" sz="1800" dirty="0" err="1" smtClean="0"/>
+              <a:t>fac</a:t>
+            </a:r>
+            <a:r>
+              <a:rPr lang="en-US" sz="1800" dirty="0" smtClean="0"/>
+              <a:t>(n-1); }</a:t>
+            </a:r>
+            <a:r>
+              <a:rPr lang="en-US" sz="2400" dirty="0" smtClean="0"/>
+              <a:t/>
+            </a:r>
+            <a:br>
+              <a:rPr lang="en-US" sz="2400" dirty="0" smtClean="0"/>
+            </a:br>
+            <a:r>
+              <a:rPr lang="en-US" sz="2400" dirty="0" smtClean="0"/>
+              <a:t/>
+            </a:r>
+            <a:br>
+              <a:rPr lang="en-US" sz="2400" dirty="0" smtClean="0"/>
+            </a:br>
+            <a:r>
+              <a:rPr lang="en-US" sz="1800" dirty="0" smtClean="0"/>
+              <a:t>#include “</a:t>
+            </a:r>
+            <a:r>
+              <a:rPr lang="en-US" sz="1800" dirty="0" err="1" smtClean="0"/>
+              <a:t>python.h</a:t>
+            </a:r>
+            <a:r>
+              <a:rPr lang="en-US" sz="1800" dirty="0" smtClean="0"/>
+              <a:t>”</a:t>
+            </a:r>
+            <a:br>
+              <a:rPr lang="en-US" sz="1800" dirty="0" smtClean="0"/>
+            </a:br>
+            <a:r>
+              <a:rPr lang="en-US" sz="1800" dirty="0" smtClean="0"/>
+              <a:t>static </a:t>
+            </a:r>
+            <a:r>
+              <a:rPr lang="en-US" sz="1800" dirty="0" err="1" smtClean="0"/>
+              <a:t>PyObject</a:t>
+            </a:r>
+            <a:r>
+              <a:rPr lang="en-US" sz="1800" dirty="0" smtClean="0"/>
+              <a:t>* </a:t>
+            </a:r>
+            <a:r>
+              <a:rPr lang="en-US" sz="1800" dirty="0" err="1" smtClean="0"/>
+              <a:t>Extest</a:t>
+            </a:r>
+            <a:r>
+              <a:rPr lang="en-US" sz="1800" dirty="0" err="1" smtClean="0">
+                <a:solidFill>
+                  <a:srgbClr val="FF0000"/>
+                </a:solidFill>
+              </a:rPr>
+              <a:t>_fac</a:t>
+            </a:r>
+            <a:r>
+              <a:rPr lang="en-US" sz="1800" dirty="0" smtClean="0"/>
+              <a:t>(</a:t>
+            </a:r>
+            <a:r>
+              <a:rPr lang="en-US" sz="1800" dirty="0" err="1" smtClean="0"/>
+              <a:t>PyObject</a:t>
+            </a:r>
+            <a:r>
+              <a:rPr lang="en-US" sz="1800" dirty="0" smtClean="0"/>
+              <a:t> *self, </a:t>
+            </a:r>
+            <a:r>
+              <a:rPr lang="en-US" sz="1800" dirty="0" err="1" smtClean="0"/>
+              <a:t>PyObject</a:t>
+            </a:r>
+            <a:r>
+              <a:rPr lang="en-US" sz="1800" dirty="0" smtClean="0"/>
+              <a:t> *</a:t>
+            </a:r>
+            <a:r>
+              <a:rPr lang="en-US" sz="1800" dirty="0" err="1" smtClean="0"/>
+              <a:t>args</a:t>
+            </a:r>
+            <a:r>
+              <a:rPr lang="en-US" sz="1800" dirty="0" smtClean="0"/>
+              <a:t>) {</a:t>
+            </a:r>
+            <a:br>
+              <a:rPr lang="en-US" sz="1800" dirty="0" smtClean="0"/>
+            </a:br>
+            <a:r>
+              <a:rPr lang="en-US" sz="1800" dirty="0" smtClean="0"/>
+              <a:t>    </a:t>
+            </a:r>
+            <a:r>
+              <a:rPr lang="en-US" sz="1800" dirty="0" err="1" smtClean="0"/>
+              <a:t>int</a:t>
+            </a:r>
+            <a:r>
+              <a:rPr lang="en-US" sz="1800" dirty="0" smtClean="0"/>
+              <a:t> </a:t>
+            </a:r>
+            <a:r>
+              <a:rPr lang="en-US" sz="1800" dirty="0" smtClean="0"/>
+              <a:t>num = 0;</a:t>
+            </a:r>
+            <a:r>
+              <a:rPr lang="en-US" sz="1800" dirty="0" smtClean="0"/>
+              <a:t/>
+            </a:r>
+            <a:br>
+              <a:rPr lang="en-US" sz="1800" dirty="0" smtClean="0"/>
+            </a:br>
+            <a:r>
+              <a:rPr lang="en-US" sz="1800" dirty="0" smtClean="0"/>
+              <a:t>    if (!</a:t>
+            </a:r>
+            <a:r>
+              <a:rPr lang="en-US" sz="1800" dirty="0" err="1" smtClean="0"/>
+              <a:t>PyArg_ParseTuple</a:t>
+            </a:r>
+            <a:r>
+              <a:rPr lang="en-US" sz="1800" dirty="0" smtClean="0"/>
+              <a:t>(</a:t>
+            </a:r>
+            <a:r>
+              <a:rPr lang="en-US" sz="1800" dirty="0" err="1" smtClean="0"/>
+              <a:t>args</a:t>
+            </a:r>
+            <a:r>
+              <a:rPr lang="en-US" sz="1800" dirty="0" smtClean="0"/>
+              <a:t>, “I”, &amp;num)) return NULL;</a:t>
+            </a:r>
+            <a:br>
+              <a:rPr lang="en-US" sz="1800" dirty="0" smtClean="0"/>
+            </a:br>
+            <a:r>
+              <a:rPr lang="en-US" sz="1800" dirty="0" smtClean="0"/>
+              <a:t>    return (</a:t>
+            </a:r>
+            <a:r>
+              <a:rPr lang="en-US" sz="1800" dirty="0" err="1" smtClean="0"/>
+              <a:t>PyObject</a:t>
+            </a:r>
+            <a:r>
+              <a:rPr lang="en-US" sz="1800" dirty="0" smtClean="0"/>
+              <a:t>*) </a:t>
+            </a:r>
+            <a:r>
+              <a:rPr lang="en-US" sz="1800" dirty="0" err="1" smtClean="0"/>
+              <a:t>Py_BuildValue</a:t>
+            </a:r>
+            <a:r>
+              <a:rPr lang="en-US" sz="1800" dirty="0" smtClean="0"/>
+              <a:t>(“</a:t>
+            </a:r>
+            <a:r>
+              <a:rPr lang="en-US" sz="1800" dirty="0" err="1" smtClean="0"/>
+              <a:t>i</a:t>
+            </a:r>
+            <a:r>
+              <a:rPr lang="en-US" sz="1800" dirty="0" smtClean="0"/>
+              <a:t>”, </a:t>
+            </a:r>
+            <a:r>
+              <a:rPr lang="en-US" sz="1800" dirty="0" err="1" smtClean="0"/>
+              <a:t>fac</a:t>
+            </a:r>
+            <a:r>
+              <a:rPr lang="en-US" sz="1800" dirty="0" smtClean="0"/>
+              <a:t>(num));</a:t>
+            </a:r>
+            <a:br>
+              <a:rPr lang="en-US" sz="1800" dirty="0" smtClean="0"/>
+            </a:br>
+            <a:r>
+              <a:rPr lang="en-US" sz="1800" dirty="0" smtClean="0"/>
+              <a:t>}</a:t>
+            </a:r>
+            <a:br>
+              <a:rPr lang="en-US" sz="1800" dirty="0" smtClean="0"/>
+            </a:br>
+            <a:r>
+              <a:rPr lang="en-US" sz="1800" dirty="0" smtClean="0"/>
+              <a:t/>
+            </a:r>
+            <a:br>
+              <a:rPr lang="en-US" sz="1800" dirty="0" smtClean="0"/>
+            </a:br>
+            <a:r>
+              <a:rPr lang="en-US" sz="1800" dirty="0" smtClean="0">
+                <a:solidFill>
+                  <a:srgbClr val="FF0000"/>
+                </a:solidFill>
+              </a:rPr>
+              <a:t>static</a:t>
+            </a:r>
+            <a:r>
+              <a:rPr lang="en-US" sz="1800" dirty="0" smtClean="0"/>
+              <a:t> </a:t>
+            </a:r>
+            <a:r>
+              <a:rPr lang="en-US" sz="1800" dirty="0" err="1" smtClean="0"/>
+              <a:t>PyMethodDef</a:t>
+            </a:r>
+            <a:r>
+              <a:rPr lang="en-US" sz="1800" dirty="0" smtClean="0"/>
+              <a:t> </a:t>
+            </a:r>
+            <a:r>
+              <a:rPr lang="en-US" sz="1800" dirty="0" err="1" smtClean="0"/>
+              <a:t>ExtestMethods</a:t>
+            </a:r>
+            <a:r>
+              <a:rPr lang="en-US" sz="1800" dirty="0" smtClean="0"/>
+              <a:t>[] = {</a:t>
+            </a:r>
+            <a:br>
+              <a:rPr lang="en-US" sz="1800" dirty="0" smtClean="0"/>
+            </a:br>
+            <a:r>
+              <a:rPr lang="en-US" sz="1800" dirty="0" smtClean="0"/>
+              <a:t>    {“</a:t>
+            </a:r>
+            <a:r>
+              <a:rPr lang="en-US" sz="1800" dirty="0" err="1" smtClean="0"/>
+              <a:t>fac</a:t>
+            </a:r>
+            <a:r>
+              <a:rPr lang="en-US" sz="1800" dirty="0" smtClean="0"/>
+              <a:t>”, </a:t>
+            </a:r>
+            <a:r>
+              <a:rPr lang="en-US" sz="1800" dirty="0" err="1" smtClean="0"/>
+              <a:t>Extest</a:t>
+            </a:r>
+            <a:r>
+              <a:rPr lang="en-US" sz="1800" dirty="0" err="1" smtClean="0">
+                <a:solidFill>
+                  <a:srgbClr val="FF0000"/>
+                </a:solidFill>
+              </a:rPr>
+              <a:t>_fac</a:t>
+            </a:r>
+            <a:r>
+              <a:rPr lang="en-US" sz="1800" dirty="0" smtClean="0"/>
+              <a:t>, METH_VARGARGS},</a:t>
+            </a:r>
+            <a:br>
+              <a:rPr lang="en-US" sz="1800" dirty="0" smtClean="0"/>
+            </a:br>
+            <a:r>
+              <a:rPr lang="en-US" sz="1800" dirty="0" smtClean="0"/>
+              <a:t>    {NULL, NULL},</a:t>
+            </a:r>
+            <a:br>
+              <a:rPr lang="en-US" sz="1800" dirty="0" smtClean="0"/>
+            </a:br>
+            <a:r>
+              <a:rPr lang="en-US" sz="1800" dirty="0" smtClean="0"/>
+              <a:t>};</a:t>
+            </a:r>
+            <a:br>
+              <a:rPr lang="en-US" sz="1800" dirty="0" smtClean="0"/>
+            </a:br>
+            <a:r>
+              <a:rPr lang="en-US" sz="1800" dirty="0" smtClean="0"/>
+              <a:t/>
+            </a:r>
+            <a:br>
+              <a:rPr lang="en-US" sz="1800" dirty="0" smtClean="0"/>
+            </a:br>
+            <a:r>
+              <a:rPr lang="en-US" sz="1800" dirty="0" smtClean="0"/>
+              <a:t>void </a:t>
+            </a:r>
+            <a:r>
+              <a:rPr lang="en-US" sz="1800" dirty="0" err="1" smtClean="0"/>
+              <a:t>initExtest</a:t>
+            </a:r>
+            <a:r>
+              <a:rPr lang="en-US" sz="1800" dirty="0" smtClean="0"/>
+              <a:t>() {</a:t>
+            </a:r>
+            <a:br>
+              <a:rPr lang="en-US" sz="1800" dirty="0" smtClean="0"/>
+            </a:br>
+            <a:r>
+              <a:rPr lang="en-US" sz="1800" dirty="0" smtClean="0"/>
+              <a:t>    </a:t>
+            </a:r>
+            <a:r>
+              <a:rPr lang="en-US" sz="1800" dirty="0" err="1" smtClean="0"/>
+              <a:t>Py_InitModule</a:t>
+            </a:r>
+            <a:r>
+              <a:rPr lang="en-US" sz="1800" dirty="0" smtClean="0"/>
+              <a:t>(“</a:t>
+            </a:r>
+            <a:r>
+              <a:rPr lang="en-US" sz="1800" dirty="0" err="1" smtClean="0"/>
+              <a:t>Extest</a:t>
+            </a:r>
+            <a:r>
+              <a:rPr lang="en-US" sz="1800" dirty="0" smtClean="0"/>
+              <a:t>”, </a:t>
+            </a:r>
+            <a:r>
+              <a:rPr lang="en-US" sz="1800" dirty="0" err="1" smtClean="0"/>
+              <a:t>ExtestMethods</a:t>
+            </a:r>
+            <a:r>
+              <a:rPr lang="en-US" sz="1800" dirty="0" smtClean="0"/>
+              <a:t>);</a:t>
+            </a:r>
+            <a:br>
+              <a:rPr lang="en-US" sz="1800" dirty="0" smtClean="0"/>
+            </a:br>
+            <a:r>
+              <a:rPr lang="en-US" sz="1800" dirty="0" smtClean="0"/>
+              <a:t>}</a:t>
+            </a:r>
+          </a:p>
+        </p:txBody>
+      </p:sp>
     </p:spTree>
   </p:cSld>
   <p:clrMapOvr>
@@ -10139,7 +10152,7 @@
           <a:p>
             <a:r>
               <a:rPr lang="en-US" sz="3200" dirty="0" smtClean="0"/>
-              <a:t>Extending Python</a:t>
+              <a:t>Miscellaneous</a:t>
             </a:r>
             <a:endParaRPr lang="en-US" sz="3200" dirty="0"/>
           </a:p>
@@ -10163,390 +10176,41 @@
         </p:spPr>
         <p:txBody>
           <a:bodyPr>
-            <a:normAutofit lnSpcReduction="10000"/>
+            <a:normAutofit/>
           </a:bodyPr>
           <a:lstStyle/>
           <a:p>
             <a:r>
               <a:rPr lang="en-US" sz="2400" dirty="0" smtClean="0"/>
-              <a:t>Example</a:t>
-            </a:r>
-            <a:br>
+              <a:t>Win32 module deals with MS Office</a:t>
+            </a:r>
+          </a:p>
+          <a:p>
+            <a:pPr lvl="1"/>
+            <a:r>
+              <a:rPr lang="en-US" sz="2000" dirty="0" smtClean="0"/>
+              <a:t>win32com.client</a:t>
+            </a:r>
+          </a:p>
+          <a:p>
+            <a:pPr lvl="1"/>
+            <a:r>
+              <a:rPr lang="en-US" sz="2000" dirty="0" smtClean="0"/>
+              <a:t>Excel/Word/PowerPoint/Outlook</a:t>
+            </a:r>
+          </a:p>
+          <a:p>
+            <a:pPr marL="342900" lvl="1" indent="-342900">
+              <a:buFont typeface="Arial" pitchFamily="34" charset="0"/>
+              <a:buChar char="•"/>
+            </a:pPr>
+            <a:r>
+              <a:rPr lang="en-US" sz="2400" dirty="0" err="1" smtClean="0"/>
+              <a:t>Jython</a:t>
+            </a:r>
+            <a:r>
               <a:rPr lang="en-US" sz="2400" dirty="0" smtClean="0"/>
-            </a:br>
-            <a:r>
-              <a:rPr lang="en-US" sz="1800" dirty="0" smtClean="0"/>
-              <a:t># </a:t>
-            </a:r>
-            <a:r>
-              <a:rPr lang="en-US" sz="1800" dirty="0" err="1" smtClean="0"/>
-              <a:t>Extest.c</a:t>
-            </a:r>
-            <a:r>
-              <a:rPr lang="en-US" sz="1800" dirty="0" smtClean="0"/>
-              <a:t/>
-            </a:r>
-            <a:br>
-              <a:rPr lang="en-US" sz="1800" dirty="0" smtClean="0"/>
-            </a:br>
-            <a:r>
-              <a:rPr lang="en-US" sz="1800" dirty="0" smtClean="0"/>
-              <a:t>#include &lt;</a:t>
-            </a:r>
-            <a:r>
-              <a:rPr lang="en-US" sz="1800" dirty="0" err="1" smtClean="0"/>
-              <a:t>stdlib.h</a:t>
-            </a:r>
-            <a:r>
-              <a:rPr lang="en-US" sz="1800" dirty="0" smtClean="0"/>
-              <a:t>&gt;</a:t>
-            </a:r>
-            <a:br>
-              <a:rPr lang="en-US" sz="1800" dirty="0" smtClean="0"/>
-            </a:br>
-            <a:r>
-              <a:rPr lang="en-US" sz="1800" dirty="0" err="1" smtClean="0"/>
-              <a:t>int</a:t>
-            </a:r>
-            <a:r>
-              <a:rPr lang="en-US" sz="1800" dirty="0" smtClean="0"/>
-              <a:t> </a:t>
-            </a:r>
-            <a:r>
-              <a:rPr lang="en-US" sz="1800" dirty="0" err="1" smtClean="0">
-                <a:solidFill>
-                  <a:srgbClr val="FF0000"/>
-                </a:solidFill>
-              </a:rPr>
-              <a:t>fac</a:t>
-            </a:r>
-            <a:r>
-              <a:rPr lang="en-US" sz="1800" dirty="0" smtClean="0"/>
-              <a:t>(</a:t>
-            </a:r>
-            <a:r>
-              <a:rPr lang="en-US" sz="1800" dirty="0" err="1" smtClean="0"/>
-              <a:t>int</a:t>
-            </a:r>
-            <a:r>
-              <a:rPr lang="en-US" sz="1800" dirty="0" smtClean="0"/>
-              <a:t> n) { if (n &lt; 2) return (1); return (n) * </a:t>
-            </a:r>
-            <a:r>
-              <a:rPr lang="en-US" sz="1800" dirty="0" err="1" smtClean="0"/>
-              <a:t>fac</a:t>
-            </a:r>
-            <a:r>
-              <a:rPr lang="en-US" sz="1800" dirty="0" smtClean="0"/>
-              <a:t>(n-1); }</a:t>
-            </a:r>
-            <a:r>
-              <a:rPr lang="en-US" sz="2400" dirty="0" smtClean="0"/>
-              <a:t/>
-            </a:r>
-            <a:br>
-              <a:rPr lang="en-US" sz="2400" dirty="0" smtClean="0"/>
-            </a:br>
-            <a:r>
-              <a:rPr lang="en-US" sz="2400" dirty="0" smtClean="0"/>
-              <a:t/>
-            </a:r>
-            <a:br>
-              <a:rPr lang="en-US" sz="2400" dirty="0" smtClean="0"/>
-            </a:br>
-            <a:r>
-              <a:rPr lang="en-US" sz="1800" dirty="0" smtClean="0"/>
-              <a:t>#include “</a:t>
-            </a:r>
-            <a:r>
-              <a:rPr lang="en-US" sz="1800" dirty="0" err="1" smtClean="0"/>
-              <a:t>python.h</a:t>
-            </a:r>
-            <a:r>
-              <a:rPr lang="en-US" sz="1800" dirty="0" smtClean="0"/>
-              <a:t>”</a:t>
-            </a:r>
-            <a:br>
-              <a:rPr lang="en-US" sz="1800" dirty="0" smtClean="0"/>
-            </a:br>
-            <a:r>
-              <a:rPr lang="en-US" sz="1800" dirty="0" smtClean="0"/>
-              <a:t>static </a:t>
-            </a:r>
-            <a:r>
-              <a:rPr lang="en-US" sz="1800" dirty="0" err="1" smtClean="0"/>
-              <a:t>PyObject</a:t>
-            </a:r>
-            <a:r>
-              <a:rPr lang="en-US" sz="1800" dirty="0" smtClean="0"/>
-              <a:t>* </a:t>
-            </a:r>
-            <a:r>
-              <a:rPr lang="en-US" sz="1800" dirty="0" err="1" smtClean="0"/>
-              <a:t>Extest</a:t>
-            </a:r>
-            <a:r>
-              <a:rPr lang="en-US" sz="1800" dirty="0" err="1" smtClean="0">
-                <a:solidFill>
-                  <a:srgbClr val="FF0000"/>
-                </a:solidFill>
-              </a:rPr>
-              <a:t>_fac</a:t>
-            </a:r>
-            <a:r>
-              <a:rPr lang="en-US" sz="1800" dirty="0" smtClean="0"/>
-              <a:t>(</a:t>
-            </a:r>
-            <a:r>
-              <a:rPr lang="en-US" sz="1800" dirty="0" err="1" smtClean="0"/>
-              <a:t>PyObject</a:t>
-            </a:r>
-            <a:r>
-              <a:rPr lang="en-US" sz="1800" dirty="0" smtClean="0"/>
-              <a:t> *self, </a:t>
-            </a:r>
-            <a:r>
-              <a:rPr lang="en-US" sz="1800" dirty="0" err="1" smtClean="0"/>
-              <a:t>PyObject</a:t>
-            </a:r>
-            <a:r>
-              <a:rPr lang="en-US" sz="1800" dirty="0" smtClean="0"/>
-              <a:t> *</a:t>
-            </a:r>
-            <a:r>
-              <a:rPr lang="en-US" sz="1800" dirty="0" err="1" smtClean="0"/>
-              <a:t>args</a:t>
-            </a:r>
-            <a:r>
-              <a:rPr lang="en-US" sz="1800" dirty="0" smtClean="0"/>
-              <a:t>) {</a:t>
-            </a:r>
-            <a:br>
-              <a:rPr lang="en-US" sz="1800" dirty="0" smtClean="0"/>
-            </a:br>
-            <a:r>
-              <a:rPr lang="en-US" sz="1800" dirty="0" smtClean="0"/>
-              <a:t>    </a:t>
-            </a:r>
-            <a:r>
-              <a:rPr lang="en-US" sz="1800" dirty="0" err="1" smtClean="0"/>
-              <a:t>int</a:t>
-            </a:r>
-            <a:r>
-              <a:rPr lang="en-US" sz="1800" dirty="0" smtClean="0"/>
-              <a:t> num;</a:t>
-            </a:r>
-            <a:br>
-              <a:rPr lang="en-US" sz="1800" dirty="0" smtClean="0"/>
-            </a:br>
-            <a:r>
-              <a:rPr lang="en-US" sz="1800" dirty="0" smtClean="0"/>
-              <a:t>    if (!</a:t>
-            </a:r>
-            <a:r>
-              <a:rPr lang="en-US" sz="1800" dirty="0" err="1" smtClean="0"/>
-              <a:t>PyArg_ParseTuple</a:t>
-            </a:r>
-            <a:r>
-              <a:rPr lang="en-US" sz="1800" dirty="0" smtClean="0"/>
-              <a:t>(</a:t>
-            </a:r>
-            <a:r>
-              <a:rPr lang="en-US" sz="1800" dirty="0" err="1" smtClean="0"/>
-              <a:t>args</a:t>
-            </a:r>
-            <a:r>
-              <a:rPr lang="en-US" sz="1800" dirty="0" smtClean="0"/>
-              <a:t>, “I”, &amp;num)) return NULL;</a:t>
-            </a:r>
-            <a:br>
-              <a:rPr lang="en-US" sz="1800" dirty="0" smtClean="0"/>
-            </a:br>
-            <a:r>
-              <a:rPr lang="en-US" sz="1800" dirty="0" smtClean="0"/>
-              <a:t>    return (</a:t>
-            </a:r>
-            <a:r>
-              <a:rPr lang="en-US" sz="1800" dirty="0" err="1" smtClean="0"/>
-              <a:t>PyObject</a:t>
-            </a:r>
-            <a:r>
-              <a:rPr lang="en-US" sz="1800" dirty="0" smtClean="0"/>
-              <a:t>*) </a:t>
-            </a:r>
-            <a:r>
-              <a:rPr lang="en-US" sz="1800" dirty="0" err="1" smtClean="0"/>
-              <a:t>Py_BuildValue</a:t>
-            </a:r>
-            <a:r>
-              <a:rPr lang="en-US" sz="1800" dirty="0" smtClean="0"/>
-              <a:t>(“</a:t>
-            </a:r>
-            <a:r>
-              <a:rPr lang="en-US" sz="1800" dirty="0" err="1" smtClean="0"/>
-              <a:t>i</a:t>
-            </a:r>
-            <a:r>
-              <a:rPr lang="en-US" sz="1800" dirty="0" smtClean="0"/>
-              <a:t>”, </a:t>
-            </a:r>
-            <a:r>
-              <a:rPr lang="en-US" sz="1800" dirty="0" err="1" smtClean="0"/>
-              <a:t>fac</a:t>
-            </a:r>
-            <a:r>
-              <a:rPr lang="en-US" sz="1800" dirty="0" smtClean="0"/>
-              <a:t>(num));</a:t>
-            </a:r>
-            <a:br>
-              <a:rPr lang="en-US" sz="1800" dirty="0" smtClean="0"/>
-            </a:br>
-            <a:r>
-              <a:rPr lang="en-US" sz="1800" dirty="0" smtClean="0"/>
-              <a:t>}</a:t>
-            </a:r>
-            <a:br>
-              <a:rPr lang="en-US" sz="1800" dirty="0" smtClean="0"/>
-            </a:br>
-            <a:r>
-              <a:rPr lang="en-US" sz="1800" dirty="0" smtClean="0"/>
-              <a:t/>
-            </a:r>
-            <a:br>
-              <a:rPr lang="en-US" sz="1800" dirty="0" smtClean="0"/>
-            </a:br>
-            <a:r>
-              <a:rPr lang="en-US" sz="1800" dirty="0" smtClean="0">
-                <a:solidFill>
-                  <a:srgbClr val="FF0000"/>
-                </a:solidFill>
-              </a:rPr>
-              <a:t>static</a:t>
-            </a:r>
-            <a:r>
-              <a:rPr lang="en-US" sz="1800" dirty="0" smtClean="0"/>
-              <a:t> </a:t>
-            </a:r>
-            <a:r>
-              <a:rPr lang="en-US" sz="1800" dirty="0" err="1" smtClean="0"/>
-              <a:t>PyMethodDef</a:t>
-            </a:r>
-            <a:r>
-              <a:rPr lang="en-US" sz="1800" dirty="0" smtClean="0"/>
-              <a:t> </a:t>
-            </a:r>
-            <a:r>
-              <a:rPr lang="en-US" sz="1800" dirty="0" err="1" smtClean="0"/>
-              <a:t>ExtestMethods</a:t>
-            </a:r>
-            <a:r>
-              <a:rPr lang="en-US" sz="1800" dirty="0" smtClean="0"/>
-              <a:t>[] = {</a:t>
-            </a:r>
-            <a:br>
-              <a:rPr lang="en-US" sz="1800" dirty="0" smtClean="0"/>
-            </a:br>
-            <a:r>
-              <a:rPr lang="en-US" sz="1800" dirty="0" smtClean="0"/>
-              <a:t>    {“</a:t>
-            </a:r>
-            <a:r>
-              <a:rPr lang="en-US" sz="1800" dirty="0" err="1" smtClean="0"/>
-              <a:t>fac</a:t>
-            </a:r>
-            <a:r>
-              <a:rPr lang="en-US" sz="1800" dirty="0" smtClean="0"/>
-              <a:t>”, </a:t>
-            </a:r>
-            <a:r>
-              <a:rPr lang="en-US" sz="1800" dirty="0" err="1" smtClean="0"/>
-              <a:t>Extest</a:t>
-            </a:r>
-            <a:r>
-              <a:rPr lang="en-US" sz="1800" dirty="0" err="1" smtClean="0">
-                <a:solidFill>
-                  <a:srgbClr val="FF0000"/>
-                </a:solidFill>
-              </a:rPr>
-              <a:t>_fac</a:t>
-            </a:r>
-            <a:r>
-              <a:rPr lang="en-US" sz="1800" dirty="0" smtClean="0"/>
-              <a:t>, METH_VARGARGS},</a:t>
-            </a:r>
-            <a:br>
-              <a:rPr lang="en-US" sz="1800" dirty="0" smtClean="0"/>
-            </a:br>
-            <a:r>
-              <a:rPr lang="en-US" sz="1800" dirty="0" smtClean="0"/>
-              <a:t>    {NULL, NULL},</a:t>
-            </a:r>
-            <a:br>
-              <a:rPr lang="en-US" sz="1800" dirty="0" smtClean="0"/>
-            </a:br>
-            <a:r>
-              <a:rPr lang="en-US" sz="1800" dirty="0" smtClean="0"/>
-              <a:t>};</a:t>
-            </a:r>
-            <a:br>
-              <a:rPr lang="en-US" sz="1800" dirty="0" smtClean="0"/>
-            </a:br>
-            <a:r>
-              <a:rPr lang="en-US" sz="1800" dirty="0" smtClean="0"/>
-              <a:t/>
-            </a:r>
-            <a:br>
-              <a:rPr lang="en-US" sz="1800" dirty="0" smtClean="0"/>
-            </a:br>
-            <a:r>
-              <a:rPr lang="en-US" sz="1800" dirty="0" smtClean="0"/>
-              <a:t>void </a:t>
-            </a:r>
-            <a:r>
-              <a:rPr lang="en-US" sz="1800" dirty="0" err="1" smtClean="0"/>
-              <a:t>initExtest</a:t>
-            </a:r>
-            <a:r>
-              <a:rPr lang="en-US" sz="1800" dirty="0" smtClean="0"/>
-              <a:t>() {</a:t>
-            </a:r>
-            <a:br>
-              <a:rPr lang="en-US" sz="1800" dirty="0" smtClean="0"/>
-            </a:br>
-            <a:r>
-              <a:rPr lang="en-US" sz="1800" dirty="0" smtClean="0"/>
-              <a:t>    </a:t>
-            </a:r>
-            <a:r>
-              <a:rPr lang="en-US" sz="1800" dirty="0" err="1" smtClean="0"/>
-              <a:t>Py_InitModule</a:t>
-            </a:r>
-            <a:r>
-              <a:rPr lang="en-US" sz="1800" dirty="0" smtClean="0"/>
-              <a:t>(“</a:t>
-            </a:r>
-            <a:r>
-              <a:rPr lang="en-US" sz="1800" dirty="0" err="1" smtClean="0"/>
-              <a:t>Extest</a:t>
-            </a:r>
-            <a:r>
-              <a:rPr lang="en-US" sz="1800" dirty="0" smtClean="0"/>
-              <a:t>”, </a:t>
-            </a:r>
-            <a:r>
-              <a:rPr lang="en-US" sz="1800" dirty="0" err="1" smtClean="0"/>
-              <a:t>ExtestMethods</a:t>
-            </a:r>
-            <a:r>
-              <a:rPr lang="en-US" sz="1800" dirty="0" smtClean="0"/>
-              <a:t>);</a:t>
-            </a:r>
-            <a:br>
-              <a:rPr lang="en-US" sz="1800" dirty="0" smtClean="0"/>
-            </a:br>
-            <a:r>
-              <a:rPr lang="en-US" sz="1800" dirty="0" smtClean="0"/>
-              <a:t>}</a:t>
+              <a:t> deals with Java and Python</a:t>
             </a:r>
           </a:p>
         </p:txBody>
@@ -10799,126 +10463,6 @@
 </p:sld>
 </file>
 
-<file path=ppt/slides/slide140.xml><?xml version="1.0" encoding="utf-8"?>
-<p:sld xmlns:a="http://schemas.openxmlformats.org/drawingml/2006/main" xmlns:r="http://schemas.openxmlformats.org/officeDocument/2006/relationships" xmlns:p="http://schemas.openxmlformats.org/presentationml/2006/main">
-  <p:cSld>
-    <p:spTree>
-      <p:nvGrpSpPr>
-        <p:cNvPr id="1" name=""/>
-        <p:cNvGrpSpPr/>
-        <p:nvPr/>
-      </p:nvGrpSpPr>
-      <p:grpSpPr>
-        <a:xfrm>
-          <a:off x="0" y="0"/>
-          <a:ext cx="0" cy="0"/>
-          <a:chOff x="0" y="0"/>
-          <a:chExt cx="0" cy="0"/>
-        </a:xfrm>
-      </p:grpSpPr>
-      <p:sp>
-        <p:nvSpPr>
-          <p:cNvPr id="2" name="Title 1"/>
-          <p:cNvSpPr>
-            <a:spLocks noGrp="1"/>
-          </p:cNvSpPr>
-          <p:nvPr>
-            <p:ph type="title"/>
-          </p:nvPr>
-        </p:nvSpPr>
-        <p:spPr>
-          <a:xfrm>
-            <a:off x="457200" y="274638"/>
-            <a:ext cx="8229600" cy="868362"/>
-          </a:xfrm>
-        </p:spPr>
-        <p:txBody>
-          <a:bodyPr>
-            <a:normAutofit/>
-          </a:bodyPr>
-          <a:lstStyle/>
-          <a:p>
-            <a:r>
-              <a:rPr lang="en-US" sz="3200" dirty="0" smtClean="0"/>
-              <a:t>Miscellaneous</a:t>
-            </a:r>
-            <a:endParaRPr lang="en-US" sz="3200" dirty="0"/>
-          </a:p>
-        </p:txBody>
-      </p:sp>
-      <p:sp>
-        <p:nvSpPr>
-          <p:cNvPr id="4" name="Content Placeholder 2"/>
-          <p:cNvSpPr>
-            <a:spLocks noGrp="1"/>
-          </p:cNvSpPr>
-          <p:nvPr>
-            <p:ph idx="1"/>
-          </p:nvPr>
-        </p:nvSpPr>
-        <p:spPr>
-          <a:xfrm>
-            <a:off x="457200" y="1143000"/>
-            <a:ext cx="8229600" cy="5562600"/>
-          </a:xfrm>
-        </p:spPr>
-        <p:txBody>
-          <a:bodyPr>
-            <a:normAutofit/>
-          </a:bodyPr>
-          <a:lstStyle/>
-          <a:p>
-            <a:r>
-              <a:rPr lang="en-US" sz="2400" dirty="0" smtClean="0"/>
-              <a:t>Win32 module deals with MS Office</a:t>
-            </a:r>
-          </a:p>
-          <a:p>
-            <a:pPr lvl="1"/>
-            <a:r>
-              <a:rPr lang="en-US" sz="2000" dirty="0" smtClean="0"/>
-              <a:t>win32com.client</a:t>
-            </a:r>
-          </a:p>
-          <a:p>
-            <a:pPr lvl="1"/>
-            <a:r>
-              <a:rPr lang="en-US" sz="2000" dirty="0" smtClean="0"/>
-              <a:t>Excel/Word/PowerPoint/Outlook</a:t>
-            </a:r>
-          </a:p>
-          <a:p>
-            <a:pPr marL="342900" lvl="1" indent="-342900">
-              <a:buFont typeface="Arial" pitchFamily="34" charset="0"/>
-              <a:buChar char="•"/>
-            </a:pPr>
-            <a:r>
-              <a:rPr lang="en-US" sz="2400" dirty="0" err="1" smtClean="0"/>
-              <a:t>Jython</a:t>
-            </a:r>
-            <a:r>
-              <a:rPr lang="en-US" sz="2400" dirty="0" smtClean="0"/>
-              <a:t> deals with Java and Python</a:t>
-            </a:r>
-            <a:endParaRPr lang="en-US" sz="2400" dirty="0" smtClean="0"/>
-          </a:p>
-        </p:txBody>
-      </p:sp>
-    </p:spTree>
-  </p:cSld>
-  <p:clrMapOvr>
-    <a:masterClrMapping/>
-  </p:clrMapOvr>
-  <p:timing>
-    <p:tnLst>
-      <p:par>
-        <p:cTn id="1" dur="indefinite" restart="never" nodeType="tmRoot"/>
-      </p:par>
-    </p:tnLst>
-  </p:timing>
-</p:sld>
-</file>
-
 <file path=ppt/slides/slide15.xml><?xml version="1.0" encoding="utf-8"?>
 <p:sld xmlns:a="http://schemas.openxmlformats.org/drawingml/2006/main" xmlns:r="http://schemas.openxmlformats.org/officeDocument/2006/relationships" xmlns:p="http://schemas.openxmlformats.org/presentationml/2006/main">
   <p:cSld>
@@ -12333,13 +11877,8 @@
           <a:p>
             <a:r>
               <a:rPr lang="en-US" dirty="0" smtClean="0"/>
-              <a:t>The python </a:t>
-            </a:r>
-            <a:r>
-              <a:rPr lang="en-US" dirty="0" smtClean="0"/>
-              <a:t>grammar</a:t>
-            </a:r>
-            <a:endParaRPr lang="en-US" dirty="0" smtClean="0"/>
+              <a:t>The python grammar</a:t>
+            </a:r>
           </a:p>
           <a:p>
             <a:r>
@@ -13382,7 +12921,7 @@
             <a:pPr lvl="1"/>
             <a:r>
               <a:rPr lang="en-US" altLang="zh-CN" sz="2000" dirty="0" smtClean="0"/>
-              <a:t>Def </a:t>
+              <a:t>def </a:t>
             </a:r>
             <a:r>
               <a:rPr lang="en-US" altLang="zh-CN" sz="2000" dirty="0" err="1" smtClean="0"/>
@@ -13728,14 +13267,14 @@
             </a:pPr>
             <a:r>
               <a:rPr lang="en-US" altLang="zh-CN" sz="2400" dirty="0" smtClean="0"/>
-              <a:t>Keyword Variable Arguments - Dictionary</a:t>
-            </a:r>
-          </a:p>
-          <a:p>
-            <a:pPr lvl="1"/>
-            <a:r>
-              <a:rPr lang="en-US" altLang="zh-CN" sz="2000" dirty="0" smtClean="0"/>
-              <a:t>Def </a:t>
+              <a:t>Keyword Variable Arguments – Dictionary</a:t>
+            </a:r>
+          </a:p>
+          <a:p>
+            <a:pPr lvl="1"/>
+            <a:r>
+              <a:rPr lang="en-US" altLang="zh-CN" sz="2000" dirty="0" smtClean="0"/>
+              <a:t>def </a:t>
             </a:r>
             <a:r>
               <a:rPr lang="en-US" altLang="zh-CN" sz="2000" dirty="0" err="1" smtClean="0"/>
@@ -13965,7 +13504,7 @@
             </a:br>
             <a:r>
               <a:rPr lang="en-US" altLang="zh-CN" sz="2000" dirty="0" err="1" smtClean="0"/>
-              <a:t>tupleVarArgs</a:t>
+              <a:t>dictVarArgs</a:t>
             </a:r>
             <a:r>
               <a:rPr lang="en-US" altLang="zh-CN" sz="2000" dirty="0" smtClean="0"/>
@@ -13984,7 +13523,7 @@
             </a:br>
             <a:r>
               <a:rPr lang="en-US" altLang="zh-CN" sz="2000" dirty="0" err="1" smtClean="0"/>
-              <a:t>tupleVarArgs</a:t>
+              <a:t>dictVarArgs</a:t>
             </a:r>
             <a:r>
               <a:rPr lang="en-US" altLang="zh-CN" sz="2000" dirty="0" smtClean="0"/>
@@ -14249,7 +13788,7 @@
             </a:r>
             <a:r>
               <a:rPr lang="en-US" altLang="zh-CN" sz="2000" dirty="0" err="1" smtClean="0"/>
-              <a:t>nks</a:t>
+              <a:t>nkw</a:t>
             </a:r>
             <a:r>
               <a:rPr lang="en-US" altLang="zh-CN" sz="2000" dirty="0" smtClean="0"/>
@@ -14391,10 +13930,6 @@
             <a:br>
               <a:rPr lang="en-US" altLang="zh-CN" sz="2000" dirty="0" smtClean="0"/>
             </a:br>
-            <a:r>
-              <a:rPr lang="en-US" altLang="zh-CN" sz="2000" dirty="0" smtClean="0"/>
-              <a:t> </a:t>
-            </a:r>
             <a:r>
               <a:rPr lang="en-US" altLang="zh-CN" sz="2000" dirty="0" err="1" smtClean="0"/>
               <a:t>newfoo</a:t>
@@ -16185,7 +15720,7 @@
             </a:br>
             <a:r>
               <a:rPr lang="en-US" sz="2000" dirty="0" smtClean="0"/>
-              <a:t>        def </a:t>
+              <a:t>    def </a:t>
             </a:r>
             <a:r>
               <a:rPr lang="en-US" sz="2000" dirty="0" err="1" smtClean="0"/>
@@ -16584,7 +16119,7 @@
             </a:br>
             <a:r>
               <a:rPr lang="en-US" altLang="zh-CN" sz="2000" dirty="0" smtClean="0"/>
-              <a:t>    def </a:t>
+              <a:t>def </a:t>
             </a:r>
             <a:r>
               <a:rPr lang="en-US" altLang="zh-CN" sz="2000" dirty="0" err="1" smtClean="0"/>
@@ -16607,7 +16142,7 @@
             </a:br>
             <a:r>
               <a:rPr lang="en-US" altLang="zh-CN" sz="2000" dirty="0" smtClean="0"/>
-              <a:t>         while </a:t>
+              <a:t>       while </a:t>
             </a:r>
             <a:r>
               <a:rPr lang="en-US" altLang="zh-CN" sz="2000" dirty="0" err="1" smtClean="0"/>
@@ -16811,7 +16346,7 @@
         </p:spPr>
         <p:txBody>
           <a:bodyPr>
-            <a:normAutofit/>
+            <a:normAutofit lnSpcReduction="10000"/>
           </a:bodyPr>
           <a:lstStyle/>
           <a:p>
@@ -16837,6 +16372,13 @@
             <a:r>
               <a:rPr lang="en-US" sz="2000" dirty="0" smtClean="0"/>
               <a:t>=0): </a:t>
+            </a:r>
+            <a:br>
+              <a:rPr lang="en-US" sz="2000" dirty="0" smtClean="0"/>
+            </a:br>
+            <a:r>
+              <a:rPr lang="en-US" sz="2000" dirty="0" smtClean="0"/>
+              <a:t>    print ‘not executed until the first next/send is called’</a:t>
             </a:r>
             <a:r>
               <a:rPr lang="en-US" sz="2000" b="1" dirty="0" smtClean="0"/>
@@ -16986,7 +16528,15 @@
             </a:pPr>
             <a:r>
               <a:rPr lang="en-US" sz="2000" dirty="0" smtClean="0"/>
-              <a:t>     count = counter(5)</a:t>
+              <a:t>     count = counter(5)   //don’t print anything, image returns a special </a:t>
+            </a:r>
+            <a:r>
+              <a:rPr lang="en-US" sz="2000" dirty="0" err="1" smtClean="0"/>
+              <a:t>obj</a:t>
+            </a:r>
+            <a:r>
+              <a:rPr lang="en-US" sz="2000" dirty="0" smtClean="0"/>
+              <a:t/>
             </a:r>
             <a:br>
               <a:rPr lang="en-US" sz="2000" dirty="0" smtClean="0"/>
@@ -16997,7 +16547,14 @@
             </a:r>
             <a:r>
               <a:rPr lang="en-US" sz="2000" dirty="0" smtClean="0"/>
-              <a:t>()</a:t>
+              <a:t>()  // start to execute until hitting the yield statement, and</a:t>
+            </a:r>
+            <a:br>
+              <a:rPr lang="en-US" sz="2000" dirty="0" smtClean="0"/>
+            </a:br>
+            <a:r>
+              <a:rPr lang="en-US" sz="2000" dirty="0" smtClean="0"/>
+              <a:t>                        // returns the value after the yield keyword which is 5</a:t>
             </a:r>
             <a:br>
               <a:rPr lang="en-US" sz="2000" dirty="0" smtClean="0"/>
@@ -17008,7 +16565,14 @@
             </a:r>
             <a:r>
               <a:rPr lang="en-US" sz="2000" dirty="0" smtClean="0"/>
-              <a:t>(9)</a:t>
+              <a:t>(9) // resume executing from where the last yield, changes</a:t>
+            </a:r>
+            <a:br>
+              <a:rPr lang="en-US" sz="2000" dirty="0" smtClean="0"/>
+            </a:br>
+            <a:r>
+              <a:rPr lang="en-US" sz="2000" dirty="0" smtClean="0"/>
+              <a:t>                          // the yield expression value to 9</a:t>
             </a:r>
             <a:br>
               <a:rPr lang="en-US" sz="2000" dirty="0" smtClean="0"/>
@@ -19028,15 +18592,32 @@
             </a:pPr>
             <a:r>
               <a:rPr lang="en-US" altLang="zh-CN" sz="2400" dirty="0" smtClean="0"/>
-              <a:t>Use class to access/modify class properties instead of instance</a:t>
-            </a:r>
-          </a:p>
-          <a:p>
-            <a:pPr marL="342900" lvl="1" indent="-342900">
-              <a:buFont typeface="Arial" pitchFamily="34" charset="0"/>
-              <a:buChar char="•"/>
-            </a:pPr>
-            <a:endParaRPr lang="en-US" altLang="zh-CN" sz="2400" dirty="0" smtClean="0"/>
+              <a:t>Use </a:t>
+            </a:r>
+            <a:r>
+              <a:rPr lang="en-US" altLang="zh-CN" sz="2400" dirty="0" smtClean="0">
+                <a:solidFill>
+                  <a:srgbClr val="FF0000"/>
+                </a:solidFill>
+              </a:rPr>
+              <a:t>class</a:t>
+            </a:r>
+            <a:r>
+              <a:rPr lang="en-US" altLang="zh-CN" sz="2400" dirty="0" smtClean="0"/>
+              <a:t> to </a:t>
+            </a:r>
+            <a:r>
+              <a:rPr lang="en-US" altLang="zh-CN" sz="2400" dirty="0" smtClean="0">
+                <a:solidFill>
+                  <a:srgbClr val="FF0000"/>
+                </a:solidFill>
+              </a:rPr>
+              <a:t>access/modify</a:t>
+            </a:r>
+            <a:r>
+              <a:rPr lang="en-US" altLang="zh-CN" sz="2400" dirty="0" smtClean="0"/>
+              <a:t> class properties instead of instance</a:t>
+            </a:r>
           </a:p>
           <a:p>
             <a:pPr marL="342900" lvl="1" indent="-342900">
@@ -19323,15 +18904,7 @@
             </a:pPr>
             <a:r>
               <a:rPr lang="en-US" altLang="zh-CN" sz="2400" dirty="0" smtClean="0"/>
-              <a:t>Classic class (use 2.1 </a:t>
-            </a:r>
-            <a:r>
-              <a:rPr lang="en-US" altLang="zh-CN" sz="2400" dirty="0" err="1" smtClean="0"/>
-              <a:t>interperator</a:t>
-            </a:r>
-            <a:r>
-              <a:rPr lang="en-US" altLang="zh-CN" sz="2400" dirty="0" smtClean="0"/>
-              <a:t>)</a:t>
+              <a:t>Classic class (use 2.1 interpreter)</a:t>
             </a:r>
             <a:endParaRPr lang="en-US" altLang="zh-CN" sz="2000" dirty="0" smtClean="0"/>
           </a:p>
@@ -20303,7 +19876,11 @@
               <a:t>    def __new__(</a:t>
             </a:r>
             <a:r>
-              <a:rPr lang="en-US" altLang="zh-CN" sz="2000" dirty="0" err="1" smtClean="0"/>
+              <a:rPr lang="en-US" altLang="zh-CN" sz="2000" b="1" dirty="0" err="1" smtClean="0">
+                <a:solidFill>
+                  <a:srgbClr val="FF0000"/>
+                </a:solidFill>
+              </a:rPr>
               <a:t>cls</a:t>
             </a:r>
             <a:r>
@@ -20334,7 +19911,11 @@
               <a:t>, </a:t>
             </a:r>
             <a:r>
-              <a:rPr lang="en-US" altLang="zh-CN" sz="2000" dirty="0" err="1" smtClean="0"/>
+              <a:rPr lang="en-US" altLang="zh-CN" sz="2000" b="1" dirty="0" err="1" smtClean="0">
+                <a:solidFill>
+                  <a:srgbClr val="FF0000"/>
+                </a:solidFill>
+              </a:rPr>
               <a:t>cls</a:t>
             </a:r>
             <a:r>
@@ -20342,7 +19923,11 @@
               <a:t>).__new__(</a:t>
             </a:r>
             <a:r>
-              <a:rPr lang="en-US" altLang="zh-CN" sz="2000" dirty="0" err="1" smtClean="0"/>
+              <a:rPr lang="en-US" altLang="zh-CN" sz="2000" b="1" dirty="0" err="1" smtClean="0">
+                <a:solidFill>
+                  <a:srgbClr val="FF0000"/>
+                </a:solidFill>
+              </a:rPr>
               <a:t>cls</a:t>
             </a:r>
             <a:r>
@@ -20567,9 +20152,21 @@
             </a:r>
             <a:r>
               <a:rPr lang="en-US" sz="2000" dirty="0" smtClean="0"/>
-              <a:t>) after classes and types are consolidated in new Python. New algorithm - breadth-first</a:t>
-            </a:r>
-            <a:endParaRPr lang="en-US" altLang="zh-CN" sz="2000" dirty="0" smtClean="0"/>
+              <a:t>) after classes and types are consolidated in new Python. </a:t>
+            </a:r>
+            <a:r>
+              <a:rPr lang="en-US" sz="2000" b="1" dirty="0" smtClean="0">
+                <a:solidFill>
+                  <a:srgbClr val="FF0000"/>
+                </a:solidFill>
+              </a:rPr>
+              <a:t>New algorithm - breadth-first</a:t>
+            </a:r>
+            <a:endParaRPr lang="en-US" altLang="zh-CN" sz="2000" b="1" dirty="0" smtClean="0">
+              <a:solidFill>
+                <a:srgbClr val="FF0000"/>
+              </a:solidFill>
+            </a:endParaRPr>
           </a:p>
           <a:p>
             <a:pPr marL="342900" lvl="1" indent="-342900">
@@ -21901,7 +21498,7 @@
             <a:pPr lvl="1"/>
             <a:r>
               <a:rPr lang="en-US" sz="2000" dirty="0" smtClean="0"/>
-              <a:t>The key to implementing delegation is to override the __</a:t>
+              <a:t>The key to implement delegation is to override the __</a:t>
             </a:r>
             <a:r>
               <a:rPr lang="en-US" sz="2000" dirty="0" err="1" smtClean="0"/>
@@ -22111,7 +21708,7 @@
             </a:r>
             <a:r>
               <a:rPr lang="en-US" altLang="zh-CN" sz="2000" dirty="0" smtClean="0"/>
-              <a:t>;</a:t>
+              <a:t/>
             </a:r>
             <a:br>
               <a:rPr lang="en-US" altLang="zh-CN" sz="2000" dirty="0" smtClean="0"/>
@@ -22545,13 +22142,8 @@
             </a:br>
             <a:r>
               <a:rPr lang="en-US" altLang="zh-CN" sz="2000" dirty="0" smtClean="0"/>
-              <a:t>s.xxx = ‘I don’t think so’ =&gt; exception </a:t>
-            </a:r>
-            <a:r>
-              <a:rPr lang="en-US" altLang="zh-CN" sz="2000" dirty="0" err="1" smtClean="0"/>
-              <a:t>throwed</a:t>
-            </a:r>
-            <a:endParaRPr lang="en-US" altLang="zh-CN" sz="2000" dirty="0" smtClean="0"/>
+              <a:t>s.xxx = ‘I don’t think so’ =&gt; exception thrown</a:t>
+            </a:r>
           </a:p>
         </p:txBody>
       </p:sp>
@@ -23982,7 +23574,7 @@
         </p:spPr>
         <p:txBody>
           <a:bodyPr>
-            <a:normAutofit/>
+            <a:normAutofit lnSpcReduction="10000"/>
           </a:bodyPr>
           <a:lstStyle/>
           <a:p>
@@ -24108,7 +23700,19 @@
             </a:r>
             <a:r>
               <a:rPr lang="en-US" sz="2000" dirty="0" smtClean="0"/>
-              <a:t> of base classes to inherit from, and the (class) attribute dictionary</a:t>
+              <a:t> of base classes to inherit from, and the (class) attribute dictionary (</a:t>
+            </a:r>
+            <a:r>
+              <a:rPr lang="en-US" sz="2000" dirty="0" smtClean="0">
+                <a:solidFill>
+                  <a:srgbClr val="FF0000"/>
+                </a:solidFill>
+              </a:rPr>
+              <a:t>Python interpreter will figure out the arguments and passes in them automatically</a:t>
+            </a:r>
+            <a:r>
+              <a:rPr lang="en-US" sz="2000" dirty="0" smtClean="0"/>
+              <a:t>)</a:t>
             </a:r>
           </a:p>
         </p:txBody>
@@ -24263,11 +23867,7 @@
           <a:p>
             <a:r>
               <a:rPr lang="en-US" sz="3200" dirty="0" smtClean="0"/>
-              <a:t>Module </a:t>
-            </a:r>
-            <a:r>
-              <a:rPr lang="en-US" sz="3200" dirty="0" err="1" smtClean="0"/>
-              <a:t>struture</a:t>
+              <a:t>Module structure</a:t>
             </a:r>
             <a:endParaRPr lang="en-US" sz="3200" dirty="0"/>
           </a:p>
@@ -24947,7 +24547,15 @@
             </a:r>
             <a:r>
               <a:rPr lang="en-US" sz="2000" dirty="0" smtClean="0"/>
-              <a:t>an existing object or built-in with the same name. Also, changes to the variable affect only the </a:t>
+              <a:t>an existing object or built-in with the same name. Also, </a:t>
+            </a:r>
+            <a:r>
+              <a:rPr lang="en-US" sz="2000" dirty="0" smtClean="0"/>
+              <a:t>changes to the variable affect </a:t>
+            </a:r>
+            <a:r>
+              <a:rPr lang="en-US" sz="2000" dirty="0" smtClean="0"/>
+              <a:t>only the </a:t>
             </a:r>
             <a:r>
               <a:rPr lang="en-US" sz="2000" b="1" dirty="0" smtClean="0"/>
@@ -24963,7 +24571,15 @@
             </a:r>
             <a:r>
               <a:rPr lang="en-US" sz="2000" dirty="0" smtClean="0"/>
-              <a:t>in the imported module's namespace. In other words, the binding is now local rather than across namespaces.</a:t>
+              <a:t>in the </a:t>
+            </a:r>
+            <a:r>
+              <a:rPr lang="en-US" sz="2000" dirty="0" smtClean="0"/>
+              <a:t>imported </a:t>
+            </a:r>
+            <a:r>
+              <a:rPr lang="en-US" sz="2000" dirty="0" smtClean="0"/>
+              <a:t>module's namespace. In other words, the binding is now local rather than across namespaces.</a:t>
             </a:r>
             <a:endParaRPr lang="en-US" altLang="zh-CN" sz="2000" dirty="0" smtClean="0"/>
           </a:p>
@@ -25563,7 +25179,11 @@
             </a:r>
             <a:r>
               <a:rPr lang="en-US" altLang="zh-CN" sz="2000" dirty="0" smtClean="0"/>
-              <a:t> in package should contain a __</a:t>
+              <a:t> </a:t>
+            </a:r>
+            <a:r>
+              <a:rPr lang="en-US" altLang="zh-CN" sz="2000" dirty="0" smtClean="0"/>
+              <a:t>in package should contain a __</a:t>
             </a:r>
             <a:r>
               <a:rPr lang="en-US" altLang="zh-CN" sz="2000" dirty="0" err="1" smtClean="0"/>
@@ -27282,8 +26902,9 @@
             </a:pPr>
             <a:r>
               <a:rPr lang="en-US" sz="2000" dirty="0" smtClean="0"/>
-              <a:t>''‘</a:t>
-            </a:r>
+              <a:t>'‘’</a:t>
+            </a:r>
+            <a:endParaRPr lang="en-US" sz="2000" dirty="0" smtClean="0"/>
           </a:p>
           <a:p>
             <a:pPr lvl="1">
@@ -29255,12 +28876,12 @@
               <a:t>Deep copy is only </a:t>
             </a:r>
             <a:r>
-              <a:rPr lang="en-US" sz="2400" dirty="0" err="1" smtClean="0"/>
-              <a:t>meaningfull</a:t>
-            </a:r>
-            <a:r>
               <a:rPr lang="en-US" sz="2400" dirty="0" smtClean="0"/>
-              <a:t> to mutable  variable type </a:t>
+              <a:t>meaningful </a:t>
+            </a:r>
+            <a:r>
+              <a:rPr lang="en-US" sz="2400" dirty="0" smtClean="0"/>
+              <a:t>to mutable  variable type </a:t>
             </a:r>
           </a:p>
           <a:p>
@@ -30057,12 +29678,28 @@
             </a:r>
             <a:r>
               <a:rPr lang="en-US" sz="2000" dirty="0" smtClean="0"/>
-              <a:t> </a:t>
-            </a:r>
-            <a:r>
-              <a:rPr lang="en-US" sz="2000" dirty="0" smtClean="0"/>
-              <a:t>= ‘r’, buffering = -1)</a:t>
-            </a:r>
+              <a:t> = ‘r’, buffering = -1</a:t>
+            </a:r>
+            <a:r>
+              <a:rPr lang="en-US" sz="2000" dirty="0" smtClean="0"/>
+              <a:t>)</a:t>
+            </a:r>
+          </a:p>
+          <a:p>
+            <a:pPr lvl="1"/>
+            <a:r>
+              <a:rPr lang="en-US" sz="2000" dirty="0" smtClean="0"/>
+              <a:t>‘</a:t>
+            </a:r>
+            <a:r>
+              <a:rPr lang="en-US" sz="2000" dirty="0" smtClean="0"/>
+              <a:t>b’ for </a:t>
+            </a:r>
+            <a:r>
+              <a:rPr lang="en-US" sz="2000" dirty="0" smtClean="0"/>
+              <a:t>binary mode</a:t>
+            </a:r>
+            <a:endParaRPr lang="en-US" sz="2000" dirty="0" smtClean="0"/>
           </a:p>
           <a:p>
             <a:pPr lvl="1"/>
@@ -30076,6 +29713,7 @@
               <a:rPr lang="en-US" sz="2400" dirty="0" smtClean="0"/>
               <a:t>Input</a:t>
             </a:r>
+            <a:endParaRPr lang="en-US" sz="2400" dirty="0" smtClean="0"/>
           </a:p>
           <a:p>
             <a:pPr lvl="1"/>
@@ -30112,11 +29750,7 @@
             <a:pPr lvl="1"/>
             <a:r>
               <a:rPr lang="en-US" sz="2000" dirty="0" smtClean="0"/>
-              <a:t>f</a:t>
-            </a:r>
-            <a:r>
-              <a:rPr lang="en-US" sz="2000" dirty="0" smtClean="0"/>
-              <a:t>or </a:t>
+              <a:t>for </a:t>
             </a:r>
             <a:r>
               <a:rPr lang="en-US" sz="2000" dirty="0" err="1" smtClean="0"/>
@@ -30132,7 +29766,6 @@
               <a:rPr lang="en-US" sz="2400" dirty="0" smtClean="0"/>
               <a:t>Output</a:t>
             </a:r>
-            <a:endParaRPr lang="en-US" sz="2400" dirty="0" smtClean="0"/>
           </a:p>
           <a:p>
             <a:pPr lvl="1"/>
@@ -30150,7 +29783,45 @@
             </a:r>
           </a:p>
           <a:p>
-            <a:pPr lvl="1"/>
+            <a:pPr marL="342900" lvl="1" indent="-342900">
+              <a:buFont typeface="Arial" pitchFamily="34" charset="0"/>
+              <a:buChar char="•"/>
+            </a:pPr>
+            <a:r>
+              <a:rPr lang="en-US" sz="2400" dirty="0" smtClean="0"/>
+              <a:t>OS module</a:t>
+            </a:r>
+          </a:p>
+          <a:p>
+            <a:pPr lvl="1"/>
+            <a:r>
+              <a:rPr lang="en-US" sz="2000" dirty="0" err="1" smtClean="0"/>
+              <a:t>linesep</a:t>
+            </a:r>
+            <a:r>
+              <a:rPr lang="en-US" sz="2000" dirty="0" smtClean="0"/>
+              <a:t>/sep/</a:t>
+            </a:r>
+            <a:r>
+              <a:rPr lang="en-US" sz="2000" dirty="0" err="1" smtClean="0"/>
+              <a:t>pathsep</a:t>
+            </a:r>
+            <a:r>
+              <a:rPr lang="en-US" sz="2000" dirty="0" smtClean="0"/>
+              <a:t>/</a:t>
+            </a:r>
+            <a:r>
+              <a:rPr lang="en-US" sz="2000" dirty="0" err="1" smtClean="0"/>
+              <a:t>curdir</a:t>
+            </a:r>
+            <a:r>
+              <a:rPr lang="en-US" sz="2000" dirty="0" smtClean="0"/>
+              <a:t>/</a:t>
+            </a:r>
+            <a:r>
+              <a:rPr lang="en-US" sz="2000" dirty="0" err="1" smtClean="0"/>
+              <a:t>pardir</a:t>
+            </a:r>
             <a:endParaRPr lang="en-US" sz="2000" dirty="0" smtClean="0"/>
           </a:p>
         </p:txBody>
@@ -30199,8 +29870,8 @@
         </p:nvSpPr>
         <p:spPr>
           <a:xfrm>
-            <a:off x="457200" y="274638"/>
-            <a:ext cx="8229600" cy="868362"/>
+            <a:off x="533400" y="0"/>
+            <a:ext cx="8229600" cy="685800"/>
           </a:xfrm>
         </p:spPr>
         <p:txBody>
@@ -30211,200 +29882,44 @@
           <a:p>
             <a:r>
               <a:rPr lang="en-US" sz="3200" dirty="0" smtClean="0"/>
-              <a:t>File and I/O</a:t>
+              <a:t>Methods for File Objects</a:t>
             </a:r>
             <a:endParaRPr lang="en-US" sz="3200" dirty="0"/>
           </a:p>
         </p:txBody>
       </p:sp>
-      <p:sp>
-        <p:nvSpPr>
-          <p:cNvPr id="3" name="Content Placeholder 2"/>
-          <p:cNvSpPr>
-            <a:spLocks noGrp="1"/>
-          </p:cNvSpPr>
-          <p:nvPr>
-            <p:ph idx="1"/>
-          </p:nvPr>
-        </p:nvSpPr>
-        <p:spPr>
-          <a:xfrm>
-            <a:off x="457200" y="1143000"/>
-            <a:ext cx="8229600" cy="5562600"/>
-          </a:xfrm>
-        </p:spPr>
-        <p:txBody>
-          <a:bodyPr>
-            <a:normAutofit/>
-          </a:bodyPr>
-          <a:lstStyle/>
-          <a:p>
-            <a:r>
-              <a:rPr lang="en-US" sz="2400" dirty="0" smtClean="0"/>
-              <a:t>Built-in Functions</a:t>
-            </a:r>
-          </a:p>
-          <a:p>
-            <a:pPr lvl="1"/>
-            <a:r>
-              <a:rPr lang="en-US" sz="2000" dirty="0" err="1" smtClean="0"/>
-              <a:t>fileObject</a:t>
-            </a:r>
-            <a:r>
-              <a:rPr lang="en-US" sz="2000" dirty="0" smtClean="0"/>
-              <a:t> = open(</a:t>
-            </a:r>
-            <a:r>
-              <a:rPr lang="en-US" sz="2000" dirty="0" err="1" smtClean="0"/>
-              <a:t>fileName</a:t>
-            </a:r>
-            <a:r>
-              <a:rPr lang="en-US" sz="2000" dirty="0" smtClean="0"/>
-              <a:t>, </a:t>
-            </a:r>
-            <a:r>
-              <a:rPr lang="en-US" sz="2000" dirty="0" err="1" smtClean="0"/>
-              <a:t>accesMode</a:t>
-            </a:r>
-            <a:r>
-              <a:rPr lang="en-US" sz="2000" dirty="0" smtClean="0"/>
-              <a:t> </a:t>
-            </a:r>
-            <a:r>
-              <a:rPr lang="en-US" sz="2000" dirty="0" smtClean="0"/>
-              <a:t>= ‘r’, buffering = -1)</a:t>
-            </a:r>
-          </a:p>
-          <a:p>
-            <a:pPr lvl="1"/>
-            <a:r>
-              <a:rPr lang="en-US" sz="2000" dirty="0" smtClean="0"/>
-              <a:t>file() factory method, same function as “open”. when handling file object, file will be useful, say “if instance(f, file)”</a:t>
-            </a:r>
-          </a:p>
-          <a:p>
-            <a:r>
-              <a:rPr lang="en-US" sz="2400" dirty="0" smtClean="0"/>
-              <a:t>Input</a:t>
-            </a:r>
-          </a:p>
-          <a:p>
-            <a:pPr lvl="1"/>
-            <a:r>
-              <a:rPr lang="en-US" sz="2000" dirty="0" smtClean="0"/>
-              <a:t>read(), </a:t>
-            </a:r>
-            <a:r>
-              <a:rPr lang="en-US" sz="2000" dirty="0" err="1" smtClean="0"/>
-              <a:t>readline</a:t>
-            </a:r>
-            <a:r>
-              <a:rPr lang="en-US" sz="2000" dirty="0" smtClean="0"/>
-              <a:t>(), </a:t>
-            </a:r>
-            <a:r>
-              <a:rPr lang="en-US" sz="2000" dirty="0" err="1" smtClean="0"/>
-              <a:t>readlines</a:t>
-            </a:r>
-            <a:r>
-              <a:rPr lang="en-US" sz="2000" dirty="0" smtClean="0"/>
-              <a:t>(), </a:t>
-            </a:r>
-            <a:r>
-              <a:rPr lang="en-US" sz="2000" dirty="0" err="1" smtClean="0"/>
-              <a:t>xreadlines</a:t>
-            </a:r>
-            <a:r>
-              <a:rPr lang="en-US" sz="2000" dirty="0" smtClean="0"/>
-              <a:t>()</a:t>
-            </a:r>
-          </a:p>
-          <a:p>
-            <a:pPr lvl="1"/>
-            <a:r>
-              <a:rPr lang="en-US" sz="2000" dirty="0" smtClean="0"/>
-              <a:t>f</a:t>
-            </a:r>
-            <a:r>
-              <a:rPr lang="en-US" sz="2000" dirty="0" smtClean="0"/>
-              <a:t>or </a:t>
-            </a:r>
-            <a:r>
-              <a:rPr lang="en-US" sz="2000" dirty="0" err="1" smtClean="0"/>
-              <a:t>eachLine</a:t>
-            </a:r>
-            <a:r>
-              <a:rPr lang="en-US" sz="2000" dirty="0" smtClean="0"/>
-              <a:t> in f:</a:t>
-            </a:r>
-          </a:p>
-          <a:p>
-            <a:r>
-              <a:rPr lang="en-US" sz="2400" dirty="0" smtClean="0"/>
-              <a:t>Output</a:t>
-            </a:r>
-            <a:endParaRPr lang="en-US" sz="2400" dirty="0" smtClean="0"/>
-          </a:p>
-          <a:p>
-            <a:pPr lvl="1"/>
-            <a:r>
-              <a:rPr lang="en-US" sz="2000" dirty="0" smtClean="0"/>
-              <a:t>write(), </a:t>
-            </a:r>
-            <a:r>
-              <a:rPr lang="en-US" sz="2000" dirty="0" err="1" smtClean="0"/>
-              <a:t>writelines</a:t>
-            </a:r>
-            <a:r>
-              <a:rPr lang="en-US" sz="2000" dirty="0" smtClean="0"/>
-              <a:t>()</a:t>
-            </a:r>
-          </a:p>
-          <a:p>
-            <a:pPr marL="342900" lvl="1" indent="-342900">
-              <a:buFont typeface="Arial" pitchFamily="34" charset="0"/>
-              <a:buChar char="•"/>
-            </a:pPr>
-            <a:r>
-              <a:rPr lang="en-US" sz="2400" dirty="0" smtClean="0"/>
-              <a:t>OS module</a:t>
-            </a:r>
-            <a:endParaRPr lang="en-US" sz="2400" dirty="0" smtClean="0"/>
-          </a:p>
-          <a:p>
-            <a:pPr lvl="1"/>
-            <a:r>
-              <a:rPr lang="en-US" sz="2000" dirty="0" err="1" smtClean="0"/>
-              <a:t>linesep</a:t>
-            </a:r>
-            <a:r>
-              <a:rPr lang="en-US" sz="2000" dirty="0" smtClean="0"/>
-              <a:t>/sep/</a:t>
-            </a:r>
-            <a:r>
-              <a:rPr lang="en-US" sz="2000" dirty="0" err="1" smtClean="0"/>
-              <a:t>pathsep</a:t>
-            </a:r>
-            <a:r>
-              <a:rPr lang="en-US" sz="2000" dirty="0" smtClean="0"/>
-              <a:t>/</a:t>
-            </a:r>
-            <a:r>
-              <a:rPr lang="en-US" sz="2000" dirty="0" err="1" smtClean="0"/>
-              <a:t>curdir</a:t>
-            </a:r>
-            <a:r>
-              <a:rPr lang="en-US" sz="2000" dirty="0" smtClean="0"/>
-              <a:t>/</a:t>
-            </a:r>
-            <a:r>
-              <a:rPr lang="en-US" sz="2000" dirty="0" err="1" smtClean="0"/>
-              <a:t>pardir</a:t>
-            </a:r>
-            <a:endParaRPr lang="en-US" sz="2000" dirty="0" smtClean="0"/>
-          </a:p>
-        </p:txBody>
-      </p:sp>
+      <p:pic>
+        <p:nvPicPr>
+          <p:cNvPr id="1027" name="Picture 3"/>
+          <p:cNvPicPr>
+            <a:picLocks noChangeAspect="1" noChangeArrowheads="1"/>
+          </p:cNvPicPr>
+          <p:nvPr/>
+        </p:nvPicPr>
+        <p:blipFill>
+          <a:blip r:embed="rId2" cstate="print"/>
+          <a:srcRect/>
+          <a:stretch>
+            <a:fillRect/>
+          </a:stretch>
+        </p:blipFill>
+        <p:spPr bwMode="auto">
+          <a:xfrm>
+            <a:off x="381000" y="685800"/>
+            <a:ext cx="8382000" cy="6172200"/>
+          </a:xfrm>
+          <a:prstGeom prst="rect">
+            <a:avLst/>
+          </a:prstGeom>
+          <a:noFill/>
+          <a:ln w="9525">
+            <a:noFill/>
+            <a:miter lim="800000"/>
+            <a:headEnd/>
+            <a:tailEnd/>
+          </a:ln>
+        </p:spPr>
+      </p:pic>
     </p:spTree>
   </p:cSld>
   <p:clrMapOvr>
@@ -30607,8 +30122,8 @@
         </p:nvSpPr>
         <p:spPr>
           <a:xfrm>
-            <a:off x="533400" y="0"/>
-            <a:ext cx="8229600" cy="685800"/>
+            <a:off x="457200" y="274638"/>
+            <a:ext cx="8229600" cy="868362"/>
           </a:xfrm>
         </p:spPr>
         <p:txBody>
@@ -30619,7 +30134,7 @@
           <a:p>
             <a:r>
               <a:rPr lang="en-US" sz="3200" dirty="0" smtClean="0"/>
-              <a:t>Methods for File Objects</a:t>
+              <a:t>Attributes for File Objects</a:t>
             </a:r>
             <a:endParaRPr lang="en-US" sz="3200" dirty="0"/>
           </a:p>
@@ -30627,7 +30142,7 @@
       </p:sp>
       <p:pic>
         <p:nvPicPr>
-          <p:cNvPr id="1027" name="Picture 3"/>
+          <p:cNvPr id="2050" name="Picture 2"/>
           <p:cNvPicPr>
             <a:picLocks noChangeAspect="1" noChangeArrowheads="1"/>
           </p:cNvPicPr>
@@ -30642,8 +30157,8 @@
         </p:blipFill>
         <p:spPr bwMode="auto">
           <a:xfrm>
-            <a:off x="381000" y="685800"/>
-            <a:ext cx="8382000" cy="6172200"/>
+            <a:off x="404813" y="1900238"/>
+            <a:ext cx="8334375" cy="3057525"/>
           </a:xfrm>
           <a:prstGeom prst="rect">
             <a:avLst/>
@@ -30713,48 +30228,148 @@
           <a:p>
             <a:r>
               <a:rPr lang="en-US" sz="3200" dirty="0" smtClean="0"/>
-              <a:t>Attributes for </a:t>
-            </a:r>
-            <a:r>
-              <a:rPr lang="en-US" sz="3200" dirty="0" smtClean="0"/>
-              <a:t>File Objects</a:t>
+              <a:t>Standard files</a:t>
             </a:r>
             <a:endParaRPr lang="en-US" sz="3200" dirty="0"/>
           </a:p>
         </p:txBody>
       </p:sp>
-      <p:pic>
-        <p:nvPicPr>
-          <p:cNvPr id="2050" name="Picture 2"/>
-          <p:cNvPicPr>
-            <a:picLocks noChangeAspect="1" noChangeArrowheads="1"/>
-          </p:cNvPicPr>
-          <p:nvPr/>
-        </p:nvPicPr>
-        <p:blipFill>
-          <a:blip r:embed="rId2" cstate="print"/>
-          <a:srcRect/>
-          <a:stretch>
-            <a:fillRect/>
-          </a:stretch>
-        </p:blipFill>
-        <p:spPr bwMode="auto">
-          <a:xfrm>
-            <a:off x="404813" y="1900238"/>
-            <a:ext cx="8334375" cy="3057525"/>
-          </a:xfrm>
-          <a:prstGeom prst="rect">
-            <a:avLst/>
-          </a:prstGeom>
-          <a:noFill/>
-          <a:ln w="9525">
-            <a:noFill/>
-            <a:miter lim="800000"/>
-            <a:headEnd/>
-            <a:tailEnd/>
-          </a:ln>
-        </p:spPr>
-      </p:pic>
+      <p:sp>
+        <p:nvSpPr>
+          <p:cNvPr id="3" name="Content Placeholder 2"/>
+          <p:cNvSpPr>
+            <a:spLocks noGrp="1"/>
+          </p:cNvSpPr>
+          <p:nvPr>
+            <p:ph idx="1"/>
+          </p:nvPr>
+        </p:nvSpPr>
+        <p:spPr>
+          <a:xfrm>
+            <a:off x="457200" y="1143000"/>
+            <a:ext cx="8229600" cy="5562600"/>
+          </a:xfrm>
+        </p:spPr>
+        <p:txBody>
+          <a:bodyPr>
+            <a:normAutofit/>
+          </a:bodyPr>
+          <a:lstStyle/>
+          <a:p>
+            <a:r>
+              <a:rPr lang="en-US" sz="2400" dirty="0" smtClean="0"/>
+              <a:t>Standard files</a:t>
+            </a:r>
+          </a:p>
+          <a:p>
+            <a:pPr lvl="1"/>
+            <a:r>
+              <a:rPr lang="en-US" sz="2000" dirty="0" err="1" smtClean="0"/>
+              <a:t>sys.stdin</a:t>
+            </a:r>
+            <a:r>
+              <a:rPr lang="en-US" sz="2000" dirty="0" smtClean="0"/>
+              <a:t>,  </a:t>
+            </a:r>
+            <a:r>
+              <a:rPr lang="en-US" sz="2000" dirty="0" err="1" smtClean="0"/>
+              <a:t>sys.stdout</a:t>
+            </a:r>
+            <a:r>
+              <a:rPr lang="en-US" sz="2000" dirty="0" smtClean="0"/>
+              <a:t>, </a:t>
+            </a:r>
+            <a:r>
+              <a:rPr lang="en-US" sz="2000" dirty="0" err="1" smtClean="0"/>
+              <a:t>sys.stderr</a:t>
+            </a:r>
+            <a:endParaRPr lang="en-US" sz="2000" dirty="0" smtClean="0"/>
+          </a:p>
+          <a:p>
+            <a:pPr marL="342900" lvl="1" indent="-342900">
+              <a:buFont typeface="Arial" pitchFamily="34" charset="0"/>
+              <a:buChar char="•"/>
+            </a:pPr>
+            <a:r>
+              <a:rPr lang="en-US" sz="2400" dirty="0" err="1" smtClean="0"/>
+              <a:t>Cmd</a:t>
+            </a:r>
+            <a:r>
+              <a:rPr lang="en-US" sz="2400" dirty="0" smtClean="0"/>
+              <a:t> line </a:t>
+            </a:r>
+            <a:r>
+              <a:rPr lang="en-US" sz="2400" dirty="0" err="1" smtClean="0"/>
+              <a:t>args</a:t>
+            </a:r>
+            <a:endParaRPr lang="en-US" sz="2400" dirty="0" smtClean="0"/>
+          </a:p>
+          <a:p>
+            <a:pPr lvl="1"/>
+            <a:r>
+              <a:rPr lang="en-US" sz="2000" dirty="0" err="1" smtClean="0"/>
+              <a:t>sys.argv</a:t>
+            </a:r>
+            <a:r>
+              <a:rPr lang="en-US" sz="2000" dirty="0" smtClean="0"/>
+              <a:t>, </a:t>
+            </a:r>
+            <a:r>
+              <a:rPr lang="en-US" sz="2000" dirty="0" err="1" smtClean="0"/>
+              <a:t>len</a:t>
+            </a:r>
+            <a:r>
+              <a:rPr lang="en-US" sz="2000" dirty="0" smtClean="0"/>
+              <a:t>(</a:t>
+            </a:r>
+            <a:r>
+              <a:rPr lang="en-US" sz="2000" dirty="0" err="1" smtClean="0"/>
+              <a:t>sys.argv</a:t>
+            </a:r>
+            <a:r>
+              <a:rPr lang="en-US" sz="2000" dirty="0" smtClean="0"/>
+              <a:t>) – </a:t>
+            </a:r>
+            <a:r>
+              <a:rPr lang="en-US" sz="2000" dirty="0" err="1" smtClean="0"/>
+              <a:t>argc</a:t>
+            </a:r>
+            <a:endParaRPr lang="en-US" sz="2000" dirty="0" smtClean="0"/>
+          </a:p>
+          <a:p>
+            <a:pPr lvl="1"/>
+            <a:r>
+              <a:rPr lang="en-US" sz="2000" dirty="0" err="1" smtClean="0"/>
+              <a:t>getopt</a:t>
+            </a:r>
+            <a:r>
+              <a:rPr lang="en-US" sz="2000" dirty="0" smtClean="0"/>
+              <a:t>/</a:t>
+            </a:r>
+            <a:r>
+              <a:rPr lang="en-US" sz="2000" dirty="0" err="1" smtClean="0"/>
+              <a:t>optparse</a:t>
+            </a:r>
+            <a:r>
+              <a:rPr lang="en-US" sz="2000" dirty="0" smtClean="0"/>
+              <a:t> to handle parsing </a:t>
+            </a:r>
+            <a:r>
+              <a:rPr lang="en-US" sz="2000" dirty="0" err="1" smtClean="0"/>
+              <a:t>cmd</a:t>
+            </a:r>
+            <a:r>
+              <a:rPr lang="en-US" sz="2000" dirty="0" smtClean="0"/>
+              <a:t> line </a:t>
+            </a:r>
+            <a:r>
+              <a:rPr lang="en-US" sz="2000" dirty="0" err="1" smtClean="0"/>
+              <a:t>args</a:t>
+            </a:r>
+            <a:endParaRPr lang="en-US" sz="2000" dirty="0" smtClean="0"/>
+          </a:p>
+        </p:txBody>
+      </p:sp>
     </p:spTree>
   </p:cSld>
   <p:clrMapOvr>
@@ -30811,7 +30426,7 @@
           <a:p>
             <a:r>
               <a:rPr lang="en-US" sz="3200" dirty="0" smtClean="0"/>
-              <a:t>Standard files</a:t>
+              <a:t>File I/O</a:t>
             </a:r>
             <a:endParaRPr lang="en-US" sz="3200" dirty="0"/>
           </a:p>
@@ -30852,19 +30467,11 @@
             </a:r>
             <a:r>
               <a:rPr lang="en-US" sz="2000" dirty="0" smtClean="0"/>
-              <a:t>, </a:t>
-            </a:r>
-            <a:r>
-              <a:rPr lang="en-US" sz="2000" dirty="0" smtClean="0"/>
-              <a:t> </a:t>
+              <a:t>,  </a:t>
             </a:r>
             <a:r>
               <a:rPr lang="en-US" sz="2000" dirty="0" err="1" smtClean="0"/>
-              <a:t>s</a:t>
-            </a:r>
-            <a:r>
-              <a:rPr lang="en-US" sz="2000" dirty="0" err="1" smtClean="0"/>
-              <a:t>ys.stdout</a:t>
+              <a:t>sys.stdout</a:t>
             </a:r>
             <a:r>
               <a:rPr lang="en-US" sz="2000" dirty="0" smtClean="0"/>
@@ -31005,8 +30612,8 @@
         </p:nvSpPr>
         <p:spPr>
           <a:xfrm>
-            <a:off x="457200" y="274638"/>
-            <a:ext cx="8229600" cy="868362"/>
+            <a:off x="457200" y="0"/>
+            <a:ext cx="8229600" cy="639762"/>
           </a:xfrm>
         </p:spPr>
         <p:txBody>
@@ -31017,160 +30624,44 @@
           <a:p>
             <a:r>
               <a:rPr lang="en-US" sz="3200" dirty="0" smtClean="0"/>
-              <a:t>File </a:t>
-            </a:r>
-            <a:r>
-              <a:rPr lang="en-US" sz="3200" dirty="0" smtClean="0"/>
-              <a:t>I/O</a:t>
+              <a:t>File system interface</a:t>
             </a:r>
             <a:endParaRPr lang="en-US" sz="3200" dirty="0"/>
           </a:p>
         </p:txBody>
       </p:sp>
-      <p:sp>
-        <p:nvSpPr>
-          <p:cNvPr id="3" name="Content Placeholder 2"/>
-          <p:cNvSpPr>
-            <a:spLocks noGrp="1"/>
-          </p:cNvSpPr>
-          <p:nvPr>
-            <p:ph idx="1"/>
-          </p:nvPr>
-        </p:nvSpPr>
-        <p:spPr>
-          <a:xfrm>
-            <a:off x="457200" y="1143000"/>
-            <a:ext cx="8229600" cy="5562600"/>
-          </a:xfrm>
-        </p:spPr>
-        <p:txBody>
-          <a:bodyPr>
-            <a:normAutofit/>
-          </a:bodyPr>
-          <a:lstStyle/>
-          <a:p>
-            <a:r>
-              <a:rPr lang="en-US" sz="2400" dirty="0" smtClean="0"/>
-              <a:t>Standard files</a:t>
-            </a:r>
-          </a:p>
-          <a:p>
-            <a:pPr lvl="1"/>
-            <a:r>
-              <a:rPr lang="en-US" sz="2000" dirty="0" err="1" smtClean="0"/>
-              <a:t>sys.stdin</a:t>
-            </a:r>
-            <a:r>
-              <a:rPr lang="en-US" sz="2000" dirty="0" smtClean="0"/>
-              <a:t>, </a:t>
-            </a:r>
-            <a:r>
-              <a:rPr lang="en-US" sz="2000" dirty="0" smtClean="0"/>
-              <a:t> </a:t>
-            </a:r>
-            <a:r>
-              <a:rPr lang="en-US" sz="2000" dirty="0" err="1" smtClean="0"/>
-              <a:t>s</a:t>
-            </a:r>
-            <a:r>
-              <a:rPr lang="en-US" sz="2000" dirty="0" err="1" smtClean="0"/>
-              <a:t>ys.stdout</a:t>
-            </a:r>
-            <a:r>
-              <a:rPr lang="en-US" sz="2000" dirty="0" smtClean="0"/>
-              <a:t>, </a:t>
-            </a:r>
-            <a:r>
-              <a:rPr lang="en-US" sz="2000" dirty="0" err="1" smtClean="0"/>
-              <a:t>sys.stderr</a:t>
-            </a:r>
-            <a:endParaRPr lang="en-US" sz="2000" dirty="0" smtClean="0"/>
-          </a:p>
-          <a:p>
-            <a:pPr marL="342900" lvl="1" indent="-342900">
-              <a:buFont typeface="Arial" pitchFamily="34" charset="0"/>
-              <a:buChar char="•"/>
-            </a:pPr>
-            <a:r>
-              <a:rPr lang="en-US" sz="2400" dirty="0" err="1" smtClean="0"/>
-              <a:t>Cmd</a:t>
-            </a:r>
-            <a:r>
-              <a:rPr lang="en-US" sz="2400" dirty="0" smtClean="0"/>
-              <a:t> line </a:t>
-            </a:r>
-            <a:r>
-              <a:rPr lang="en-US" sz="2400" dirty="0" err="1" smtClean="0"/>
-              <a:t>args</a:t>
-            </a:r>
-            <a:endParaRPr lang="en-US" sz="2400" dirty="0" smtClean="0"/>
-          </a:p>
-          <a:p>
-            <a:pPr lvl="1"/>
-            <a:r>
-              <a:rPr lang="en-US" sz="2000" dirty="0" err="1" smtClean="0"/>
-              <a:t>sys.argv</a:t>
-            </a:r>
-            <a:r>
-              <a:rPr lang="en-US" sz="2000" dirty="0" smtClean="0"/>
-              <a:t>, </a:t>
-            </a:r>
-            <a:r>
-              <a:rPr lang="en-US" sz="2000" dirty="0" err="1" smtClean="0"/>
-              <a:t>len</a:t>
-            </a:r>
-            <a:r>
-              <a:rPr lang="en-US" sz="2000" dirty="0" smtClean="0"/>
-              <a:t>(</a:t>
-            </a:r>
-            <a:r>
-              <a:rPr lang="en-US" sz="2000" dirty="0" err="1" smtClean="0"/>
-              <a:t>sys.argv</a:t>
-            </a:r>
-            <a:r>
-              <a:rPr lang="en-US" sz="2000" dirty="0" smtClean="0"/>
-              <a:t>) – </a:t>
-            </a:r>
-            <a:r>
-              <a:rPr lang="en-US" sz="2000" dirty="0" err="1" smtClean="0"/>
-              <a:t>argc</a:t>
-            </a:r>
-            <a:endParaRPr lang="en-US" sz="2000" dirty="0" smtClean="0"/>
-          </a:p>
-          <a:p>
-            <a:pPr lvl="1"/>
-            <a:r>
-              <a:rPr lang="en-US" sz="2000" dirty="0" err="1" smtClean="0"/>
-              <a:t>getopt</a:t>
-            </a:r>
-            <a:r>
-              <a:rPr lang="en-US" sz="2000" dirty="0" smtClean="0"/>
-              <a:t>/</a:t>
-            </a:r>
-            <a:r>
-              <a:rPr lang="en-US" sz="2000" dirty="0" err="1" smtClean="0"/>
-              <a:t>optparse</a:t>
-            </a:r>
-            <a:r>
-              <a:rPr lang="en-US" sz="2000" dirty="0" smtClean="0"/>
-              <a:t> to handle parsing </a:t>
-            </a:r>
-            <a:r>
-              <a:rPr lang="en-US" sz="2000" dirty="0" err="1" smtClean="0"/>
-              <a:t>cmd</a:t>
-            </a:r>
-            <a:r>
-              <a:rPr lang="en-US" sz="2000" dirty="0" smtClean="0"/>
-              <a:t> line </a:t>
-            </a:r>
-            <a:r>
-              <a:rPr lang="en-US" sz="2000" dirty="0" err="1" smtClean="0"/>
-              <a:t>args</a:t>
-            </a:r>
-            <a:endParaRPr lang="en-US" sz="2000" dirty="0" smtClean="0"/>
-          </a:p>
-        </p:txBody>
-      </p:sp>
+      <p:pic>
+        <p:nvPicPr>
+          <p:cNvPr id="3075" name="Picture 3"/>
+          <p:cNvPicPr>
+            <a:picLocks noChangeAspect="1" noChangeArrowheads="1"/>
+          </p:cNvPicPr>
+          <p:nvPr/>
+        </p:nvPicPr>
+        <p:blipFill>
+          <a:blip r:embed="rId2" cstate="print"/>
+          <a:srcRect/>
+          <a:stretch>
+            <a:fillRect/>
+          </a:stretch>
+        </p:blipFill>
+        <p:spPr bwMode="auto">
+          <a:xfrm>
+            <a:off x="1143000" y="571500"/>
+            <a:ext cx="6953250" cy="6286500"/>
+          </a:xfrm>
+          <a:prstGeom prst="rect">
+            <a:avLst/>
+          </a:prstGeom>
+          <a:noFill/>
+          <a:ln w="9525">
+            <a:noFill/>
+            <a:miter lim="800000"/>
+            <a:headEnd/>
+            <a:tailEnd/>
+          </a:ln>
+        </p:spPr>
+      </p:pic>
     </p:spTree>
   </p:cSld>
   <p:clrMapOvr>
@@ -31215,8 +30706,8 @@
         </p:nvSpPr>
         <p:spPr>
           <a:xfrm>
-            <a:off x="457200" y="0"/>
-            <a:ext cx="8229600" cy="639762"/>
+            <a:off x="457200" y="274638"/>
+            <a:ext cx="8229600" cy="868362"/>
           </a:xfrm>
         </p:spPr>
         <p:txBody>
@@ -31235,7 +30726,7 @@
       </p:sp>
       <p:pic>
         <p:nvPicPr>
-          <p:cNvPr id="3075" name="Picture 3"/>
+          <p:cNvPr id="4099" name="Picture 3"/>
           <p:cNvPicPr>
             <a:picLocks noChangeAspect="1" noChangeArrowheads="1"/>
           </p:cNvPicPr>
@@ -31250,8 +30741,8 @@
         </p:blipFill>
         <p:spPr bwMode="auto">
           <a:xfrm>
-            <a:off x="1143000" y="571500"/>
-            <a:ext cx="6953250" cy="6286500"/>
+            <a:off x="609600" y="1143000"/>
+            <a:ext cx="8077200" cy="4752975"/>
           </a:xfrm>
           <a:prstGeom prst="rect">
             <a:avLst/>
@@ -31309,8 +30800,8 @@
         </p:nvSpPr>
         <p:spPr>
           <a:xfrm>
-            <a:off x="457200" y="274638"/>
-            <a:ext cx="8229600" cy="868362"/>
+            <a:off x="381000" y="0"/>
+            <a:ext cx="8229600" cy="609600"/>
           </a:xfrm>
         </p:spPr>
         <p:txBody>
@@ -31321,7 +30812,7 @@
           <a:p>
             <a:r>
               <a:rPr lang="en-US" sz="3200" dirty="0" smtClean="0"/>
-              <a:t>File system interface</a:t>
+              <a:t>OS path module</a:t>
             </a:r>
             <a:endParaRPr lang="en-US" sz="3200" dirty="0"/>
           </a:p>
@@ -31329,7 +30820,7 @@
       </p:sp>
       <p:pic>
         <p:nvPicPr>
-          <p:cNvPr id="4099" name="Picture 3"/>
+          <p:cNvPr id="5123" name="Picture 3"/>
           <p:cNvPicPr>
             <a:picLocks noChangeAspect="1" noChangeArrowheads="1"/>
           </p:cNvPicPr>
@@ -31344,8 +30835,8 @@
         </p:blipFill>
         <p:spPr bwMode="auto">
           <a:xfrm>
-            <a:off x="609600" y="1143000"/>
-            <a:ext cx="8077200" cy="4752975"/>
+            <a:off x="1447800" y="609601"/>
+            <a:ext cx="5563128" cy="6248399"/>
           </a:xfrm>
           <a:prstGeom prst="rect">
             <a:avLst/>
@@ -31403,8 +30894,8 @@
         </p:nvSpPr>
         <p:spPr>
           <a:xfrm>
-            <a:off x="381000" y="0"/>
-            <a:ext cx="8229600" cy="609600"/>
+            <a:off x="457200" y="274638"/>
+            <a:ext cx="8229600" cy="868362"/>
           </a:xfrm>
         </p:spPr>
         <p:txBody>
@@ -31415,44 +30906,175 @@
           <a:p>
             <a:r>
               <a:rPr lang="en-US" sz="3200" dirty="0" smtClean="0"/>
-              <a:t>OS path module</a:t>
+              <a:t>Persistent storage module</a:t>
             </a:r>
             <a:endParaRPr lang="en-US" sz="3200" dirty="0"/>
           </a:p>
         </p:txBody>
       </p:sp>
-      <p:pic>
-        <p:nvPicPr>
-          <p:cNvPr id="5123" name="Picture 3"/>
-          <p:cNvPicPr>
-            <a:picLocks noChangeAspect="1" noChangeArrowheads="1"/>
-          </p:cNvPicPr>
-          <p:nvPr/>
-        </p:nvPicPr>
-        <p:blipFill>
-          <a:blip r:embed="rId2" cstate="print"/>
-          <a:srcRect/>
-          <a:stretch>
-            <a:fillRect/>
-          </a:stretch>
-        </p:blipFill>
-        <p:spPr bwMode="auto">
-          <a:xfrm>
-            <a:off x="1447800" y="609601"/>
-            <a:ext cx="5563128" cy="6248399"/>
-          </a:xfrm>
-          <a:prstGeom prst="rect">
-            <a:avLst/>
-          </a:prstGeom>
-          <a:noFill/>
-          <a:ln w="9525">
-            <a:noFill/>
-            <a:miter lim="800000"/>
-            <a:headEnd/>
-            <a:tailEnd/>
-          </a:ln>
-        </p:spPr>
-      </p:pic>
+      <p:sp>
+        <p:nvSpPr>
+          <p:cNvPr id="4" name="Content Placeholder 2"/>
+          <p:cNvSpPr>
+            <a:spLocks noGrp="1"/>
+          </p:cNvSpPr>
+          <p:nvPr>
+            <p:ph idx="1"/>
+          </p:nvPr>
+        </p:nvSpPr>
+        <p:spPr>
+          <a:xfrm>
+            <a:off x="457200" y="1143000"/>
+            <a:ext cx="8229600" cy="5562600"/>
+          </a:xfrm>
+        </p:spPr>
+        <p:txBody>
+          <a:bodyPr>
+            <a:normAutofit/>
+          </a:bodyPr>
+          <a:lstStyle/>
+          <a:p>
+            <a:pPr marL="342900" lvl="1" indent="-342900">
+              <a:buFont typeface="Arial" pitchFamily="34" charset="0"/>
+              <a:buChar char="•"/>
+            </a:pPr>
+            <a:r>
+              <a:rPr lang="en-US" sz="2400" dirty="0" smtClean="0"/>
+              <a:t>marshal</a:t>
+            </a:r>
+          </a:p>
+          <a:p>
+            <a:pPr lvl="1"/>
+            <a:r>
+              <a:rPr lang="en-US" sz="2000" dirty="0" smtClean="0"/>
+              <a:t>Only handle simple object(number, sequence, map, code object)</a:t>
+            </a:r>
+            <a:endParaRPr lang="en-US" sz="2400" dirty="0" smtClean="0"/>
+          </a:p>
+          <a:p>
+            <a:r>
+              <a:rPr lang="en-US" sz="2400" dirty="0" smtClean="0"/>
+              <a:t>pickle</a:t>
+            </a:r>
+          </a:p>
+          <a:p>
+            <a:pPr lvl="1"/>
+            <a:r>
+              <a:rPr lang="en-US" sz="2000" dirty="0" smtClean="0"/>
+              <a:t>Marshal + recursive object, multi-referenced object in different places</a:t>
+            </a:r>
+          </a:p>
+          <a:p>
+            <a:pPr marL="342900" lvl="1" indent="-342900">
+              <a:buFont typeface="Arial" pitchFamily="34" charset="0"/>
+              <a:buChar char="•"/>
+            </a:pPr>
+            <a:r>
+              <a:rPr lang="en-US" sz="2400" dirty="0" smtClean="0"/>
+              <a:t>DBM style module</a:t>
+            </a:r>
+          </a:p>
+          <a:p>
+            <a:pPr lvl="1"/>
+            <a:r>
+              <a:rPr lang="en-US" sz="2000" dirty="0" err="1" smtClean="0"/>
+              <a:t>anydbm</a:t>
+            </a:r>
+            <a:r>
+              <a:rPr lang="en-US" sz="2000" dirty="0" smtClean="0"/>
+              <a:t> which will search and direct the request to the best DBM implementation (</a:t>
+            </a:r>
+            <a:r>
+              <a:rPr lang="en-US" sz="2000" dirty="0" err="1" smtClean="0"/>
+              <a:t>dbhash</a:t>
+            </a:r>
+            <a:r>
+              <a:rPr lang="en-US" sz="2000" dirty="0" smtClean="0"/>
+              <a:t>/</a:t>
+            </a:r>
+            <a:r>
+              <a:rPr lang="en-US" sz="2000" dirty="0" err="1" smtClean="0"/>
+              <a:t>bsddb</a:t>
+            </a:r>
+            <a:r>
+              <a:rPr lang="en-US" sz="2000" dirty="0" smtClean="0"/>
+              <a:t>, </a:t>
+            </a:r>
+            <a:r>
+              <a:rPr lang="en-US" sz="2000" dirty="0" err="1" smtClean="0"/>
+              <a:t>dbm</a:t>
+            </a:r>
+            <a:r>
+              <a:rPr lang="en-US" sz="2000" dirty="0" smtClean="0"/>
+              <a:t>, </a:t>
+            </a:r>
+            <a:r>
+              <a:rPr lang="en-US" sz="2000" dirty="0" err="1" smtClean="0"/>
+              <a:t>gdbm</a:t>
+            </a:r>
+            <a:r>
+              <a:rPr lang="en-US" sz="2000" dirty="0" smtClean="0"/>
+              <a:t>, </a:t>
+            </a:r>
+            <a:r>
+              <a:rPr lang="en-US" sz="2000" dirty="0" err="1" smtClean="0"/>
+              <a:t>dumbdbm</a:t>
+            </a:r>
+            <a:r>
+              <a:rPr lang="en-US" sz="2000" dirty="0" smtClean="0"/>
+              <a:t> etc)</a:t>
+            </a:r>
+          </a:p>
+          <a:p>
+            <a:pPr marL="342900" lvl="1" indent="-342900">
+              <a:buFont typeface="Arial" pitchFamily="34" charset="0"/>
+              <a:buChar char="•"/>
+            </a:pPr>
+            <a:r>
+              <a:rPr lang="en-US" sz="2400" dirty="0" smtClean="0"/>
+              <a:t>Shelve</a:t>
+            </a:r>
+          </a:p>
+          <a:p>
+            <a:pPr lvl="1"/>
+            <a:r>
+              <a:rPr lang="en-US" sz="2000" dirty="0" smtClean="0"/>
+              <a:t>Use </a:t>
+            </a:r>
+            <a:r>
+              <a:rPr lang="en-US" sz="2000" dirty="0" err="1" smtClean="0"/>
+              <a:t>anydbm</a:t>
+            </a:r>
+            <a:r>
+              <a:rPr lang="en-US" sz="2000" dirty="0" smtClean="0"/>
+              <a:t> to locate a </a:t>
+            </a:r>
+            <a:r>
+              <a:rPr lang="en-US" sz="2000" dirty="0" err="1" smtClean="0"/>
+              <a:t>suitableDBM</a:t>
+            </a:r>
+            <a:r>
+              <a:rPr lang="en-US" sz="2000" dirty="0" smtClean="0"/>
+              <a:t> module, and then use </a:t>
+            </a:r>
+            <a:r>
+              <a:rPr lang="en-US" sz="2000" dirty="0" err="1" smtClean="0"/>
+              <a:t>cPickle</a:t>
+            </a:r>
+            <a:r>
+              <a:rPr lang="en-US" sz="2000" dirty="0" smtClean="0"/>
+              <a:t> to perform the pickling process </a:t>
+            </a:r>
+          </a:p>
+          <a:p>
+            <a:pPr lvl="1"/>
+            <a:r>
+              <a:rPr lang="en-US" sz="2000" dirty="0" smtClean="0"/>
+              <a:t>Permits concurrent read access to the database file, but not shared read/write access</a:t>
+            </a:r>
+          </a:p>
+        </p:txBody>
+      </p:sp>
     </p:spTree>
   </p:cSld>
   <p:clrMapOvr>
@@ -31515,186 +31137,38 @@
           </a:p>
         </p:txBody>
       </p:sp>
-      <p:sp>
-        <p:nvSpPr>
-          <p:cNvPr id="4" name="Content Placeholder 2"/>
-          <p:cNvSpPr>
-            <a:spLocks noGrp="1"/>
-          </p:cNvSpPr>
-          <p:nvPr>
-            <p:ph idx="1"/>
-          </p:nvPr>
-        </p:nvSpPr>
-        <p:spPr>
-          <a:xfrm>
-            <a:off x="457200" y="1143000"/>
-            <a:ext cx="8229600" cy="5562600"/>
-          </a:xfrm>
-        </p:spPr>
-        <p:txBody>
-          <a:bodyPr>
-            <a:normAutofit/>
-          </a:bodyPr>
-          <a:lstStyle/>
-          <a:p>
-            <a:pPr marL="342900" lvl="1" indent="-342900">
-              <a:buFont typeface="Arial" pitchFamily="34" charset="0"/>
-              <a:buChar char="•"/>
-            </a:pPr>
-            <a:r>
-              <a:rPr lang="en-US" sz="2400" dirty="0" smtClean="0"/>
-              <a:t>marshal</a:t>
-            </a:r>
-          </a:p>
-          <a:p>
-            <a:pPr lvl="1"/>
-            <a:r>
-              <a:rPr lang="en-US" sz="2000" dirty="0" smtClean="0"/>
-              <a:t>Only handle simple object(number, sequence, map, code object</a:t>
-            </a:r>
-            <a:r>
-              <a:rPr lang="en-US" sz="2000" dirty="0" smtClean="0"/>
-              <a:t>)</a:t>
-            </a:r>
-            <a:endParaRPr lang="en-US" sz="2400" dirty="0" smtClean="0"/>
-          </a:p>
-          <a:p>
-            <a:r>
-              <a:rPr lang="en-US" sz="2400" dirty="0" smtClean="0"/>
-              <a:t>pickle</a:t>
-            </a:r>
-          </a:p>
-          <a:p>
-            <a:pPr lvl="1"/>
-            <a:r>
-              <a:rPr lang="en-US" sz="2000" dirty="0" smtClean="0"/>
-              <a:t>Marshal + recursive object, multi-referenced object in different places</a:t>
-            </a:r>
-          </a:p>
-          <a:p>
-            <a:pPr marL="342900" lvl="1" indent="-342900">
-              <a:buFont typeface="Arial" pitchFamily="34" charset="0"/>
-              <a:buChar char="•"/>
-            </a:pPr>
-            <a:r>
-              <a:rPr lang="en-US" sz="2400" dirty="0" smtClean="0"/>
-              <a:t>DBM style module</a:t>
-            </a:r>
-          </a:p>
-          <a:p>
-            <a:pPr lvl="1"/>
-            <a:r>
-              <a:rPr lang="en-US" sz="2000" dirty="0" err="1" smtClean="0"/>
-              <a:t>anydbm</a:t>
-            </a:r>
-            <a:r>
-              <a:rPr lang="en-US" sz="2000" dirty="0" smtClean="0"/>
-              <a:t> which will search and direct the request to the best DBM implementation (</a:t>
-            </a:r>
-            <a:r>
-              <a:rPr lang="en-US" sz="2000" dirty="0" err="1" smtClean="0"/>
-              <a:t>dbhash</a:t>
-            </a:r>
-            <a:r>
-              <a:rPr lang="en-US" sz="2000" dirty="0" smtClean="0"/>
-              <a:t>/</a:t>
-            </a:r>
-            <a:r>
-              <a:rPr lang="en-US" sz="2000" dirty="0" err="1" smtClean="0"/>
-              <a:t>bsddb</a:t>
-            </a:r>
-            <a:r>
-              <a:rPr lang="en-US" sz="2000" dirty="0" smtClean="0"/>
-              <a:t>, </a:t>
-            </a:r>
-            <a:r>
-              <a:rPr lang="en-US" sz="2000" dirty="0" err="1" smtClean="0"/>
-              <a:t>dbm</a:t>
-            </a:r>
-            <a:r>
-              <a:rPr lang="en-US" sz="2000" dirty="0" smtClean="0"/>
-              <a:t>, </a:t>
-            </a:r>
-            <a:r>
-              <a:rPr lang="en-US" sz="2000" dirty="0" err="1" smtClean="0"/>
-              <a:t>gdbm</a:t>
-            </a:r>
-            <a:r>
-              <a:rPr lang="en-US" sz="2000" dirty="0" smtClean="0"/>
-              <a:t>, </a:t>
-            </a:r>
-            <a:r>
-              <a:rPr lang="en-US" sz="2000" dirty="0" err="1" smtClean="0"/>
-              <a:t>dumbdbm</a:t>
-            </a:r>
-            <a:r>
-              <a:rPr lang="en-US" sz="2000" dirty="0" smtClean="0"/>
-              <a:t> etc)</a:t>
-            </a:r>
-            <a:endParaRPr lang="en-US" sz="2000" dirty="0" smtClean="0"/>
-          </a:p>
-          <a:p>
-            <a:pPr marL="342900" lvl="1" indent="-342900">
-              <a:buFont typeface="Arial" pitchFamily="34" charset="0"/>
-              <a:buChar char="•"/>
-            </a:pPr>
-            <a:r>
-              <a:rPr lang="en-US" sz="2400" dirty="0" smtClean="0"/>
-              <a:t>Shelve</a:t>
-            </a:r>
-          </a:p>
-          <a:p>
-            <a:pPr lvl="1"/>
-            <a:r>
-              <a:rPr lang="en-US" sz="2000" dirty="0" smtClean="0"/>
-              <a:t>Use </a:t>
-            </a:r>
-            <a:r>
-              <a:rPr lang="en-US" sz="2000" dirty="0" err="1" smtClean="0"/>
-              <a:t>anydbm</a:t>
-            </a:r>
-            <a:r>
-              <a:rPr lang="en-US" sz="2000" dirty="0" smtClean="0"/>
-              <a:t> to locate a </a:t>
-            </a:r>
-            <a:r>
-              <a:rPr lang="en-US" sz="2000" dirty="0" err="1" smtClean="0"/>
-              <a:t>suitableDBM</a:t>
-            </a:r>
-            <a:r>
-              <a:rPr lang="en-US" sz="2000" dirty="0" smtClean="0"/>
-              <a:t> module, and then use </a:t>
-            </a:r>
-            <a:r>
-              <a:rPr lang="en-US" sz="2000" dirty="0" err="1" smtClean="0"/>
-              <a:t>cPickle</a:t>
-            </a:r>
-            <a:r>
-              <a:rPr lang="en-US" sz="2000" dirty="0" smtClean="0"/>
-              <a:t> to </a:t>
-            </a:r>
-            <a:r>
-              <a:rPr lang="en-US" sz="2000" dirty="0" smtClean="0"/>
-              <a:t>perform the pickling </a:t>
-            </a:r>
-            <a:r>
-              <a:rPr lang="en-US" sz="2000" dirty="0" smtClean="0"/>
-              <a:t>process </a:t>
-            </a:r>
-          </a:p>
-          <a:p>
-            <a:pPr lvl="1"/>
-            <a:r>
-              <a:rPr lang="en-US" sz="2000" dirty="0" smtClean="0"/>
-              <a:t>Permits </a:t>
-            </a:r>
-            <a:r>
-              <a:rPr lang="en-US" sz="2000" dirty="0" smtClean="0"/>
-              <a:t>concurrent read access to the database file, but not shared read/write access</a:t>
-            </a:r>
-          </a:p>
-        </p:txBody>
-      </p:sp>
+      <p:pic>
+        <p:nvPicPr>
+          <p:cNvPr id="6146" name="Picture 2"/>
+          <p:cNvPicPr>
+            <a:picLocks noChangeAspect="1" noChangeArrowheads="1"/>
+          </p:cNvPicPr>
+          <p:nvPr/>
+        </p:nvPicPr>
+        <p:blipFill>
+          <a:blip r:embed="rId2" cstate="print"/>
+          <a:srcRect/>
+          <a:stretch>
+            <a:fillRect/>
+          </a:stretch>
+        </p:blipFill>
+        <p:spPr bwMode="auto">
+          <a:xfrm>
+            <a:off x="1781175" y="185738"/>
+            <a:ext cx="5581650" cy="6486525"/>
+          </a:xfrm>
+          <a:prstGeom prst="rect">
+            <a:avLst/>
+          </a:prstGeom>
+          <a:noFill/>
+          <a:ln w="9525">
+            <a:noFill/>
+            <a:miter lim="800000"/>
+            <a:headEnd/>
+            <a:tailEnd/>
+          </a:ln>
+        </p:spPr>
+      </p:pic>
     </p:spTree>
   </p:cSld>
   <p:clrMapOvr>
@@ -31751,7 +31225,7 @@
           <a:p>
             <a:r>
               <a:rPr lang="en-US" sz="3200" dirty="0" smtClean="0"/>
-              <a:t>Persistent storage module</a:t>
+              <a:t>Related file modules</a:t>
             </a:r>
             <a:endParaRPr lang="en-US" sz="3200" dirty="0"/>
           </a:p>
@@ -31759,7 +31233,7 @@
       </p:sp>
       <p:pic>
         <p:nvPicPr>
-          <p:cNvPr id="6146" name="Picture 2"/>
+          <p:cNvPr id="7170" name="Picture 2"/>
           <p:cNvPicPr>
             <a:picLocks noChangeAspect="1" noChangeArrowheads="1"/>
           </p:cNvPicPr>
@@ -31774,8 +31248,8 @@
         </p:blipFill>
         <p:spPr bwMode="auto">
           <a:xfrm>
-            <a:off x="1781175" y="185738"/>
-            <a:ext cx="5581650" cy="6486525"/>
+            <a:off x="609600" y="1133475"/>
+            <a:ext cx="7715250" cy="5724525"/>
           </a:xfrm>
           <a:prstGeom prst="rect">
             <a:avLst/>
@@ -31845,44 +31319,143 @@
           <a:p>
             <a:r>
               <a:rPr lang="en-US" sz="3200" dirty="0" smtClean="0"/>
-              <a:t>Related file modules</a:t>
+              <a:t>Execution </a:t>
+            </a:r>
+            <a:r>
+              <a:rPr lang="en-US" sz="3200" dirty="0" err="1" smtClean="0"/>
+              <a:t>env</a:t>
             </a:r>
             <a:endParaRPr lang="en-US" sz="3200" dirty="0"/>
           </a:p>
         </p:txBody>
       </p:sp>
-      <p:pic>
-        <p:nvPicPr>
-          <p:cNvPr id="7170" name="Picture 2"/>
-          <p:cNvPicPr>
-            <a:picLocks noChangeAspect="1" noChangeArrowheads="1"/>
-          </p:cNvPicPr>
-          <p:nvPr/>
-        </p:nvPicPr>
-        <p:blipFill>
-          <a:blip r:embed="rId2" cstate="print"/>
-          <a:srcRect/>
-          <a:stretch>
-            <a:fillRect/>
-          </a:stretch>
-        </p:blipFill>
-        <p:spPr bwMode="auto">
-          <a:xfrm>
-            <a:off x="609600" y="1133475"/>
-            <a:ext cx="7715250" cy="5724525"/>
-          </a:xfrm>
-          <a:prstGeom prst="rect">
-            <a:avLst/>
-          </a:prstGeom>
-          <a:noFill/>
-          <a:ln w="9525">
-            <a:noFill/>
-            <a:miter lim="800000"/>
-            <a:headEnd/>
-            <a:tailEnd/>
-          </a:ln>
-        </p:spPr>
-      </p:pic>
+      <p:sp>
+        <p:nvSpPr>
+          <p:cNvPr id="4" name="Content Placeholder 2"/>
+          <p:cNvSpPr>
+            <a:spLocks noGrp="1"/>
+          </p:cNvSpPr>
+          <p:nvPr>
+            <p:ph idx="1"/>
+          </p:nvPr>
+        </p:nvSpPr>
+        <p:spPr>
+          <a:xfrm>
+            <a:off x="457200" y="1143000"/>
+            <a:ext cx="8229600" cy="5562600"/>
+          </a:xfrm>
+        </p:spPr>
+        <p:txBody>
+          <a:bodyPr>
+            <a:normAutofit/>
+          </a:bodyPr>
+          <a:lstStyle/>
+          <a:p>
+            <a:pPr marL="342900" lvl="1" indent="-342900">
+              <a:buFont typeface="Arial" pitchFamily="34" charset="0"/>
+              <a:buChar char="•"/>
+            </a:pPr>
+            <a:r>
+              <a:rPr lang="en-US" sz="2400" dirty="0" smtClean="0"/>
+              <a:t>Callable objects</a:t>
+            </a:r>
+          </a:p>
+          <a:p>
+            <a:pPr lvl="1"/>
+            <a:r>
+              <a:rPr lang="en-US" sz="2000" dirty="0" smtClean="0"/>
+              <a:t>BIF (Built-in function)</a:t>
+            </a:r>
+          </a:p>
+          <a:p>
+            <a:pPr lvl="1"/>
+            <a:r>
+              <a:rPr lang="en-US" sz="2000" dirty="0" smtClean="0"/>
+              <a:t>UDF (User-defined function)</a:t>
+            </a:r>
+          </a:p>
+          <a:p>
+            <a:pPr lvl="1"/>
+            <a:r>
+              <a:rPr lang="en-US" sz="2000" dirty="0" smtClean="0"/>
+              <a:t>Lambda</a:t>
+            </a:r>
+          </a:p>
+          <a:p>
+            <a:pPr lvl="1"/>
+            <a:r>
+              <a:rPr lang="en-US" sz="2000" dirty="0" smtClean="0"/>
+              <a:t>BIM (Built-in method)</a:t>
+            </a:r>
+          </a:p>
+          <a:p>
+            <a:pPr lvl="1"/>
+            <a:r>
+              <a:rPr lang="en-US" sz="2000" dirty="0" smtClean="0"/>
+              <a:t>UDM (User-defined, method)</a:t>
+            </a:r>
+          </a:p>
+          <a:p>
+            <a:pPr lvl="1"/>
+            <a:r>
+              <a:rPr lang="en-US" sz="2000" dirty="0" smtClean="0"/>
+              <a:t>Class instances </a:t>
+            </a:r>
+            <a:r>
+              <a:rPr lang="en-US" sz="2000" dirty="0" smtClean="0"/>
+              <a:t>instantiated from </a:t>
+            </a:r>
+            <a:r>
+              <a:rPr lang="en-US" sz="2000" dirty="0" smtClean="0"/>
+              <a:t>classes which has defined </a:t>
+            </a:r>
+            <a:r>
+              <a:rPr lang="en-US" sz="2000" dirty="0" smtClean="0">
+                <a:solidFill>
+                  <a:srgbClr val="FF0000"/>
+                </a:solidFill>
+              </a:rPr>
+              <a:t>__call__ </a:t>
+            </a:r>
+            <a:r>
+              <a:rPr lang="en-US" sz="2000" dirty="0" smtClean="0"/>
+              <a:t>special method</a:t>
+            </a:r>
+          </a:p>
+          <a:p>
+            <a:pPr marL="342900" lvl="1" indent="-342900">
+              <a:buFont typeface="Arial" pitchFamily="34" charset="0"/>
+              <a:buChar char="•"/>
+            </a:pPr>
+            <a:r>
+              <a:rPr lang="en-US" sz="2400" dirty="0" smtClean="0"/>
+              <a:t>Code object </a:t>
+            </a:r>
+          </a:p>
+          <a:p>
+            <a:pPr lvl="1"/>
+            <a:r>
+              <a:rPr lang="en-US" sz="2000" dirty="0" smtClean="0"/>
+              <a:t>byte-compiled code (byte code) converted from Python code</a:t>
+            </a:r>
+          </a:p>
+          <a:p>
+            <a:pPr lvl="1"/>
+            <a:r>
+              <a:rPr lang="en-US" sz="2000" dirty="0" smtClean="0"/>
+              <a:t>They do not contain any information about their execution environment, and that is why </a:t>
+            </a:r>
+            <a:r>
+              <a:rPr lang="en-US" sz="2000" dirty="0" err="1" smtClean="0"/>
+              <a:t>callables</a:t>
+            </a:r>
+            <a:r>
+              <a:rPr lang="en-US" sz="2000" dirty="0" smtClean="0"/>
+              <a:t> exist, to "wrap" a code object and provide that extra information</a:t>
+            </a:r>
+          </a:p>
+        </p:txBody>
+      </p:sp>
     </p:spTree>
   </p:cSld>
   <p:clrMapOvr>
